--- a/Zhejun_Li_oral_presentation.pptx
+++ b/Zhejun_Li_oral_presentation.pptx
@@ -11,9 +11,16 @@
     <p:sldId id="259" r:id="rId5"/>
     <p:sldId id="260" r:id="rId6"/>
     <p:sldId id="261" r:id="rId7"/>
-    <p:sldId id="262" r:id="rId8"/>
-    <p:sldId id="263" r:id="rId9"/>
-    <p:sldId id="264" r:id="rId10"/>
+    <p:sldId id="267" r:id="rId8"/>
+    <p:sldId id="269" r:id="rId9"/>
+    <p:sldId id="270" r:id="rId10"/>
+    <p:sldId id="262" r:id="rId11"/>
+    <p:sldId id="265" r:id="rId12"/>
+    <p:sldId id="266" r:id="rId13"/>
+    <p:sldId id="268" r:id="rId14"/>
+    <p:sldId id="263" r:id="rId15"/>
+    <p:sldId id="264" r:id="rId16"/>
+    <p:sldId id="271" r:id="rId17"/>
   </p:sldIdLst>
   <p:sldSz cx="12192000" cy="6858000"/>
   <p:notesSz cx="6858000" cy="9144000"/>
@@ -269,7 +276,7 @@
           <a:p>
             <a:fld id="{8BB5106F-CA5B-4275-8D9D-115268F72DAD}" type="datetimeFigureOut">
               <a:rPr lang="zh-CN" altLang="en-US" smtClean="0"/>
-              <a:t>2024/2/6</a:t>
+              <a:t>2024/2/8</a:t>
             </a:fld>
             <a:endParaRPr lang="zh-CN" altLang="en-US"/>
           </a:p>
@@ -469,7 +476,7 @@
           <a:p>
             <a:fld id="{8BB5106F-CA5B-4275-8D9D-115268F72DAD}" type="datetimeFigureOut">
               <a:rPr lang="zh-CN" altLang="en-US" smtClean="0"/>
-              <a:t>2024/2/6</a:t>
+              <a:t>2024/2/8</a:t>
             </a:fld>
             <a:endParaRPr lang="zh-CN" altLang="en-US"/>
           </a:p>
@@ -679,7 +686,7 @@
           <a:p>
             <a:fld id="{8BB5106F-CA5B-4275-8D9D-115268F72DAD}" type="datetimeFigureOut">
               <a:rPr lang="zh-CN" altLang="en-US" smtClean="0"/>
-              <a:t>2024/2/6</a:t>
+              <a:t>2024/2/8</a:t>
             </a:fld>
             <a:endParaRPr lang="zh-CN" altLang="en-US"/>
           </a:p>
@@ -879,7 +886,7 @@
           <a:p>
             <a:fld id="{8BB5106F-CA5B-4275-8D9D-115268F72DAD}" type="datetimeFigureOut">
               <a:rPr lang="zh-CN" altLang="en-US" smtClean="0"/>
-              <a:t>2024/2/6</a:t>
+              <a:t>2024/2/8</a:t>
             </a:fld>
             <a:endParaRPr lang="zh-CN" altLang="en-US"/>
           </a:p>
@@ -1155,7 +1162,7 @@
           <a:p>
             <a:fld id="{8BB5106F-CA5B-4275-8D9D-115268F72DAD}" type="datetimeFigureOut">
               <a:rPr lang="zh-CN" altLang="en-US" smtClean="0"/>
-              <a:t>2024/2/6</a:t>
+              <a:t>2024/2/8</a:t>
             </a:fld>
             <a:endParaRPr lang="zh-CN" altLang="en-US"/>
           </a:p>
@@ -1423,7 +1430,7 @@
           <a:p>
             <a:fld id="{8BB5106F-CA5B-4275-8D9D-115268F72DAD}" type="datetimeFigureOut">
               <a:rPr lang="zh-CN" altLang="en-US" smtClean="0"/>
-              <a:t>2024/2/6</a:t>
+              <a:t>2024/2/8</a:t>
             </a:fld>
             <a:endParaRPr lang="zh-CN" altLang="en-US"/>
           </a:p>
@@ -1838,7 +1845,7 @@
           <a:p>
             <a:fld id="{8BB5106F-CA5B-4275-8D9D-115268F72DAD}" type="datetimeFigureOut">
               <a:rPr lang="zh-CN" altLang="en-US" smtClean="0"/>
-              <a:t>2024/2/6</a:t>
+              <a:t>2024/2/8</a:t>
             </a:fld>
             <a:endParaRPr lang="zh-CN" altLang="en-US"/>
           </a:p>
@@ -1980,7 +1987,7 @@
           <a:p>
             <a:fld id="{8BB5106F-CA5B-4275-8D9D-115268F72DAD}" type="datetimeFigureOut">
               <a:rPr lang="zh-CN" altLang="en-US" smtClean="0"/>
-              <a:t>2024/2/6</a:t>
+              <a:t>2024/2/8</a:t>
             </a:fld>
             <a:endParaRPr lang="zh-CN" altLang="en-US"/>
           </a:p>
@@ -2093,7 +2100,7 @@
           <a:p>
             <a:fld id="{8BB5106F-CA5B-4275-8D9D-115268F72DAD}" type="datetimeFigureOut">
               <a:rPr lang="zh-CN" altLang="en-US" smtClean="0"/>
-              <a:t>2024/2/6</a:t>
+              <a:t>2024/2/8</a:t>
             </a:fld>
             <a:endParaRPr lang="zh-CN" altLang="en-US"/>
           </a:p>
@@ -2406,7 +2413,7 @@
           <a:p>
             <a:fld id="{8BB5106F-CA5B-4275-8D9D-115268F72DAD}" type="datetimeFigureOut">
               <a:rPr lang="zh-CN" altLang="en-US" smtClean="0"/>
-              <a:t>2024/2/6</a:t>
+              <a:t>2024/2/8</a:t>
             </a:fld>
             <a:endParaRPr lang="zh-CN" altLang="en-US"/>
           </a:p>
@@ -2695,7 +2702,7 @@
           <a:p>
             <a:fld id="{8BB5106F-CA5B-4275-8D9D-115268F72DAD}" type="datetimeFigureOut">
               <a:rPr lang="zh-CN" altLang="en-US" smtClean="0"/>
-              <a:t>2024/2/6</a:t>
+              <a:t>2024/2/8</a:t>
             </a:fld>
             <a:endParaRPr lang="zh-CN" altLang="en-US"/>
           </a:p>
@@ -2938,7 +2945,7 @@
           <a:p>
             <a:fld id="{8BB5106F-CA5B-4275-8D9D-115268F72DAD}" type="datetimeFigureOut">
               <a:rPr lang="zh-CN" altLang="en-US" smtClean="0"/>
-              <a:t>2024/2/6</a:t>
+              <a:t>2024/2/8</a:t>
             </a:fld>
             <a:endParaRPr lang="zh-CN" altLang="en-US"/>
           </a:p>
@@ -3414,10 +3421,35 @@
           </a:p>
           <a:p>
             <a:r>
+              <a:rPr lang="en-US" altLang="zh-CN" dirty="0">
+                <a:hlinkClick r:id="rId2"/>
+              </a:rPr>
+              <a:t>Zhejun.li@durham.ac.uk</a:t>
+            </a:r>
+            <a:endParaRPr lang="en-US" altLang="zh-CN" dirty="0"/>
+          </a:p>
+          <a:p>
+            <a:r>
+              <a:rPr lang="en-US" altLang="zh-CN" dirty="0" err="1"/>
+              <a:t>github</a:t>
+            </a:r>
+            <a:r>
               <a:rPr lang="en-US" altLang="zh-CN" dirty="0"/>
-              <a:t>Zhejun.li@durham.ac.uk</a:t>
-            </a:r>
-            <a:endParaRPr lang="zh-CN" altLang="en-US" dirty="0"/>
+              <a:t>: </a:t>
+            </a:r>
+            <a:r>
+              <a:rPr lang="en-US" altLang="zh-CN" u="sng" dirty="0">
+                <a:solidFill>
+                  <a:schemeClr val="accent1"/>
+                </a:solidFill>
+              </a:rPr>
+              <a:t>https://github.com/bblike/Quantum_Computing</a:t>
+            </a:r>
+            <a:endParaRPr lang="zh-CN" altLang="en-US" u="sng" dirty="0">
+              <a:solidFill>
+                <a:schemeClr val="accent1"/>
+              </a:solidFill>
+            </a:endParaRPr>
           </a:p>
         </p:txBody>
       </p:sp>
@@ -3425,6 +3457,3172 @@
     <p:extLst>
       <p:ext uri="{BB962C8B-B14F-4D97-AF65-F5344CB8AC3E}">
         <p14:creationId xmlns:p14="http://schemas.microsoft.com/office/powerpoint/2010/main" val="4059479349"/>
+      </p:ext>
+    </p:extLst>
+  </p:cSld>
+  <p:clrMapOvr>
+    <a:masterClrMapping/>
+  </p:clrMapOvr>
+</p:sld>
+</file>
+
+<file path=ppt/slides/slide10.xml><?xml version="1.0" encoding="utf-8"?>
+<p:sld xmlns:a="http://schemas.openxmlformats.org/drawingml/2006/main" xmlns:r="http://schemas.openxmlformats.org/officeDocument/2006/relationships" xmlns:p="http://schemas.openxmlformats.org/presentationml/2006/main">
+  <p:cSld>
+    <p:spTree>
+      <p:nvGrpSpPr>
+        <p:cNvPr id="1" name=""/>
+        <p:cNvGrpSpPr/>
+        <p:nvPr/>
+      </p:nvGrpSpPr>
+      <p:grpSpPr>
+        <a:xfrm>
+          <a:off x="0" y="0"/>
+          <a:ext cx="0" cy="0"/>
+          <a:chOff x="0" y="0"/>
+          <a:chExt cx="0" cy="0"/>
+        </a:xfrm>
+      </p:grpSpPr>
+      <p:sp>
+        <p:nvSpPr>
+          <p:cNvPr id="2" name="Title 1">
+            <a:extLst>
+              <a:ext uri="{FF2B5EF4-FFF2-40B4-BE49-F238E27FC236}">
+                <a16:creationId xmlns:a16="http://schemas.microsoft.com/office/drawing/2014/main" id="{E6FBA98F-4114-5232-58AD-B9D84017A324}"/>
+              </a:ext>
+            </a:extLst>
+          </p:cNvPr>
+          <p:cNvSpPr>
+            <a:spLocks noGrp="1"/>
+          </p:cNvSpPr>
+          <p:nvPr>
+            <p:ph type="title"/>
+          </p:nvPr>
+        </p:nvSpPr>
+        <p:spPr/>
+        <p:txBody>
+          <a:bodyPr/>
+          <a:lstStyle/>
+          <a:p>
+            <a:r>
+              <a:rPr lang="en-US" altLang="zh-CN" dirty="0"/>
+              <a:t>5. Results and Analysis-Detuning</a:t>
+            </a:r>
+            <a:endParaRPr lang="zh-CN" altLang="en-US" dirty="0"/>
+          </a:p>
+        </p:txBody>
+      </p:sp>
+      <p:grpSp>
+        <p:nvGrpSpPr>
+          <p:cNvPr id="39" name="Group 38">
+            <a:extLst>
+              <a:ext uri="{FF2B5EF4-FFF2-40B4-BE49-F238E27FC236}">
+                <a16:creationId xmlns:a16="http://schemas.microsoft.com/office/drawing/2014/main" id="{55EA20F1-F537-C48A-7D34-F8BE42FDA942}"/>
+              </a:ext>
+            </a:extLst>
+          </p:cNvPr>
+          <p:cNvGrpSpPr/>
+          <p:nvPr/>
+        </p:nvGrpSpPr>
+        <p:grpSpPr>
+          <a:xfrm>
+            <a:off x="7329219" y="1510667"/>
+            <a:ext cx="2787815" cy="2075629"/>
+            <a:chOff x="1104226" y="77312"/>
+            <a:chExt cx="2432169" cy="1810838"/>
+          </a:xfrm>
+        </p:grpSpPr>
+        <p:pic>
+          <p:nvPicPr>
+            <p:cNvPr id="13" name="Picture 12" descr="A graph of different colored lines&#10;&#10;Description automatically generated">
+              <a:extLst>
+                <a:ext uri="{FF2B5EF4-FFF2-40B4-BE49-F238E27FC236}">
+                  <a16:creationId xmlns:a16="http://schemas.microsoft.com/office/drawing/2014/main" id="{96F37C0B-0C11-311A-9756-43EF0A5C740A}"/>
+                </a:ext>
+              </a:extLst>
+            </p:cNvPr>
+            <p:cNvPicPr>
+              <a:picLocks noChangeAspect="1"/>
+            </p:cNvPicPr>
+            <p:nvPr/>
+          </p:nvPicPr>
+          <p:blipFill>
+            <a:blip r:embed="rId2">
+              <a:extLst>
+                <a:ext uri="{28A0092B-C50C-407E-A947-70E740481C1C}">
+                  <a14:useLocalDpi xmlns:a14="http://schemas.microsoft.com/office/drawing/2010/main" val="0"/>
+                </a:ext>
+              </a:extLst>
+            </a:blip>
+            <a:stretch>
+              <a:fillRect/>
+            </a:stretch>
+          </p:blipFill>
+          <p:spPr>
+            <a:xfrm>
+              <a:off x="1104226" y="77312"/>
+              <a:ext cx="2387870" cy="1492419"/>
+            </a:xfrm>
+            <a:prstGeom prst="rect">
+              <a:avLst/>
+            </a:prstGeom>
+          </p:spPr>
+        </p:pic>
+        <p:sp>
+          <p:nvSpPr>
+            <p:cNvPr id="30" name="TextBox 29">
+              <a:extLst>
+                <a:ext uri="{FF2B5EF4-FFF2-40B4-BE49-F238E27FC236}">
+                  <a16:creationId xmlns:a16="http://schemas.microsoft.com/office/drawing/2014/main" id="{01AA96D5-30AF-568B-A58E-35509E745F40}"/>
+                </a:ext>
+              </a:extLst>
+            </p:cNvPr>
+            <p:cNvSpPr txBox="1"/>
+            <p:nvPr/>
+          </p:nvSpPr>
+          <p:spPr>
+            <a:xfrm>
+              <a:off x="1534119" y="1518818"/>
+              <a:ext cx="2002276" cy="369332"/>
+            </a:xfrm>
+            <a:prstGeom prst="rect">
+              <a:avLst/>
+            </a:prstGeom>
+            <a:noFill/>
+          </p:spPr>
+          <p:txBody>
+            <a:bodyPr wrap="square" rtlCol="0">
+              <a:spAutoFit/>
+            </a:bodyPr>
+            <a:lstStyle/>
+            <a:p>
+              <a:r>
+                <a:rPr lang="en-US" altLang="zh-CN" dirty="0"/>
+                <a:t>Detuning = 0.5</a:t>
+              </a:r>
+              <a:endParaRPr lang="zh-CN" altLang="en-US" dirty="0"/>
+            </a:p>
+          </p:txBody>
+        </p:sp>
+      </p:grpSp>
+      <p:grpSp>
+        <p:nvGrpSpPr>
+          <p:cNvPr id="40" name="Group 39">
+            <a:extLst>
+              <a:ext uri="{FF2B5EF4-FFF2-40B4-BE49-F238E27FC236}">
+                <a16:creationId xmlns:a16="http://schemas.microsoft.com/office/drawing/2014/main" id="{04F5719A-9575-7C34-404C-4A3322D68F44}"/>
+              </a:ext>
+            </a:extLst>
+          </p:cNvPr>
+          <p:cNvGrpSpPr/>
+          <p:nvPr/>
+        </p:nvGrpSpPr>
+        <p:grpSpPr>
+          <a:xfrm>
+            <a:off x="4792611" y="1523410"/>
+            <a:ext cx="2861259" cy="2020575"/>
+            <a:chOff x="3795350" y="-92842"/>
+            <a:chExt cx="2657325" cy="1948326"/>
+          </a:xfrm>
+        </p:grpSpPr>
+        <p:pic>
+          <p:nvPicPr>
+            <p:cNvPr id="15" name="Picture 14" descr="A graph of different colored lines&#10;&#10;Description automatically generated">
+              <a:extLst>
+                <a:ext uri="{FF2B5EF4-FFF2-40B4-BE49-F238E27FC236}">
+                  <a16:creationId xmlns:a16="http://schemas.microsoft.com/office/drawing/2014/main" id="{D82BD263-EDDD-E2F6-5BC7-5CB7244DBEFC}"/>
+                </a:ext>
+              </a:extLst>
+            </p:cNvPr>
+            <p:cNvPicPr>
+              <a:picLocks noChangeAspect="1"/>
+            </p:cNvPicPr>
+            <p:nvPr/>
+          </p:nvPicPr>
+          <p:blipFill>
+            <a:blip r:embed="rId3">
+              <a:extLst>
+                <a:ext uri="{28A0092B-C50C-407E-A947-70E740481C1C}">
+                  <a14:useLocalDpi xmlns:a14="http://schemas.microsoft.com/office/drawing/2010/main" val="0"/>
+                </a:ext>
+              </a:extLst>
+            </a:blip>
+            <a:stretch>
+              <a:fillRect/>
+            </a:stretch>
+          </p:blipFill>
+          <p:spPr>
+            <a:xfrm>
+              <a:off x="3795350" y="-92842"/>
+              <a:ext cx="2657325" cy="1660828"/>
+            </a:xfrm>
+            <a:prstGeom prst="rect">
+              <a:avLst/>
+            </a:prstGeom>
+          </p:spPr>
+        </p:pic>
+        <p:sp>
+          <p:nvSpPr>
+            <p:cNvPr id="31" name="TextBox 30">
+              <a:extLst>
+                <a:ext uri="{FF2B5EF4-FFF2-40B4-BE49-F238E27FC236}">
+                  <a16:creationId xmlns:a16="http://schemas.microsoft.com/office/drawing/2014/main" id="{3D18DF61-5E05-4D1A-023D-12A134C570FA}"/>
+                </a:ext>
+              </a:extLst>
+            </p:cNvPr>
+            <p:cNvSpPr txBox="1"/>
+            <p:nvPr/>
+          </p:nvSpPr>
+          <p:spPr>
+            <a:xfrm>
+              <a:off x="4318965" y="1486152"/>
+              <a:ext cx="2002276" cy="369332"/>
+            </a:xfrm>
+            <a:prstGeom prst="rect">
+              <a:avLst/>
+            </a:prstGeom>
+            <a:noFill/>
+          </p:spPr>
+          <p:txBody>
+            <a:bodyPr wrap="square" rtlCol="0">
+              <a:spAutoFit/>
+            </a:bodyPr>
+            <a:lstStyle/>
+            <a:p>
+              <a:r>
+                <a:rPr lang="en-US" altLang="zh-CN" dirty="0"/>
+                <a:t>Detuning = 0.3</a:t>
+              </a:r>
+              <a:endParaRPr lang="zh-CN" altLang="en-US" dirty="0"/>
+            </a:p>
+          </p:txBody>
+        </p:sp>
+      </p:grpSp>
+      <p:grpSp>
+        <p:nvGrpSpPr>
+          <p:cNvPr id="41" name="Group 40">
+            <a:extLst>
+              <a:ext uri="{FF2B5EF4-FFF2-40B4-BE49-F238E27FC236}">
+                <a16:creationId xmlns:a16="http://schemas.microsoft.com/office/drawing/2014/main" id="{5852A08E-5A9D-935C-13E7-9AE73B2A96AE}"/>
+              </a:ext>
+            </a:extLst>
+          </p:cNvPr>
+          <p:cNvGrpSpPr/>
+          <p:nvPr/>
+        </p:nvGrpSpPr>
+        <p:grpSpPr>
+          <a:xfrm>
+            <a:off x="2023098" y="1422768"/>
+            <a:ext cx="2823476" cy="2043358"/>
+            <a:chOff x="6545500" y="-24100"/>
+            <a:chExt cx="2657325" cy="1948075"/>
+          </a:xfrm>
+        </p:grpSpPr>
+        <p:pic>
+          <p:nvPicPr>
+            <p:cNvPr id="17" name="Picture 16" descr="A graph of a graph of different numbers&#10;&#10;Description automatically generated with medium confidence">
+              <a:extLst>
+                <a:ext uri="{FF2B5EF4-FFF2-40B4-BE49-F238E27FC236}">
+                  <a16:creationId xmlns:a16="http://schemas.microsoft.com/office/drawing/2014/main" id="{860CB2D0-EC4E-C584-92F6-176376C71C27}"/>
+                </a:ext>
+              </a:extLst>
+            </p:cNvPr>
+            <p:cNvPicPr>
+              <a:picLocks noChangeAspect="1"/>
+            </p:cNvPicPr>
+            <p:nvPr/>
+          </p:nvPicPr>
+          <p:blipFill>
+            <a:blip r:embed="rId4">
+              <a:extLst>
+                <a:ext uri="{28A0092B-C50C-407E-A947-70E740481C1C}">
+                  <a14:useLocalDpi xmlns:a14="http://schemas.microsoft.com/office/drawing/2010/main" val="0"/>
+                </a:ext>
+              </a:extLst>
+            </a:blip>
+            <a:stretch>
+              <a:fillRect/>
+            </a:stretch>
+          </p:blipFill>
+          <p:spPr>
+            <a:xfrm>
+              <a:off x="6545500" y="-24100"/>
+              <a:ext cx="2657325" cy="1660828"/>
+            </a:xfrm>
+            <a:prstGeom prst="rect">
+              <a:avLst/>
+            </a:prstGeom>
+          </p:spPr>
+        </p:pic>
+        <p:sp>
+          <p:nvSpPr>
+            <p:cNvPr id="32" name="TextBox 31">
+              <a:extLst>
+                <a:ext uri="{FF2B5EF4-FFF2-40B4-BE49-F238E27FC236}">
+                  <a16:creationId xmlns:a16="http://schemas.microsoft.com/office/drawing/2014/main" id="{904621F6-734A-6B8F-0A0C-89B9A18A8C25}"/>
+                </a:ext>
+              </a:extLst>
+            </p:cNvPr>
+            <p:cNvSpPr txBox="1"/>
+            <p:nvPr/>
+          </p:nvSpPr>
+          <p:spPr>
+            <a:xfrm>
+              <a:off x="7073049" y="1554643"/>
+              <a:ext cx="2002276" cy="369332"/>
+            </a:xfrm>
+            <a:prstGeom prst="rect">
+              <a:avLst/>
+            </a:prstGeom>
+            <a:noFill/>
+          </p:spPr>
+          <p:txBody>
+            <a:bodyPr wrap="square" rtlCol="0">
+              <a:spAutoFit/>
+            </a:bodyPr>
+            <a:lstStyle/>
+            <a:p>
+              <a:r>
+                <a:rPr lang="en-US" altLang="zh-CN" dirty="0"/>
+                <a:t>Detuning = 0.2</a:t>
+              </a:r>
+              <a:endParaRPr lang="zh-CN" altLang="en-US" dirty="0"/>
+            </a:p>
+          </p:txBody>
+        </p:sp>
+      </p:grpSp>
+      <p:grpSp>
+        <p:nvGrpSpPr>
+          <p:cNvPr id="42" name="Group 41">
+            <a:extLst>
+              <a:ext uri="{FF2B5EF4-FFF2-40B4-BE49-F238E27FC236}">
+                <a16:creationId xmlns:a16="http://schemas.microsoft.com/office/drawing/2014/main" id="{D0E56699-8A36-1397-1BD3-C65BD7DD75C4}"/>
+              </a:ext>
+            </a:extLst>
+          </p:cNvPr>
+          <p:cNvGrpSpPr/>
+          <p:nvPr/>
+        </p:nvGrpSpPr>
+        <p:grpSpPr>
+          <a:xfrm>
+            <a:off x="2008708" y="3612175"/>
+            <a:ext cx="2852255" cy="2062132"/>
+            <a:chOff x="8948556" y="1153689"/>
+            <a:chExt cx="2657322" cy="1909047"/>
+          </a:xfrm>
+        </p:grpSpPr>
+        <p:pic>
+          <p:nvPicPr>
+            <p:cNvPr id="19" name="Picture 18" descr="A graph of different colored lines&#10;&#10;Description automatically generated">
+              <a:extLst>
+                <a:ext uri="{FF2B5EF4-FFF2-40B4-BE49-F238E27FC236}">
+                  <a16:creationId xmlns:a16="http://schemas.microsoft.com/office/drawing/2014/main" id="{5ACF9E0F-F320-779B-93C4-C910CE815533}"/>
+                </a:ext>
+              </a:extLst>
+            </p:cNvPr>
+            <p:cNvPicPr>
+              <a:picLocks noChangeAspect="1"/>
+            </p:cNvPicPr>
+            <p:nvPr/>
+          </p:nvPicPr>
+          <p:blipFill>
+            <a:blip r:embed="rId5">
+              <a:extLst>
+                <a:ext uri="{28A0092B-C50C-407E-A947-70E740481C1C}">
+                  <a14:useLocalDpi xmlns:a14="http://schemas.microsoft.com/office/drawing/2010/main" val="0"/>
+                </a:ext>
+              </a:extLst>
+            </a:blip>
+            <a:stretch>
+              <a:fillRect/>
+            </a:stretch>
+          </p:blipFill>
+          <p:spPr>
+            <a:xfrm>
+              <a:off x="8948556" y="1153689"/>
+              <a:ext cx="2657322" cy="1660827"/>
+            </a:xfrm>
+            <a:prstGeom prst="rect">
+              <a:avLst/>
+            </a:prstGeom>
+          </p:spPr>
+        </p:pic>
+        <p:sp>
+          <p:nvSpPr>
+            <p:cNvPr id="33" name="TextBox 32">
+              <a:extLst>
+                <a:ext uri="{FF2B5EF4-FFF2-40B4-BE49-F238E27FC236}">
+                  <a16:creationId xmlns:a16="http://schemas.microsoft.com/office/drawing/2014/main" id="{ADD5C79B-C461-4C7A-3203-FF8FD2FA31EF}"/>
+                </a:ext>
+              </a:extLst>
+            </p:cNvPr>
+            <p:cNvSpPr txBox="1"/>
+            <p:nvPr/>
+          </p:nvSpPr>
+          <p:spPr>
+            <a:xfrm>
+              <a:off x="9476793" y="2693404"/>
+              <a:ext cx="2002276" cy="369332"/>
+            </a:xfrm>
+            <a:prstGeom prst="rect">
+              <a:avLst/>
+            </a:prstGeom>
+            <a:noFill/>
+          </p:spPr>
+          <p:txBody>
+            <a:bodyPr wrap="square" rtlCol="0">
+              <a:spAutoFit/>
+            </a:bodyPr>
+            <a:lstStyle/>
+            <a:p>
+              <a:r>
+                <a:rPr lang="en-US" altLang="zh-CN" dirty="0"/>
+                <a:t>Detuning = -0.2</a:t>
+              </a:r>
+              <a:endParaRPr lang="zh-CN" altLang="en-US" dirty="0"/>
+            </a:p>
+          </p:txBody>
+        </p:sp>
+      </p:grpSp>
+      <p:grpSp>
+        <p:nvGrpSpPr>
+          <p:cNvPr id="43" name="Group 42">
+            <a:extLst>
+              <a:ext uri="{FF2B5EF4-FFF2-40B4-BE49-F238E27FC236}">
+                <a16:creationId xmlns:a16="http://schemas.microsoft.com/office/drawing/2014/main" id="{F764E389-3B92-6D56-2F44-9BA14BD684DD}"/>
+              </a:ext>
+            </a:extLst>
+          </p:cNvPr>
+          <p:cNvGrpSpPr/>
+          <p:nvPr/>
+        </p:nvGrpSpPr>
+        <p:grpSpPr>
+          <a:xfrm>
+            <a:off x="4801585" y="3679520"/>
+            <a:ext cx="2852255" cy="2106801"/>
+            <a:chOff x="9000402" y="2814517"/>
+            <a:chExt cx="2523988" cy="1864329"/>
+          </a:xfrm>
+        </p:grpSpPr>
+        <p:pic>
+          <p:nvPicPr>
+            <p:cNvPr id="21" name="Picture 20" descr="A graph of different colored lines&#10;&#10;Description automatically generated">
+              <a:extLst>
+                <a:ext uri="{FF2B5EF4-FFF2-40B4-BE49-F238E27FC236}">
+                  <a16:creationId xmlns:a16="http://schemas.microsoft.com/office/drawing/2014/main" id="{3FF5ACD2-CE66-024E-1859-E92F798B8E5C}"/>
+                </a:ext>
+              </a:extLst>
+            </p:cNvPr>
+            <p:cNvPicPr>
+              <a:picLocks noChangeAspect="1"/>
+            </p:cNvPicPr>
+            <p:nvPr/>
+          </p:nvPicPr>
+          <p:blipFill>
+            <a:blip r:embed="rId6">
+              <a:extLst>
+                <a:ext uri="{28A0092B-C50C-407E-A947-70E740481C1C}">
+                  <a14:useLocalDpi xmlns:a14="http://schemas.microsoft.com/office/drawing/2010/main" val="0"/>
+                </a:ext>
+              </a:extLst>
+            </a:blip>
+            <a:stretch>
+              <a:fillRect/>
+            </a:stretch>
+          </p:blipFill>
+          <p:spPr>
+            <a:xfrm>
+              <a:off x="9000402" y="2814517"/>
+              <a:ext cx="2523988" cy="1577492"/>
+            </a:xfrm>
+            <a:prstGeom prst="rect">
+              <a:avLst/>
+            </a:prstGeom>
+          </p:spPr>
+        </p:pic>
+        <p:sp>
+          <p:nvSpPr>
+            <p:cNvPr id="34" name="TextBox 33">
+              <a:extLst>
+                <a:ext uri="{FF2B5EF4-FFF2-40B4-BE49-F238E27FC236}">
+                  <a16:creationId xmlns:a16="http://schemas.microsoft.com/office/drawing/2014/main" id="{D4DF879B-F2AA-B982-9228-E34087996FAA}"/>
+                </a:ext>
+              </a:extLst>
+            </p:cNvPr>
+            <p:cNvSpPr txBox="1"/>
+            <p:nvPr/>
+          </p:nvSpPr>
+          <p:spPr>
+            <a:xfrm>
+              <a:off x="9453393" y="4309514"/>
+              <a:ext cx="2002276" cy="369332"/>
+            </a:xfrm>
+            <a:prstGeom prst="rect">
+              <a:avLst/>
+            </a:prstGeom>
+            <a:noFill/>
+          </p:spPr>
+          <p:txBody>
+            <a:bodyPr wrap="square" rtlCol="0">
+              <a:spAutoFit/>
+            </a:bodyPr>
+            <a:lstStyle/>
+            <a:p>
+              <a:r>
+                <a:rPr lang="en-US" altLang="zh-CN" dirty="0"/>
+                <a:t>Detuning = -0.3</a:t>
+              </a:r>
+              <a:endParaRPr lang="zh-CN" altLang="en-US" dirty="0"/>
+            </a:p>
+          </p:txBody>
+        </p:sp>
+      </p:grpSp>
+      <p:grpSp>
+        <p:nvGrpSpPr>
+          <p:cNvPr id="44" name="Group 43">
+            <a:extLst>
+              <a:ext uri="{FF2B5EF4-FFF2-40B4-BE49-F238E27FC236}">
+                <a16:creationId xmlns:a16="http://schemas.microsoft.com/office/drawing/2014/main" id="{FF1AB1F6-9768-4D6C-FCFF-3B922F9BD834}"/>
+              </a:ext>
+            </a:extLst>
+          </p:cNvPr>
+          <p:cNvGrpSpPr/>
+          <p:nvPr/>
+        </p:nvGrpSpPr>
+        <p:grpSpPr>
+          <a:xfrm>
+            <a:off x="7418284" y="3787812"/>
+            <a:ext cx="2781137" cy="1981335"/>
+            <a:chOff x="9484977" y="4224897"/>
+            <a:chExt cx="2331589" cy="1661068"/>
+          </a:xfrm>
+        </p:grpSpPr>
+        <p:pic>
+          <p:nvPicPr>
+            <p:cNvPr id="23" name="Picture 22" descr="A graph of different colored lines&#10;&#10;Description automatically generated">
+              <a:extLst>
+                <a:ext uri="{FF2B5EF4-FFF2-40B4-BE49-F238E27FC236}">
+                  <a16:creationId xmlns:a16="http://schemas.microsoft.com/office/drawing/2014/main" id="{F6F21C4A-46B6-D9C9-4E79-19BB9E7BCA0A}"/>
+                </a:ext>
+              </a:extLst>
+            </p:cNvPr>
+            <p:cNvPicPr>
+              <a:picLocks noChangeAspect="1"/>
+            </p:cNvPicPr>
+            <p:nvPr/>
+          </p:nvPicPr>
+          <p:blipFill>
+            <a:blip r:embed="rId7">
+              <a:extLst>
+                <a:ext uri="{28A0092B-C50C-407E-A947-70E740481C1C}">
+                  <a14:useLocalDpi xmlns:a14="http://schemas.microsoft.com/office/drawing/2010/main" val="0"/>
+                </a:ext>
+              </a:extLst>
+            </a:blip>
+            <a:stretch>
+              <a:fillRect/>
+            </a:stretch>
+          </p:blipFill>
+          <p:spPr>
+            <a:xfrm>
+              <a:off x="9484977" y="4224897"/>
+              <a:ext cx="2120901" cy="1325563"/>
+            </a:xfrm>
+            <a:prstGeom prst="rect">
+              <a:avLst/>
+            </a:prstGeom>
+          </p:spPr>
+        </p:pic>
+        <p:sp>
+          <p:nvSpPr>
+            <p:cNvPr id="35" name="TextBox 34">
+              <a:extLst>
+                <a:ext uri="{FF2B5EF4-FFF2-40B4-BE49-F238E27FC236}">
+                  <a16:creationId xmlns:a16="http://schemas.microsoft.com/office/drawing/2014/main" id="{2C5333C7-F373-CD3F-2A24-D72AB5165C50}"/>
+                </a:ext>
+              </a:extLst>
+            </p:cNvPr>
+            <p:cNvSpPr txBox="1"/>
+            <p:nvPr/>
+          </p:nvSpPr>
+          <p:spPr>
+            <a:xfrm>
+              <a:off x="9814290" y="5516633"/>
+              <a:ext cx="2002276" cy="369332"/>
+            </a:xfrm>
+            <a:prstGeom prst="rect">
+              <a:avLst/>
+            </a:prstGeom>
+            <a:noFill/>
+          </p:spPr>
+          <p:txBody>
+            <a:bodyPr wrap="square" rtlCol="0">
+              <a:spAutoFit/>
+            </a:bodyPr>
+            <a:lstStyle/>
+            <a:p>
+              <a:r>
+                <a:rPr lang="en-US" altLang="zh-CN" dirty="0"/>
+                <a:t>Detuning = -0.5</a:t>
+              </a:r>
+              <a:endParaRPr lang="zh-CN" altLang="en-US" dirty="0"/>
+            </a:p>
+          </p:txBody>
+        </p:sp>
+      </p:grpSp>
+      <p:grpSp>
+        <p:nvGrpSpPr>
+          <p:cNvPr id="36" name="Group 35">
+            <a:extLst>
+              <a:ext uri="{FF2B5EF4-FFF2-40B4-BE49-F238E27FC236}">
+                <a16:creationId xmlns:a16="http://schemas.microsoft.com/office/drawing/2014/main" id="{52C83677-B3A3-D184-F1B6-13C56D0FD328}"/>
+              </a:ext>
+            </a:extLst>
+          </p:cNvPr>
+          <p:cNvGrpSpPr/>
+          <p:nvPr/>
+        </p:nvGrpSpPr>
+        <p:grpSpPr>
+          <a:xfrm>
+            <a:off x="29418" y="3054156"/>
+            <a:ext cx="2296354" cy="1739959"/>
+            <a:chOff x="1457019" y="4937582"/>
+            <a:chExt cx="2296354" cy="1739959"/>
+          </a:xfrm>
+        </p:grpSpPr>
+        <p:pic>
+          <p:nvPicPr>
+            <p:cNvPr id="7" name="Picture 6" descr="A graph of a graph&#10;&#10;Description automatically generated with medium confidence">
+              <a:extLst>
+                <a:ext uri="{FF2B5EF4-FFF2-40B4-BE49-F238E27FC236}">
+                  <a16:creationId xmlns:a16="http://schemas.microsoft.com/office/drawing/2014/main" id="{6D144158-B861-26CF-4787-6385F8CA0044}"/>
+                </a:ext>
+              </a:extLst>
+            </p:cNvPr>
+            <p:cNvPicPr>
+              <a:picLocks noChangeAspect="1"/>
+            </p:cNvPicPr>
+            <p:nvPr/>
+          </p:nvPicPr>
+          <p:blipFill>
+            <a:blip r:embed="rId8">
+              <a:extLst>
+                <a:ext uri="{28A0092B-C50C-407E-A947-70E740481C1C}">
+                  <a14:useLocalDpi xmlns:a14="http://schemas.microsoft.com/office/drawing/2010/main" val="0"/>
+                </a:ext>
+              </a:extLst>
+            </a:blip>
+            <a:stretch>
+              <a:fillRect/>
+            </a:stretch>
+          </p:blipFill>
+          <p:spPr>
+            <a:xfrm>
+              <a:off x="1457019" y="4937582"/>
+              <a:ext cx="2226585" cy="1391616"/>
+            </a:xfrm>
+            <a:prstGeom prst="rect">
+              <a:avLst/>
+            </a:prstGeom>
+          </p:spPr>
+        </p:pic>
+        <p:sp>
+          <p:nvSpPr>
+            <p:cNvPr id="27" name="TextBox 26">
+              <a:extLst>
+                <a:ext uri="{FF2B5EF4-FFF2-40B4-BE49-F238E27FC236}">
+                  <a16:creationId xmlns:a16="http://schemas.microsoft.com/office/drawing/2014/main" id="{F80B12F6-E74F-D541-49DD-02169CC99F74}"/>
+                </a:ext>
+              </a:extLst>
+            </p:cNvPr>
+            <p:cNvSpPr txBox="1"/>
+            <p:nvPr/>
+          </p:nvSpPr>
+          <p:spPr>
+            <a:xfrm>
+              <a:off x="1751097" y="6308209"/>
+              <a:ext cx="2002276" cy="369332"/>
+            </a:xfrm>
+            <a:prstGeom prst="rect">
+              <a:avLst/>
+            </a:prstGeom>
+            <a:noFill/>
+          </p:spPr>
+          <p:txBody>
+            <a:bodyPr wrap="square" rtlCol="0">
+              <a:spAutoFit/>
+            </a:bodyPr>
+            <a:lstStyle/>
+            <a:p>
+              <a:r>
+                <a:rPr lang="en-US" altLang="zh-CN" dirty="0"/>
+                <a:t>Detuning = 0</a:t>
+              </a:r>
+              <a:endParaRPr lang="zh-CN" altLang="en-US" dirty="0"/>
+            </a:p>
+          </p:txBody>
+        </p:sp>
+      </p:grpSp>
+      <p:grpSp>
+        <p:nvGrpSpPr>
+          <p:cNvPr id="38" name="Group 37">
+            <a:extLst>
+              <a:ext uri="{FF2B5EF4-FFF2-40B4-BE49-F238E27FC236}">
+                <a16:creationId xmlns:a16="http://schemas.microsoft.com/office/drawing/2014/main" id="{A32659DB-6F81-8144-4FE2-8547B04D3A12}"/>
+              </a:ext>
+            </a:extLst>
+          </p:cNvPr>
+          <p:cNvGrpSpPr/>
+          <p:nvPr/>
+        </p:nvGrpSpPr>
+        <p:grpSpPr>
+          <a:xfrm>
+            <a:off x="9608368" y="2718276"/>
+            <a:ext cx="2861259" cy="2043833"/>
+            <a:chOff x="53242" y="1615652"/>
+            <a:chExt cx="2861259" cy="2043833"/>
+          </a:xfrm>
+        </p:grpSpPr>
+        <p:pic>
+          <p:nvPicPr>
+            <p:cNvPr id="11" name="Picture 10" descr="A graph of different colored lines&#10;&#10;Description automatically generated">
+              <a:extLst>
+                <a:ext uri="{FF2B5EF4-FFF2-40B4-BE49-F238E27FC236}">
+                  <a16:creationId xmlns:a16="http://schemas.microsoft.com/office/drawing/2014/main" id="{44E83B82-9C9D-31A4-A8F3-B757A33A5C12}"/>
+                </a:ext>
+              </a:extLst>
+            </p:cNvPr>
+            <p:cNvPicPr>
+              <a:picLocks noChangeAspect="1"/>
+            </p:cNvPicPr>
+            <p:nvPr/>
+          </p:nvPicPr>
+          <p:blipFill>
+            <a:blip r:embed="rId9">
+              <a:extLst>
+                <a:ext uri="{28A0092B-C50C-407E-A947-70E740481C1C}">
+                  <a14:useLocalDpi xmlns:a14="http://schemas.microsoft.com/office/drawing/2010/main" val="0"/>
+                </a:ext>
+              </a:extLst>
+            </a:blip>
+            <a:stretch>
+              <a:fillRect/>
+            </a:stretch>
+          </p:blipFill>
+          <p:spPr>
+            <a:xfrm>
+              <a:off x="53242" y="1615652"/>
+              <a:ext cx="2861259" cy="1788287"/>
+            </a:xfrm>
+            <a:prstGeom prst="rect">
+              <a:avLst/>
+            </a:prstGeom>
+          </p:spPr>
+        </p:pic>
+        <p:sp>
+          <p:nvSpPr>
+            <p:cNvPr id="29" name="TextBox 28">
+              <a:extLst>
+                <a:ext uri="{FF2B5EF4-FFF2-40B4-BE49-F238E27FC236}">
+                  <a16:creationId xmlns:a16="http://schemas.microsoft.com/office/drawing/2014/main" id="{350A59EC-647F-B7EB-B2A2-F86903C51E3D}"/>
+                </a:ext>
+              </a:extLst>
+            </p:cNvPr>
+            <p:cNvSpPr txBox="1"/>
+            <p:nvPr/>
+          </p:nvSpPr>
+          <p:spPr>
+            <a:xfrm>
+              <a:off x="680302" y="3290153"/>
+              <a:ext cx="2002276" cy="369332"/>
+            </a:xfrm>
+            <a:prstGeom prst="rect">
+              <a:avLst/>
+            </a:prstGeom>
+            <a:noFill/>
+          </p:spPr>
+          <p:txBody>
+            <a:bodyPr wrap="square" rtlCol="0">
+              <a:spAutoFit/>
+            </a:bodyPr>
+            <a:lstStyle/>
+            <a:p>
+              <a:r>
+                <a:rPr lang="en-US" altLang="zh-CN" dirty="0"/>
+                <a:t>Detuning = 1</a:t>
+              </a:r>
+              <a:endParaRPr lang="zh-CN" altLang="en-US" dirty="0"/>
+            </a:p>
+          </p:txBody>
+        </p:sp>
+      </p:grpSp>
+    </p:spTree>
+    <p:extLst>
+      <p:ext uri="{BB962C8B-B14F-4D97-AF65-F5344CB8AC3E}">
+        <p14:creationId xmlns:p14="http://schemas.microsoft.com/office/powerpoint/2010/main" val="2250772580"/>
+      </p:ext>
+    </p:extLst>
+  </p:cSld>
+  <p:clrMapOvr>
+    <a:masterClrMapping/>
+  </p:clrMapOvr>
+</p:sld>
+</file>
+
+<file path=ppt/slides/slide11.xml><?xml version="1.0" encoding="utf-8"?>
+<p:sld xmlns:a="http://schemas.openxmlformats.org/drawingml/2006/main" xmlns:r="http://schemas.openxmlformats.org/officeDocument/2006/relationships" xmlns:p="http://schemas.openxmlformats.org/presentationml/2006/main">
+  <p:cSld>
+    <p:spTree>
+      <p:nvGrpSpPr>
+        <p:cNvPr id="1" name=""/>
+        <p:cNvGrpSpPr/>
+        <p:nvPr/>
+      </p:nvGrpSpPr>
+      <p:grpSpPr>
+        <a:xfrm>
+          <a:off x="0" y="0"/>
+          <a:ext cx="0" cy="0"/>
+          <a:chOff x="0" y="0"/>
+          <a:chExt cx="0" cy="0"/>
+        </a:xfrm>
+      </p:grpSpPr>
+      <p:sp>
+        <p:nvSpPr>
+          <p:cNvPr id="2" name="Title 1">
+            <a:extLst>
+              <a:ext uri="{FF2B5EF4-FFF2-40B4-BE49-F238E27FC236}">
+                <a16:creationId xmlns:a16="http://schemas.microsoft.com/office/drawing/2014/main" id="{E6FBA98F-4114-5232-58AD-B9D84017A324}"/>
+              </a:ext>
+            </a:extLst>
+          </p:cNvPr>
+          <p:cNvSpPr>
+            <a:spLocks noGrp="1"/>
+          </p:cNvSpPr>
+          <p:nvPr>
+            <p:ph type="title"/>
+          </p:nvPr>
+        </p:nvSpPr>
+        <p:spPr>
+          <a:xfrm>
+            <a:off x="838200" y="153393"/>
+            <a:ext cx="10515600" cy="1325563"/>
+          </a:xfrm>
+        </p:spPr>
+        <p:txBody>
+          <a:bodyPr/>
+          <a:lstStyle/>
+          <a:p>
+            <a:r>
+              <a:rPr lang="en-US" altLang="zh-CN" dirty="0"/>
+              <a:t>5. Results and analysis-Rabi Frequency</a:t>
+            </a:r>
+            <a:br>
+              <a:rPr lang="en-US" altLang="zh-CN" dirty="0"/>
+            </a:br>
+            <a:r>
+              <a:rPr lang="en-US" altLang="zh-CN" dirty="0"/>
+              <a:t>	</a:t>
+            </a:r>
+            <a:r>
+              <a:rPr lang="en-US" altLang="zh-CN" sz="2800" dirty="0"/>
+              <a:t>(same x axis scale)</a:t>
+            </a:r>
+            <a:endParaRPr lang="zh-CN" altLang="en-US" dirty="0"/>
+          </a:p>
+        </p:txBody>
+      </p:sp>
+      <p:grpSp>
+        <p:nvGrpSpPr>
+          <p:cNvPr id="52" name="Group 51">
+            <a:extLst>
+              <a:ext uri="{FF2B5EF4-FFF2-40B4-BE49-F238E27FC236}">
+                <a16:creationId xmlns:a16="http://schemas.microsoft.com/office/drawing/2014/main" id="{0406146A-45E6-B1A1-704D-C276A54C3F66}"/>
+              </a:ext>
+            </a:extLst>
+          </p:cNvPr>
+          <p:cNvGrpSpPr/>
+          <p:nvPr/>
+        </p:nvGrpSpPr>
+        <p:grpSpPr>
+          <a:xfrm>
+            <a:off x="7243444" y="1436855"/>
+            <a:ext cx="3600000" cy="2392723"/>
+            <a:chOff x="609600" y="0"/>
+            <a:chExt cx="10972800" cy="7596895"/>
+          </a:xfrm>
+        </p:grpSpPr>
+        <p:pic>
+          <p:nvPicPr>
+            <p:cNvPr id="46" name="Picture 45" descr="A graph of a graph showing different differences&#10;&#10;Description automatically generated with medium confidence">
+              <a:extLst>
+                <a:ext uri="{FF2B5EF4-FFF2-40B4-BE49-F238E27FC236}">
+                  <a16:creationId xmlns:a16="http://schemas.microsoft.com/office/drawing/2014/main" id="{5FB1DD01-03B8-1A91-EC3B-7315F5A568FD}"/>
+                </a:ext>
+              </a:extLst>
+            </p:cNvPr>
+            <p:cNvPicPr>
+              <a:picLocks noChangeAspect="1"/>
+            </p:cNvPicPr>
+            <p:nvPr/>
+          </p:nvPicPr>
+          <p:blipFill>
+            <a:blip r:embed="rId2">
+              <a:extLst>
+                <a:ext uri="{28A0092B-C50C-407E-A947-70E740481C1C}">
+                  <a14:useLocalDpi xmlns:a14="http://schemas.microsoft.com/office/drawing/2010/main" val="0"/>
+                </a:ext>
+              </a:extLst>
+            </a:blip>
+            <a:stretch>
+              <a:fillRect/>
+            </a:stretch>
+          </p:blipFill>
+          <p:spPr>
+            <a:xfrm>
+              <a:off x="609600" y="0"/>
+              <a:ext cx="10972800" cy="6858000"/>
+            </a:xfrm>
+            <a:prstGeom prst="rect">
+              <a:avLst/>
+            </a:prstGeom>
+          </p:spPr>
+        </p:pic>
+        <p:sp>
+          <p:nvSpPr>
+            <p:cNvPr id="51" name="TextBox 50">
+              <a:extLst>
+                <a:ext uri="{FF2B5EF4-FFF2-40B4-BE49-F238E27FC236}">
+                  <a16:creationId xmlns:a16="http://schemas.microsoft.com/office/drawing/2014/main" id="{D8ED7E53-07F4-B783-1B54-0C5A402E13DF}"/>
+                </a:ext>
+              </a:extLst>
+            </p:cNvPr>
+            <p:cNvSpPr txBox="1"/>
+            <p:nvPr/>
+          </p:nvSpPr>
+          <p:spPr>
+            <a:xfrm>
+              <a:off x="1995001" y="6424266"/>
+              <a:ext cx="8544102" cy="1172629"/>
+            </a:xfrm>
+            <a:prstGeom prst="rect">
+              <a:avLst/>
+            </a:prstGeom>
+            <a:noFill/>
+          </p:spPr>
+          <p:txBody>
+            <a:bodyPr wrap="square" rtlCol="0">
+              <a:spAutoFit/>
+            </a:bodyPr>
+            <a:lstStyle/>
+            <a:p>
+              <a:pPr algn="ctr"/>
+              <a:r>
+                <a:rPr lang="en-US" altLang="zh-CN" dirty="0"/>
+                <a:t>Rabi frequency = 10</a:t>
+              </a:r>
+              <a:endParaRPr lang="zh-CN" altLang="en-US" dirty="0"/>
+            </a:p>
+          </p:txBody>
+        </p:sp>
+      </p:grpSp>
+      <p:grpSp>
+        <p:nvGrpSpPr>
+          <p:cNvPr id="59" name="Group 58">
+            <a:extLst>
+              <a:ext uri="{FF2B5EF4-FFF2-40B4-BE49-F238E27FC236}">
+                <a16:creationId xmlns:a16="http://schemas.microsoft.com/office/drawing/2014/main" id="{B61EF91C-504A-197A-1F14-CAA5D2734C1E}"/>
+              </a:ext>
+            </a:extLst>
+          </p:cNvPr>
+          <p:cNvGrpSpPr/>
+          <p:nvPr/>
+        </p:nvGrpSpPr>
+        <p:grpSpPr>
+          <a:xfrm>
+            <a:off x="3901544" y="1525967"/>
+            <a:ext cx="3600000" cy="2400236"/>
+            <a:chOff x="609600" y="0"/>
+            <a:chExt cx="10972800" cy="7620749"/>
+          </a:xfrm>
+        </p:grpSpPr>
+        <p:pic>
+          <p:nvPicPr>
+            <p:cNvPr id="24" name="Picture 23" descr="A graph of a graph showing different differences&#10;&#10;Description automatically generated with medium confidence">
+              <a:extLst>
+                <a:ext uri="{FF2B5EF4-FFF2-40B4-BE49-F238E27FC236}">
+                  <a16:creationId xmlns:a16="http://schemas.microsoft.com/office/drawing/2014/main" id="{56D983DD-C5DF-FAD9-98EC-F97890C70775}"/>
+                </a:ext>
+              </a:extLst>
+            </p:cNvPr>
+            <p:cNvPicPr>
+              <a:picLocks noChangeAspect="1"/>
+            </p:cNvPicPr>
+            <p:nvPr/>
+          </p:nvPicPr>
+          <p:blipFill>
+            <a:blip r:embed="rId3">
+              <a:extLst>
+                <a:ext uri="{28A0092B-C50C-407E-A947-70E740481C1C}">
+                  <a14:useLocalDpi xmlns:a14="http://schemas.microsoft.com/office/drawing/2010/main" val="0"/>
+                </a:ext>
+              </a:extLst>
+            </a:blip>
+            <a:stretch>
+              <a:fillRect/>
+            </a:stretch>
+          </p:blipFill>
+          <p:spPr>
+            <a:xfrm>
+              <a:off x="609600" y="0"/>
+              <a:ext cx="10972800" cy="6858000"/>
+            </a:xfrm>
+            <a:prstGeom prst="rect">
+              <a:avLst/>
+            </a:prstGeom>
+          </p:spPr>
+        </p:pic>
+        <p:sp>
+          <p:nvSpPr>
+            <p:cNvPr id="58" name="TextBox 57">
+              <a:extLst>
+                <a:ext uri="{FF2B5EF4-FFF2-40B4-BE49-F238E27FC236}">
+                  <a16:creationId xmlns:a16="http://schemas.microsoft.com/office/drawing/2014/main" id="{EE2CE5F6-1130-7448-B55E-63E0E86E8BE7}"/>
+                </a:ext>
+              </a:extLst>
+            </p:cNvPr>
+            <p:cNvSpPr txBox="1"/>
+            <p:nvPr/>
+          </p:nvSpPr>
+          <p:spPr>
+            <a:xfrm>
+              <a:off x="1916817" y="6448120"/>
+              <a:ext cx="8622289" cy="1172629"/>
+            </a:xfrm>
+            <a:prstGeom prst="rect">
+              <a:avLst/>
+            </a:prstGeom>
+            <a:noFill/>
+          </p:spPr>
+          <p:txBody>
+            <a:bodyPr wrap="square" rtlCol="0">
+              <a:spAutoFit/>
+            </a:bodyPr>
+            <a:lstStyle/>
+            <a:p>
+              <a:pPr algn="ctr"/>
+              <a:r>
+                <a:rPr lang="en-US" altLang="zh-CN" dirty="0"/>
+                <a:t>Rabi frequency = 5</a:t>
+              </a:r>
+              <a:endParaRPr lang="zh-CN" altLang="en-US" dirty="0"/>
+            </a:p>
+          </p:txBody>
+        </p:sp>
+      </p:grpSp>
+      <p:grpSp>
+        <p:nvGrpSpPr>
+          <p:cNvPr id="61" name="Group 60">
+            <a:extLst>
+              <a:ext uri="{FF2B5EF4-FFF2-40B4-BE49-F238E27FC236}">
+                <a16:creationId xmlns:a16="http://schemas.microsoft.com/office/drawing/2014/main" id="{0824F8AB-12EA-E723-AA82-B829E87E791A}"/>
+              </a:ext>
+            </a:extLst>
+          </p:cNvPr>
+          <p:cNvGrpSpPr/>
+          <p:nvPr/>
+        </p:nvGrpSpPr>
+        <p:grpSpPr>
+          <a:xfrm>
+            <a:off x="301544" y="1572978"/>
+            <a:ext cx="3600000" cy="2400236"/>
+            <a:chOff x="609600" y="0"/>
+            <a:chExt cx="10972800" cy="7620749"/>
+          </a:xfrm>
+        </p:grpSpPr>
+        <p:pic>
+          <p:nvPicPr>
+            <p:cNvPr id="20" name="Picture 19" descr="A graph of a graph&#10;&#10;Description automatically generated with medium confidence">
+              <a:extLst>
+                <a:ext uri="{FF2B5EF4-FFF2-40B4-BE49-F238E27FC236}">
+                  <a16:creationId xmlns:a16="http://schemas.microsoft.com/office/drawing/2014/main" id="{B4E45CD9-BA04-B598-1638-C7E8221C964D}"/>
+                </a:ext>
+              </a:extLst>
+            </p:cNvPr>
+            <p:cNvPicPr>
+              <a:picLocks noChangeAspect="1"/>
+            </p:cNvPicPr>
+            <p:nvPr/>
+          </p:nvPicPr>
+          <p:blipFill>
+            <a:blip r:embed="rId4">
+              <a:extLst>
+                <a:ext uri="{28A0092B-C50C-407E-A947-70E740481C1C}">
+                  <a14:useLocalDpi xmlns:a14="http://schemas.microsoft.com/office/drawing/2010/main" val="0"/>
+                </a:ext>
+              </a:extLst>
+            </a:blip>
+            <a:stretch>
+              <a:fillRect/>
+            </a:stretch>
+          </p:blipFill>
+          <p:spPr>
+            <a:xfrm>
+              <a:off x="609600" y="0"/>
+              <a:ext cx="10972800" cy="6858000"/>
+            </a:xfrm>
+            <a:prstGeom prst="rect">
+              <a:avLst/>
+            </a:prstGeom>
+          </p:spPr>
+        </p:pic>
+        <p:sp>
+          <p:nvSpPr>
+            <p:cNvPr id="60" name="TextBox 59">
+              <a:extLst>
+                <a:ext uri="{FF2B5EF4-FFF2-40B4-BE49-F238E27FC236}">
+                  <a16:creationId xmlns:a16="http://schemas.microsoft.com/office/drawing/2014/main" id="{F2F7245E-3B64-43D8-8278-ACDE3E19315B}"/>
+                </a:ext>
+              </a:extLst>
+            </p:cNvPr>
+            <p:cNvSpPr txBox="1"/>
+            <p:nvPr/>
+          </p:nvSpPr>
+          <p:spPr>
+            <a:xfrm>
+              <a:off x="1916817" y="6448120"/>
+              <a:ext cx="8381906" cy="1172629"/>
+            </a:xfrm>
+            <a:prstGeom prst="rect">
+              <a:avLst/>
+            </a:prstGeom>
+            <a:noFill/>
+          </p:spPr>
+          <p:txBody>
+            <a:bodyPr wrap="square" rtlCol="0">
+              <a:spAutoFit/>
+            </a:bodyPr>
+            <a:lstStyle/>
+            <a:p>
+              <a:pPr algn="ctr"/>
+              <a:r>
+                <a:rPr lang="en-US" altLang="zh-CN" dirty="0"/>
+                <a:t>Rabi frequency = 1</a:t>
+              </a:r>
+              <a:endParaRPr lang="zh-CN" altLang="en-US" dirty="0"/>
+            </a:p>
+          </p:txBody>
+        </p:sp>
+      </p:grpSp>
+      <p:grpSp>
+        <p:nvGrpSpPr>
+          <p:cNvPr id="69" name="Group 68">
+            <a:extLst>
+              <a:ext uri="{FF2B5EF4-FFF2-40B4-BE49-F238E27FC236}">
+                <a16:creationId xmlns:a16="http://schemas.microsoft.com/office/drawing/2014/main" id="{8D2FD47E-43B8-5886-8E0C-6EC7B35C6342}"/>
+              </a:ext>
+            </a:extLst>
+          </p:cNvPr>
+          <p:cNvGrpSpPr/>
+          <p:nvPr/>
+        </p:nvGrpSpPr>
+        <p:grpSpPr>
+          <a:xfrm>
+            <a:off x="6026009" y="3973214"/>
+            <a:ext cx="3600000" cy="2400236"/>
+            <a:chOff x="609600" y="0"/>
+            <a:chExt cx="10972800" cy="7620749"/>
+          </a:xfrm>
+        </p:grpSpPr>
+        <p:pic>
+          <p:nvPicPr>
+            <p:cNvPr id="6" name="Picture 5" descr="A graph of a graph showing different differences&#10;&#10;Description automatically generated with medium confidence">
+              <a:extLst>
+                <a:ext uri="{FF2B5EF4-FFF2-40B4-BE49-F238E27FC236}">
+                  <a16:creationId xmlns:a16="http://schemas.microsoft.com/office/drawing/2014/main" id="{5E481F81-EFE4-15FC-BAAE-4CFB7222D491}"/>
+                </a:ext>
+              </a:extLst>
+            </p:cNvPr>
+            <p:cNvPicPr>
+              <a:picLocks noChangeAspect="1"/>
+            </p:cNvPicPr>
+            <p:nvPr/>
+          </p:nvPicPr>
+          <p:blipFill>
+            <a:blip r:embed="rId5">
+              <a:extLst>
+                <a:ext uri="{28A0092B-C50C-407E-A947-70E740481C1C}">
+                  <a14:useLocalDpi xmlns:a14="http://schemas.microsoft.com/office/drawing/2010/main" val="0"/>
+                </a:ext>
+              </a:extLst>
+            </a:blip>
+            <a:stretch>
+              <a:fillRect/>
+            </a:stretch>
+          </p:blipFill>
+          <p:spPr>
+            <a:xfrm>
+              <a:off x="609600" y="0"/>
+              <a:ext cx="10972800" cy="6858000"/>
+            </a:xfrm>
+            <a:prstGeom prst="rect">
+              <a:avLst/>
+            </a:prstGeom>
+          </p:spPr>
+        </p:pic>
+        <p:sp>
+          <p:nvSpPr>
+            <p:cNvPr id="68" name="TextBox 67">
+              <a:extLst>
+                <a:ext uri="{FF2B5EF4-FFF2-40B4-BE49-F238E27FC236}">
+                  <a16:creationId xmlns:a16="http://schemas.microsoft.com/office/drawing/2014/main" id="{0C9DABFA-5604-9A31-B2B0-D2B4021DF81E}"/>
+                </a:ext>
+              </a:extLst>
+            </p:cNvPr>
+            <p:cNvSpPr txBox="1"/>
+            <p:nvPr/>
+          </p:nvSpPr>
+          <p:spPr>
+            <a:xfrm>
+              <a:off x="1893280" y="6448120"/>
+              <a:ext cx="8652062" cy="1172629"/>
+            </a:xfrm>
+            <a:prstGeom prst="rect">
+              <a:avLst/>
+            </a:prstGeom>
+            <a:noFill/>
+          </p:spPr>
+          <p:txBody>
+            <a:bodyPr wrap="square" rtlCol="0">
+              <a:spAutoFit/>
+            </a:bodyPr>
+            <a:lstStyle/>
+            <a:p>
+              <a:pPr algn="ctr"/>
+              <a:r>
+                <a:rPr lang="en-US" altLang="zh-CN" dirty="0"/>
+                <a:t>Rabi frequency = 50</a:t>
+              </a:r>
+              <a:endParaRPr lang="zh-CN" altLang="en-US" dirty="0"/>
+            </a:p>
+          </p:txBody>
+        </p:sp>
+      </p:grpSp>
+      <p:grpSp>
+        <p:nvGrpSpPr>
+          <p:cNvPr id="71" name="Group 70">
+            <a:extLst>
+              <a:ext uri="{FF2B5EF4-FFF2-40B4-BE49-F238E27FC236}">
+                <a16:creationId xmlns:a16="http://schemas.microsoft.com/office/drawing/2014/main" id="{A7D37E94-09C2-BFD0-CDC5-B344F89A20D9}"/>
+              </a:ext>
+            </a:extLst>
+          </p:cNvPr>
+          <p:cNvGrpSpPr/>
+          <p:nvPr/>
+        </p:nvGrpSpPr>
+        <p:grpSpPr>
+          <a:xfrm>
+            <a:off x="2144838" y="3973214"/>
+            <a:ext cx="3600000" cy="2400237"/>
+            <a:chOff x="609600" y="0"/>
+            <a:chExt cx="10972800" cy="7620752"/>
+          </a:xfrm>
+        </p:grpSpPr>
+        <p:pic>
+          <p:nvPicPr>
+            <p:cNvPr id="4" name="Picture 3" descr="A graph of a graph showing different differences&#10;&#10;Description automatically generated with medium confidence">
+              <a:extLst>
+                <a:ext uri="{FF2B5EF4-FFF2-40B4-BE49-F238E27FC236}">
+                  <a16:creationId xmlns:a16="http://schemas.microsoft.com/office/drawing/2014/main" id="{60764663-8940-B2B6-4199-327802B47E43}"/>
+                </a:ext>
+              </a:extLst>
+            </p:cNvPr>
+            <p:cNvPicPr>
+              <a:picLocks noChangeAspect="1"/>
+            </p:cNvPicPr>
+            <p:nvPr/>
+          </p:nvPicPr>
+          <p:blipFill>
+            <a:blip r:embed="rId6">
+              <a:extLst>
+                <a:ext uri="{28A0092B-C50C-407E-A947-70E740481C1C}">
+                  <a14:useLocalDpi xmlns:a14="http://schemas.microsoft.com/office/drawing/2010/main" val="0"/>
+                </a:ext>
+              </a:extLst>
+            </a:blip>
+            <a:stretch>
+              <a:fillRect/>
+            </a:stretch>
+          </p:blipFill>
+          <p:spPr>
+            <a:xfrm>
+              <a:off x="609600" y="0"/>
+              <a:ext cx="10972800" cy="6858000"/>
+            </a:xfrm>
+            <a:prstGeom prst="rect">
+              <a:avLst/>
+            </a:prstGeom>
+          </p:spPr>
+        </p:pic>
+        <p:sp>
+          <p:nvSpPr>
+            <p:cNvPr id="70" name="TextBox 69">
+              <a:extLst>
+                <a:ext uri="{FF2B5EF4-FFF2-40B4-BE49-F238E27FC236}">
+                  <a16:creationId xmlns:a16="http://schemas.microsoft.com/office/drawing/2014/main" id="{E5DCBD71-C1FD-2E1F-48D9-DFF53AB2AB0E}"/>
+                </a:ext>
+              </a:extLst>
+            </p:cNvPr>
+            <p:cNvSpPr txBox="1"/>
+            <p:nvPr/>
+          </p:nvSpPr>
+          <p:spPr>
+            <a:xfrm>
+              <a:off x="1893274" y="6448123"/>
+              <a:ext cx="8750168" cy="1172629"/>
+            </a:xfrm>
+            <a:prstGeom prst="rect">
+              <a:avLst/>
+            </a:prstGeom>
+            <a:noFill/>
+          </p:spPr>
+          <p:txBody>
+            <a:bodyPr wrap="square" rtlCol="0">
+              <a:spAutoFit/>
+            </a:bodyPr>
+            <a:lstStyle/>
+            <a:p>
+              <a:pPr algn="ctr"/>
+              <a:r>
+                <a:rPr lang="en-US" altLang="zh-CN" dirty="0"/>
+                <a:t>Rabi frequency = 20</a:t>
+              </a:r>
+              <a:endParaRPr lang="zh-CN" altLang="en-US" dirty="0"/>
+            </a:p>
+          </p:txBody>
+        </p:sp>
+      </p:grpSp>
+    </p:spTree>
+    <p:extLst>
+      <p:ext uri="{BB962C8B-B14F-4D97-AF65-F5344CB8AC3E}">
+        <p14:creationId xmlns:p14="http://schemas.microsoft.com/office/powerpoint/2010/main" val="4125422867"/>
+      </p:ext>
+    </p:extLst>
+  </p:cSld>
+  <p:clrMapOvr>
+    <a:masterClrMapping/>
+  </p:clrMapOvr>
+</p:sld>
+</file>
+
+<file path=ppt/slides/slide12.xml><?xml version="1.0" encoding="utf-8"?>
+<p:sld xmlns:a="http://schemas.openxmlformats.org/drawingml/2006/main" xmlns:r="http://schemas.openxmlformats.org/officeDocument/2006/relationships" xmlns:p="http://schemas.openxmlformats.org/presentationml/2006/main">
+  <p:cSld>
+    <p:spTree>
+      <p:nvGrpSpPr>
+        <p:cNvPr id="1" name=""/>
+        <p:cNvGrpSpPr/>
+        <p:nvPr/>
+      </p:nvGrpSpPr>
+      <p:grpSpPr>
+        <a:xfrm>
+          <a:off x="0" y="0"/>
+          <a:ext cx="0" cy="0"/>
+          <a:chOff x="0" y="0"/>
+          <a:chExt cx="0" cy="0"/>
+        </a:xfrm>
+      </p:grpSpPr>
+      <p:sp>
+        <p:nvSpPr>
+          <p:cNvPr id="2" name="Title 1">
+            <a:extLst>
+              <a:ext uri="{FF2B5EF4-FFF2-40B4-BE49-F238E27FC236}">
+                <a16:creationId xmlns:a16="http://schemas.microsoft.com/office/drawing/2014/main" id="{1B8DC832-15EA-2FCA-88A2-6F236B025C0E}"/>
+              </a:ext>
+            </a:extLst>
+          </p:cNvPr>
+          <p:cNvSpPr>
+            <a:spLocks noGrp="1"/>
+          </p:cNvSpPr>
+          <p:nvPr>
+            <p:ph type="title"/>
+          </p:nvPr>
+        </p:nvSpPr>
+        <p:spPr>
+          <a:xfrm>
+            <a:off x="838200" y="140062"/>
+            <a:ext cx="10515600" cy="1325563"/>
+          </a:xfrm>
+        </p:spPr>
+        <p:txBody>
+          <a:bodyPr/>
+          <a:lstStyle/>
+          <a:p>
+            <a:r>
+              <a:rPr lang="en-US" altLang="zh-CN" dirty="0"/>
+              <a:t>5. Results and analysis-Rabi Frequency</a:t>
+            </a:r>
+            <a:br>
+              <a:rPr lang="en-US" altLang="zh-CN" dirty="0"/>
+            </a:br>
+            <a:r>
+              <a:rPr lang="en-US" altLang="zh-CN" dirty="0"/>
+              <a:t>	</a:t>
+            </a:r>
+            <a:r>
+              <a:rPr lang="en-US" altLang="zh-CN" sz="3200" dirty="0"/>
+              <a:t>(</a:t>
+            </a:r>
+            <a:r>
+              <a:rPr lang="en-US" altLang="zh-CN" sz="2800" dirty="0"/>
+              <a:t>same</a:t>
+            </a:r>
+            <a:r>
+              <a:rPr lang="en-US" altLang="zh-CN" sz="3200" dirty="0"/>
+              <a:t> </a:t>
+            </a:r>
+            <a:r>
+              <a:rPr lang="en-US" altLang="zh-CN" sz="2800" dirty="0"/>
+              <a:t>iteration</a:t>
+            </a:r>
+            <a:r>
+              <a:rPr lang="en-US" altLang="zh-CN" sz="3200" dirty="0"/>
+              <a:t>)</a:t>
+            </a:r>
+            <a:endParaRPr lang="zh-CN" altLang="en-US" dirty="0"/>
+          </a:p>
+        </p:txBody>
+      </p:sp>
+      <p:grpSp>
+        <p:nvGrpSpPr>
+          <p:cNvPr id="4" name="Group 3">
+            <a:extLst>
+              <a:ext uri="{FF2B5EF4-FFF2-40B4-BE49-F238E27FC236}">
+                <a16:creationId xmlns:a16="http://schemas.microsoft.com/office/drawing/2014/main" id="{945F4E4E-3F47-D2F6-7D09-BB5AE7854454}"/>
+              </a:ext>
+            </a:extLst>
+          </p:cNvPr>
+          <p:cNvGrpSpPr/>
+          <p:nvPr/>
+        </p:nvGrpSpPr>
+        <p:grpSpPr>
+          <a:xfrm>
+            <a:off x="7920000" y="1440000"/>
+            <a:ext cx="3600000" cy="2413007"/>
+            <a:chOff x="609600" y="0"/>
+            <a:chExt cx="10972800" cy="7661297"/>
+          </a:xfrm>
+        </p:grpSpPr>
+        <p:pic>
+          <p:nvPicPr>
+            <p:cNvPr id="5" name="Picture 4" descr="A graph of a graph showing different differences&#10;&#10;Description automatically generated with medium confidence">
+              <a:extLst>
+                <a:ext uri="{FF2B5EF4-FFF2-40B4-BE49-F238E27FC236}">
+                  <a16:creationId xmlns:a16="http://schemas.microsoft.com/office/drawing/2014/main" id="{7762CA3F-30C3-815B-FD57-8343A6B2F4C1}"/>
+                </a:ext>
+              </a:extLst>
+            </p:cNvPr>
+            <p:cNvPicPr>
+              <a:picLocks noChangeAspect="1"/>
+            </p:cNvPicPr>
+            <p:nvPr/>
+          </p:nvPicPr>
+          <p:blipFill>
+            <a:blip r:embed="rId2">
+              <a:extLst>
+                <a:ext uri="{28A0092B-C50C-407E-A947-70E740481C1C}">
+                  <a14:useLocalDpi xmlns:a14="http://schemas.microsoft.com/office/drawing/2010/main" val="0"/>
+                </a:ext>
+              </a:extLst>
+            </a:blip>
+            <a:stretch>
+              <a:fillRect/>
+            </a:stretch>
+          </p:blipFill>
+          <p:spPr>
+            <a:xfrm>
+              <a:off x="609600" y="0"/>
+              <a:ext cx="10972800" cy="6858000"/>
+            </a:xfrm>
+            <a:prstGeom prst="rect">
+              <a:avLst/>
+            </a:prstGeom>
+          </p:spPr>
+        </p:pic>
+        <p:sp>
+          <p:nvSpPr>
+            <p:cNvPr id="6" name="TextBox 5">
+              <a:extLst>
+                <a:ext uri="{FF2B5EF4-FFF2-40B4-BE49-F238E27FC236}">
+                  <a16:creationId xmlns:a16="http://schemas.microsoft.com/office/drawing/2014/main" id="{1F64F5AE-06BE-7F62-5F3D-DCB9C18E82EE}"/>
+                </a:ext>
+              </a:extLst>
+            </p:cNvPr>
+            <p:cNvSpPr txBox="1"/>
+            <p:nvPr/>
+          </p:nvSpPr>
+          <p:spPr>
+            <a:xfrm>
+              <a:off x="1985370" y="6488668"/>
+              <a:ext cx="8620530" cy="1172629"/>
+            </a:xfrm>
+            <a:prstGeom prst="rect">
+              <a:avLst/>
+            </a:prstGeom>
+            <a:noFill/>
+          </p:spPr>
+          <p:txBody>
+            <a:bodyPr wrap="square" rtlCol="0">
+              <a:spAutoFit/>
+            </a:bodyPr>
+            <a:lstStyle/>
+            <a:p>
+              <a:pPr algn="ctr"/>
+              <a:r>
+                <a:rPr lang="en-US" altLang="zh-CN" dirty="0"/>
+                <a:t>Rabi frequency = 10</a:t>
+              </a:r>
+              <a:endParaRPr lang="zh-CN" altLang="en-US" dirty="0"/>
+            </a:p>
+          </p:txBody>
+        </p:sp>
+      </p:grpSp>
+      <p:grpSp>
+        <p:nvGrpSpPr>
+          <p:cNvPr id="10" name="Group 9">
+            <a:extLst>
+              <a:ext uri="{FF2B5EF4-FFF2-40B4-BE49-F238E27FC236}">
+                <a16:creationId xmlns:a16="http://schemas.microsoft.com/office/drawing/2014/main" id="{37CE8D98-5E9C-427A-C1AF-452B357F4FC0}"/>
+              </a:ext>
+            </a:extLst>
+          </p:cNvPr>
+          <p:cNvGrpSpPr/>
+          <p:nvPr/>
+        </p:nvGrpSpPr>
+        <p:grpSpPr>
+          <a:xfrm>
+            <a:off x="3960000" y="1440000"/>
+            <a:ext cx="3600000" cy="2400237"/>
+            <a:chOff x="609600" y="0"/>
+            <a:chExt cx="10972800" cy="7620752"/>
+          </a:xfrm>
+        </p:grpSpPr>
+        <p:pic>
+          <p:nvPicPr>
+            <p:cNvPr id="11" name="Picture 10" descr="A graph of a graph showing different differences&#10;&#10;Description automatically generated with medium confidence">
+              <a:extLst>
+                <a:ext uri="{FF2B5EF4-FFF2-40B4-BE49-F238E27FC236}">
+                  <a16:creationId xmlns:a16="http://schemas.microsoft.com/office/drawing/2014/main" id="{B4F521CA-EAB4-49AC-4263-5A54E7C347D8}"/>
+                </a:ext>
+              </a:extLst>
+            </p:cNvPr>
+            <p:cNvPicPr>
+              <a:picLocks noChangeAspect="1"/>
+            </p:cNvPicPr>
+            <p:nvPr/>
+          </p:nvPicPr>
+          <p:blipFill>
+            <a:blip r:embed="rId3">
+              <a:extLst>
+                <a:ext uri="{28A0092B-C50C-407E-A947-70E740481C1C}">
+                  <a14:useLocalDpi xmlns:a14="http://schemas.microsoft.com/office/drawing/2010/main" val="0"/>
+                </a:ext>
+              </a:extLst>
+            </a:blip>
+            <a:stretch>
+              <a:fillRect/>
+            </a:stretch>
+          </p:blipFill>
+          <p:spPr>
+            <a:xfrm>
+              <a:off x="609600" y="0"/>
+              <a:ext cx="10972800" cy="6858000"/>
+            </a:xfrm>
+            <a:prstGeom prst="rect">
+              <a:avLst/>
+            </a:prstGeom>
+          </p:spPr>
+        </p:pic>
+        <p:sp>
+          <p:nvSpPr>
+            <p:cNvPr id="12" name="TextBox 11">
+              <a:extLst>
+                <a:ext uri="{FF2B5EF4-FFF2-40B4-BE49-F238E27FC236}">
+                  <a16:creationId xmlns:a16="http://schemas.microsoft.com/office/drawing/2014/main" id="{8DB42252-8427-A9DC-DF34-52EBCDDD5C90}"/>
+                </a:ext>
+              </a:extLst>
+            </p:cNvPr>
+            <p:cNvSpPr txBox="1"/>
+            <p:nvPr/>
+          </p:nvSpPr>
+          <p:spPr>
+            <a:xfrm>
+              <a:off x="2067151" y="6448123"/>
+              <a:ext cx="8620533" cy="1172629"/>
+            </a:xfrm>
+            <a:prstGeom prst="rect">
+              <a:avLst/>
+            </a:prstGeom>
+            <a:noFill/>
+          </p:spPr>
+          <p:txBody>
+            <a:bodyPr wrap="square" rtlCol="0">
+              <a:spAutoFit/>
+            </a:bodyPr>
+            <a:lstStyle/>
+            <a:p>
+              <a:pPr algn="ctr"/>
+              <a:r>
+                <a:rPr lang="en-US" altLang="zh-CN" dirty="0"/>
+                <a:t>Rabi frequency = 5</a:t>
+              </a:r>
+              <a:endParaRPr lang="zh-CN" altLang="en-US" dirty="0"/>
+            </a:p>
+          </p:txBody>
+        </p:sp>
+      </p:grpSp>
+      <p:grpSp>
+        <p:nvGrpSpPr>
+          <p:cNvPr id="13" name="Group 12">
+            <a:extLst>
+              <a:ext uri="{FF2B5EF4-FFF2-40B4-BE49-F238E27FC236}">
+                <a16:creationId xmlns:a16="http://schemas.microsoft.com/office/drawing/2014/main" id="{51A1A912-77A1-09B4-3C4B-306AC0E99456}"/>
+              </a:ext>
+            </a:extLst>
+          </p:cNvPr>
+          <p:cNvGrpSpPr/>
+          <p:nvPr/>
+        </p:nvGrpSpPr>
+        <p:grpSpPr>
+          <a:xfrm>
+            <a:off x="180000" y="1440000"/>
+            <a:ext cx="3600000" cy="2400236"/>
+            <a:chOff x="609600" y="0"/>
+            <a:chExt cx="10972800" cy="7620749"/>
+          </a:xfrm>
+        </p:grpSpPr>
+        <p:pic>
+          <p:nvPicPr>
+            <p:cNvPr id="14" name="Picture 13" descr="A graph of a graph&#10;&#10;Description automatically generated with medium confidence">
+              <a:extLst>
+                <a:ext uri="{FF2B5EF4-FFF2-40B4-BE49-F238E27FC236}">
+                  <a16:creationId xmlns:a16="http://schemas.microsoft.com/office/drawing/2014/main" id="{F1503B60-BA63-520B-3753-99E5C9FA112F}"/>
+                </a:ext>
+              </a:extLst>
+            </p:cNvPr>
+            <p:cNvPicPr>
+              <a:picLocks noChangeAspect="1"/>
+            </p:cNvPicPr>
+            <p:nvPr/>
+          </p:nvPicPr>
+          <p:blipFill>
+            <a:blip r:embed="rId4">
+              <a:extLst>
+                <a:ext uri="{28A0092B-C50C-407E-A947-70E740481C1C}">
+                  <a14:useLocalDpi xmlns:a14="http://schemas.microsoft.com/office/drawing/2010/main" val="0"/>
+                </a:ext>
+              </a:extLst>
+            </a:blip>
+            <a:stretch>
+              <a:fillRect/>
+            </a:stretch>
+          </p:blipFill>
+          <p:spPr>
+            <a:xfrm>
+              <a:off x="609600" y="0"/>
+              <a:ext cx="10972800" cy="6858000"/>
+            </a:xfrm>
+            <a:prstGeom prst="rect">
+              <a:avLst/>
+            </a:prstGeom>
+          </p:spPr>
+        </p:pic>
+        <p:sp>
+          <p:nvSpPr>
+            <p:cNvPr id="15" name="TextBox 14">
+              <a:extLst>
+                <a:ext uri="{FF2B5EF4-FFF2-40B4-BE49-F238E27FC236}">
+                  <a16:creationId xmlns:a16="http://schemas.microsoft.com/office/drawing/2014/main" id="{953ED273-9E13-C78F-1649-F458B75958A3}"/>
+                </a:ext>
+              </a:extLst>
+            </p:cNvPr>
+            <p:cNvSpPr txBox="1"/>
+            <p:nvPr/>
+          </p:nvSpPr>
+          <p:spPr>
+            <a:xfrm>
+              <a:off x="1854205" y="6448120"/>
+              <a:ext cx="8620536" cy="1172629"/>
+            </a:xfrm>
+            <a:prstGeom prst="rect">
+              <a:avLst/>
+            </a:prstGeom>
+            <a:noFill/>
+          </p:spPr>
+          <p:txBody>
+            <a:bodyPr wrap="square" rtlCol="0">
+              <a:spAutoFit/>
+            </a:bodyPr>
+            <a:lstStyle/>
+            <a:p>
+              <a:pPr algn="ctr"/>
+              <a:r>
+                <a:rPr lang="en-US" altLang="zh-CN" dirty="0"/>
+                <a:t>Rabi frequency = 1</a:t>
+              </a:r>
+              <a:endParaRPr lang="zh-CN" altLang="en-US" dirty="0"/>
+            </a:p>
+          </p:txBody>
+        </p:sp>
+      </p:grpSp>
+      <p:grpSp>
+        <p:nvGrpSpPr>
+          <p:cNvPr id="16" name="Group 15">
+            <a:extLst>
+              <a:ext uri="{FF2B5EF4-FFF2-40B4-BE49-F238E27FC236}">
+                <a16:creationId xmlns:a16="http://schemas.microsoft.com/office/drawing/2014/main" id="{6DE61B41-0EA7-1787-8D94-E8DE20B01CA7}"/>
+              </a:ext>
+            </a:extLst>
+          </p:cNvPr>
+          <p:cNvGrpSpPr/>
+          <p:nvPr/>
+        </p:nvGrpSpPr>
+        <p:grpSpPr>
+          <a:xfrm>
+            <a:off x="7920000" y="3960000"/>
+            <a:ext cx="3600000" cy="2400237"/>
+            <a:chOff x="609600" y="0"/>
+            <a:chExt cx="10972800" cy="7620752"/>
+          </a:xfrm>
+        </p:grpSpPr>
+        <p:pic>
+          <p:nvPicPr>
+            <p:cNvPr id="17" name="Picture 16" descr="A graph of a graph of a different difference&#10;&#10;Description automatically generated with medium confidence">
+              <a:extLst>
+                <a:ext uri="{FF2B5EF4-FFF2-40B4-BE49-F238E27FC236}">
+                  <a16:creationId xmlns:a16="http://schemas.microsoft.com/office/drawing/2014/main" id="{0111342D-3AF9-B9A8-F436-2074AE6D3B12}"/>
+                </a:ext>
+              </a:extLst>
+            </p:cNvPr>
+            <p:cNvPicPr>
+              <a:picLocks noChangeAspect="1"/>
+            </p:cNvPicPr>
+            <p:nvPr/>
+          </p:nvPicPr>
+          <p:blipFill>
+            <a:blip r:embed="rId5">
+              <a:extLst>
+                <a:ext uri="{28A0092B-C50C-407E-A947-70E740481C1C}">
+                  <a14:useLocalDpi xmlns:a14="http://schemas.microsoft.com/office/drawing/2010/main" val="0"/>
+                </a:ext>
+              </a:extLst>
+            </a:blip>
+            <a:stretch>
+              <a:fillRect/>
+            </a:stretch>
+          </p:blipFill>
+          <p:spPr>
+            <a:xfrm>
+              <a:off x="609600" y="0"/>
+              <a:ext cx="10972800" cy="6858000"/>
+            </a:xfrm>
+            <a:prstGeom prst="rect">
+              <a:avLst/>
+            </a:prstGeom>
+          </p:spPr>
+        </p:pic>
+        <p:sp>
+          <p:nvSpPr>
+            <p:cNvPr id="18" name="TextBox 17">
+              <a:extLst>
+                <a:ext uri="{FF2B5EF4-FFF2-40B4-BE49-F238E27FC236}">
+                  <a16:creationId xmlns:a16="http://schemas.microsoft.com/office/drawing/2014/main" id="{E423055C-234D-31CE-1A5F-3AA9CD828826}"/>
+                </a:ext>
+              </a:extLst>
+            </p:cNvPr>
+            <p:cNvSpPr txBox="1"/>
+            <p:nvPr/>
+          </p:nvSpPr>
+          <p:spPr>
+            <a:xfrm>
+              <a:off x="1985370" y="6448120"/>
+              <a:ext cx="8620530" cy="1172632"/>
+            </a:xfrm>
+            <a:prstGeom prst="rect">
+              <a:avLst/>
+            </a:prstGeom>
+            <a:noFill/>
+          </p:spPr>
+          <p:txBody>
+            <a:bodyPr wrap="square" rtlCol="0">
+              <a:spAutoFit/>
+            </a:bodyPr>
+            <a:lstStyle/>
+            <a:p>
+              <a:pPr algn="ctr"/>
+              <a:r>
+                <a:rPr lang="en-US" altLang="zh-CN" dirty="0"/>
+                <a:t>Rabi frequency = 300</a:t>
+              </a:r>
+              <a:endParaRPr lang="zh-CN" altLang="en-US" dirty="0"/>
+            </a:p>
+          </p:txBody>
+        </p:sp>
+      </p:grpSp>
+      <p:grpSp>
+        <p:nvGrpSpPr>
+          <p:cNvPr id="19" name="Group 18">
+            <a:extLst>
+              <a:ext uri="{FF2B5EF4-FFF2-40B4-BE49-F238E27FC236}">
+                <a16:creationId xmlns:a16="http://schemas.microsoft.com/office/drawing/2014/main" id="{3100AAA1-C72D-F8DF-539F-875ACC268550}"/>
+              </a:ext>
+            </a:extLst>
+          </p:cNvPr>
+          <p:cNvGrpSpPr/>
+          <p:nvPr/>
+        </p:nvGrpSpPr>
+        <p:grpSpPr>
+          <a:xfrm>
+            <a:off x="3960000" y="3960000"/>
+            <a:ext cx="3600000" cy="2400237"/>
+            <a:chOff x="609600" y="0"/>
+            <a:chExt cx="10972800" cy="7620752"/>
+          </a:xfrm>
+        </p:grpSpPr>
+        <p:pic>
+          <p:nvPicPr>
+            <p:cNvPr id="20" name="Picture 19" descr="A graph of a graph showing different differences&#10;&#10;Description automatically generated with medium confidence">
+              <a:extLst>
+                <a:ext uri="{FF2B5EF4-FFF2-40B4-BE49-F238E27FC236}">
+                  <a16:creationId xmlns:a16="http://schemas.microsoft.com/office/drawing/2014/main" id="{ACF021FD-10B6-2EBE-E98F-D85F889B8FF6}"/>
+                </a:ext>
+              </a:extLst>
+            </p:cNvPr>
+            <p:cNvPicPr>
+              <a:picLocks noChangeAspect="1"/>
+            </p:cNvPicPr>
+            <p:nvPr/>
+          </p:nvPicPr>
+          <p:blipFill>
+            <a:blip r:embed="rId6">
+              <a:extLst>
+                <a:ext uri="{28A0092B-C50C-407E-A947-70E740481C1C}">
+                  <a14:useLocalDpi xmlns:a14="http://schemas.microsoft.com/office/drawing/2010/main" val="0"/>
+                </a:ext>
+              </a:extLst>
+            </a:blip>
+            <a:stretch>
+              <a:fillRect/>
+            </a:stretch>
+          </p:blipFill>
+          <p:spPr>
+            <a:xfrm>
+              <a:off x="609600" y="0"/>
+              <a:ext cx="10972800" cy="6858000"/>
+            </a:xfrm>
+            <a:prstGeom prst="rect">
+              <a:avLst/>
+            </a:prstGeom>
+          </p:spPr>
+        </p:pic>
+        <p:sp>
+          <p:nvSpPr>
+            <p:cNvPr id="21" name="TextBox 20">
+              <a:extLst>
+                <a:ext uri="{FF2B5EF4-FFF2-40B4-BE49-F238E27FC236}">
+                  <a16:creationId xmlns:a16="http://schemas.microsoft.com/office/drawing/2014/main" id="{8D2D76C9-4283-4E6F-0871-795D1AE1FEF3}"/>
+                </a:ext>
+              </a:extLst>
+            </p:cNvPr>
+            <p:cNvSpPr txBox="1"/>
+            <p:nvPr/>
+          </p:nvSpPr>
+          <p:spPr>
+            <a:xfrm>
+              <a:off x="2067151" y="6448120"/>
+              <a:ext cx="8620533" cy="1172632"/>
+            </a:xfrm>
+            <a:prstGeom prst="rect">
+              <a:avLst/>
+            </a:prstGeom>
+            <a:noFill/>
+          </p:spPr>
+          <p:txBody>
+            <a:bodyPr wrap="square" rtlCol="0">
+              <a:spAutoFit/>
+            </a:bodyPr>
+            <a:lstStyle/>
+            <a:p>
+              <a:pPr algn="ctr"/>
+              <a:r>
+                <a:rPr lang="en-US" altLang="zh-CN" dirty="0"/>
+                <a:t>Rabi frequency = 100</a:t>
+              </a:r>
+              <a:endParaRPr lang="zh-CN" altLang="en-US" dirty="0"/>
+            </a:p>
+          </p:txBody>
+        </p:sp>
+      </p:grpSp>
+      <p:grpSp>
+        <p:nvGrpSpPr>
+          <p:cNvPr id="22" name="Group 21">
+            <a:extLst>
+              <a:ext uri="{FF2B5EF4-FFF2-40B4-BE49-F238E27FC236}">
+                <a16:creationId xmlns:a16="http://schemas.microsoft.com/office/drawing/2014/main" id="{F017F2E0-FFC0-4059-6228-3092003A70CB}"/>
+              </a:ext>
+            </a:extLst>
+          </p:cNvPr>
+          <p:cNvGrpSpPr/>
+          <p:nvPr/>
+        </p:nvGrpSpPr>
+        <p:grpSpPr>
+          <a:xfrm>
+            <a:off x="180000" y="3960000"/>
+            <a:ext cx="3600000" cy="2400237"/>
+            <a:chOff x="609600" y="0"/>
+            <a:chExt cx="10972800" cy="7620752"/>
+          </a:xfrm>
+        </p:grpSpPr>
+        <p:pic>
+          <p:nvPicPr>
+            <p:cNvPr id="23" name="Picture 22" descr="A graph of a graph showing different differences&#10;&#10;Description automatically generated with medium confidence">
+              <a:extLst>
+                <a:ext uri="{FF2B5EF4-FFF2-40B4-BE49-F238E27FC236}">
+                  <a16:creationId xmlns:a16="http://schemas.microsoft.com/office/drawing/2014/main" id="{A9E8D38B-474B-A933-04F5-E7366D47CE2E}"/>
+                </a:ext>
+              </a:extLst>
+            </p:cNvPr>
+            <p:cNvPicPr>
+              <a:picLocks noChangeAspect="1"/>
+            </p:cNvPicPr>
+            <p:nvPr/>
+          </p:nvPicPr>
+          <p:blipFill>
+            <a:blip r:embed="rId7">
+              <a:extLst>
+                <a:ext uri="{28A0092B-C50C-407E-A947-70E740481C1C}">
+                  <a14:useLocalDpi xmlns:a14="http://schemas.microsoft.com/office/drawing/2010/main" val="0"/>
+                </a:ext>
+              </a:extLst>
+            </a:blip>
+            <a:stretch>
+              <a:fillRect/>
+            </a:stretch>
+          </p:blipFill>
+          <p:spPr>
+            <a:xfrm>
+              <a:off x="609600" y="0"/>
+              <a:ext cx="10972800" cy="6858000"/>
+            </a:xfrm>
+            <a:prstGeom prst="rect">
+              <a:avLst/>
+            </a:prstGeom>
+          </p:spPr>
+        </p:pic>
+        <p:sp>
+          <p:nvSpPr>
+            <p:cNvPr id="24" name="TextBox 23">
+              <a:extLst>
+                <a:ext uri="{FF2B5EF4-FFF2-40B4-BE49-F238E27FC236}">
+                  <a16:creationId xmlns:a16="http://schemas.microsoft.com/office/drawing/2014/main" id="{8D33FB6F-F017-8D08-E0E9-A7C1C9B39942}"/>
+                </a:ext>
+              </a:extLst>
+            </p:cNvPr>
+            <p:cNvSpPr txBox="1"/>
+            <p:nvPr/>
+          </p:nvSpPr>
+          <p:spPr>
+            <a:xfrm>
+              <a:off x="1854205" y="6448123"/>
+              <a:ext cx="8620536" cy="1172629"/>
+            </a:xfrm>
+            <a:prstGeom prst="rect">
+              <a:avLst/>
+            </a:prstGeom>
+            <a:noFill/>
+          </p:spPr>
+          <p:txBody>
+            <a:bodyPr wrap="square" rtlCol="0">
+              <a:spAutoFit/>
+            </a:bodyPr>
+            <a:lstStyle/>
+            <a:p>
+              <a:pPr algn="ctr"/>
+              <a:r>
+                <a:rPr lang="en-US" altLang="zh-CN" dirty="0"/>
+                <a:t>Rabi frequency = 50</a:t>
+              </a:r>
+              <a:endParaRPr lang="zh-CN" altLang="en-US" dirty="0"/>
+            </a:p>
+          </p:txBody>
+        </p:sp>
+      </p:grpSp>
+    </p:spTree>
+    <p:extLst>
+      <p:ext uri="{BB962C8B-B14F-4D97-AF65-F5344CB8AC3E}">
+        <p14:creationId xmlns:p14="http://schemas.microsoft.com/office/powerpoint/2010/main" val="719128238"/>
+      </p:ext>
+    </p:extLst>
+  </p:cSld>
+  <p:clrMapOvr>
+    <a:masterClrMapping/>
+  </p:clrMapOvr>
+</p:sld>
+</file>
+
+<file path=ppt/slides/slide13.xml><?xml version="1.0" encoding="utf-8"?>
+<p:sld xmlns:a="http://schemas.openxmlformats.org/drawingml/2006/main" xmlns:r="http://schemas.openxmlformats.org/officeDocument/2006/relationships" xmlns:p="http://schemas.openxmlformats.org/presentationml/2006/main">
+  <p:cSld>
+    <p:spTree>
+      <p:nvGrpSpPr>
+        <p:cNvPr id="1" name=""/>
+        <p:cNvGrpSpPr/>
+        <p:nvPr/>
+      </p:nvGrpSpPr>
+      <p:grpSpPr>
+        <a:xfrm>
+          <a:off x="0" y="0"/>
+          <a:ext cx="0" cy="0"/>
+          <a:chOff x="0" y="0"/>
+          <a:chExt cx="0" cy="0"/>
+        </a:xfrm>
+      </p:grpSpPr>
+      <p:sp>
+        <p:nvSpPr>
+          <p:cNvPr id="2" name="Title 1">
+            <a:extLst>
+              <a:ext uri="{FF2B5EF4-FFF2-40B4-BE49-F238E27FC236}">
+                <a16:creationId xmlns:a16="http://schemas.microsoft.com/office/drawing/2014/main" id="{7BAE0D34-A1F3-9ED8-E886-31B6E171B523}"/>
+              </a:ext>
+            </a:extLst>
+          </p:cNvPr>
+          <p:cNvSpPr>
+            <a:spLocks noGrp="1"/>
+          </p:cNvSpPr>
+          <p:nvPr>
+            <p:ph type="title"/>
+          </p:nvPr>
+        </p:nvSpPr>
+        <p:spPr/>
+        <p:txBody>
+          <a:bodyPr/>
+          <a:lstStyle/>
+          <a:p>
+            <a:r>
+              <a:rPr lang="en-US" altLang="zh-CN" dirty="0"/>
+              <a:t>5. Results and Analysis-Decay rate</a:t>
+            </a:r>
+            <a:br>
+              <a:rPr lang="en-US" altLang="zh-CN" dirty="0"/>
+            </a:br>
+            <a:endParaRPr lang="zh-CN" altLang="en-US" dirty="0"/>
+          </a:p>
+        </p:txBody>
+      </p:sp>
+      <p:grpSp>
+        <p:nvGrpSpPr>
+          <p:cNvPr id="19" name="Group 18">
+            <a:extLst>
+              <a:ext uri="{FF2B5EF4-FFF2-40B4-BE49-F238E27FC236}">
+                <a16:creationId xmlns:a16="http://schemas.microsoft.com/office/drawing/2014/main" id="{16CF8BCC-84C9-F6A1-CF39-70274BB97563}"/>
+              </a:ext>
+            </a:extLst>
+          </p:cNvPr>
+          <p:cNvGrpSpPr/>
+          <p:nvPr/>
+        </p:nvGrpSpPr>
+        <p:grpSpPr>
+          <a:xfrm>
+            <a:off x="4320000" y="3960000"/>
+            <a:ext cx="2988000" cy="2160000"/>
+            <a:chOff x="609600" y="0"/>
+            <a:chExt cx="10972800" cy="7569485"/>
+          </a:xfrm>
+        </p:grpSpPr>
+        <p:pic>
+          <p:nvPicPr>
+            <p:cNvPr id="17" name="Picture 16" descr="A graph of a graph&#10;&#10;Description automatically generated with medium confidence">
+              <a:extLst>
+                <a:ext uri="{FF2B5EF4-FFF2-40B4-BE49-F238E27FC236}">
+                  <a16:creationId xmlns:a16="http://schemas.microsoft.com/office/drawing/2014/main" id="{B7A32022-5CB4-F649-C739-91562E07E29A}"/>
+                </a:ext>
+              </a:extLst>
+            </p:cNvPr>
+            <p:cNvPicPr>
+              <a:picLocks noChangeAspect="1"/>
+            </p:cNvPicPr>
+            <p:nvPr/>
+          </p:nvPicPr>
+          <p:blipFill>
+            <a:blip r:embed="rId2">
+              <a:extLst>
+                <a:ext uri="{28A0092B-C50C-407E-A947-70E740481C1C}">
+                  <a14:useLocalDpi xmlns:a14="http://schemas.microsoft.com/office/drawing/2010/main" val="0"/>
+                </a:ext>
+              </a:extLst>
+            </a:blip>
+            <a:stretch>
+              <a:fillRect/>
+            </a:stretch>
+          </p:blipFill>
+          <p:spPr>
+            <a:xfrm>
+              <a:off x="609600" y="0"/>
+              <a:ext cx="10972800" cy="6858000"/>
+            </a:xfrm>
+            <a:prstGeom prst="rect">
+              <a:avLst/>
+            </a:prstGeom>
+          </p:spPr>
+        </p:pic>
+        <p:sp>
+          <p:nvSpPr>
+            <p:cNvPr id="18" name="TextBox 17">
+              <a:extLst>
+                <a:ext uri="{FF2B5EF4-FFF2-40B4-BE49-F238E27FC236}">
+                  <a16:creationId xmlns:a16="http://schemas.microsoft.com/office/drawing/2014/main" id="{F7992768-D22F-1F50-FE95-10616E4781FE}"/>
+                </a:ext>
+              </a:extLst>
+            </p:cNvPr>
+            <p:cNvSpPr txBox="1"/>
+            <p:nvPr/>
+          </p:nvSpPr>
+          <p:spPr>
+            <a:xfrm>
+              <a:off x="2392150" y="6421623"/>
+              <a:ext cx="7510738" cy="1147862"/>
+            </a:xfrm>
+            <a:prstGeom prst="rect">
+              <a:avLst/>
+            </a:prstGeom>
+            <a:noFill/>
+          </p:spPr>
+          <p:txBody>
+            <a:bodyPr wrap="square" rtlCol="0">
+              <a:spAutoFit/>
+            </a:bodyPr>
+            <a:lstStyle/>
+            <a:p>
+              <a:pPr algn="ctr"/>
+              <a:r>
+                <a:rPr lang="en-US" altLang="zh-CN" dirty="0"/>
+                <a:t>Rate = 0.3</a:t>
+              </a:r>
+              <a:endParaRPr lang="zh-CN" altLang="en-US" dirty="0"/>
+            </a:p>
+          </p:txBody>
+        </p:sp>
+      </p:grpSp>
+      <p:grpSp>
+        <p:nvGrpSpPr>
+          <p:cNvPr id="23" name="Group 22">
+            <a:extLst>
+              <a:ext uri="{FF2B5EF4-FFF2-40B4-BE49-F238E27FC236}">
+                <a16:creationId xmlns:a16="http://schemas.microsoft.com/office/drawing/2014/main" id="{940BD87B-0017-9174-DC49-40DB9AEBE513}"/>
+              </a:ext>
+            </a:extLst>
+          </p:cNvPr>
+          <p:cNvGrpSpPr/>
+          <p:nvPr/>
+        </p:nvGrpSpPr>
+        <p:grpSpPr>
+          <a:xfrm>
+            <a:off x="7920000" y="3960000"/>
+            <a:ext cx="2988000" cy="2160000"/>
+            <a:chOff x="609600" y="0"/>
+            <a:chExt cx="10972800" cy="7571174"/>
+          </a:xfrm>
+        </p:grpSpPr>
+        <p:pic>
+          <p:nvPicPr>
+            <p:cNvPr id="15" name="Picture 14" descr="A graph of different differences&#10;&#10;Description automatically generated with medium confidence">
+              <a:extLst>
+                <a:ext uri="{FF2B5EF4-FFF2-40B4-BE49-F238E27FC236}">
+                  <a16:creationId xmlns:a16="http://schemas.microsoft.com/office/drawing/2014/main" id="{B060B642-1C44-55D6-33D8-F8C895005EF1}"/>
+                </a:ext>
+              </a:extLst>
+            </p:cNvPr>
+            <p:cNvPicPr>
+              <a:picLocks noChangeAspect="1"/>
+            </p:cNvPicPr>
+            <p:nvPr/>
+          </p:nvPicPr>
+          <p:blipFill>
+            <a:blip r:embed="rId3">
+              <a:extLst>
+                <a:ext uri="{28A0092B-C50C-407E-A947-70E740481C1C}">
+                  <a14:useLocalDpi xmlns:a14="http://schemas.microsoft.com/office/drawing/2010/main" val="0"/>
+                </a:ext>
+              </a:extLst>
+            </a:blip>
+            <a:stretch>
+              <a:fillRect/>
+            </a:stretch>
+          </p:blipFill>
+          <p:spPr>
+            <a:xfrm>
+              <a:off x="609600" y="0"/>
+              <a:ext cx="10972800" cy="6858001"/>
+            </a:xfrm>
+            <a:prstGeom prst="rect">
+              <a:avLst/>
+            </a:prstGeom>
+          </p:spPr>
+        </p:pic>
+        <p:sp>
+          <p:nvSpPr>
+            <p:cNvPr id="22" name="TextBox 21">
+              <a:extLst>
+                <a:ext uri="{FF2B5EF4-FFF2-40B4-BE49-F238E27FC236}">
+                  <a16:creationId xmlns:a16="http://schemas.microsoft.com/office/drawing/2014/main" id="{C390BBF0-BAC7-5E3E-8051-66D106D30A6E}"/>
+                </a:ext>
+              </a:extLst>
+            </p:cNvPr>
+            <p:cNvSpPr txBox="1"/>
+            <p:nvPr/>
+          </p:nvSpPr>
+          <p:spPr>
+            <a:xfrm>
+              <a:off x="3773365" y="6423312"/>
+              <a:ext cx="4697620" cy="1147862"/>
+            </a:xfrm>
+            <a:prstGeom prst="rect">
+              <a:avLst/>
+            </a:prstGeom>
+            <a:noFill/>
+          </p:spPr>
+          <p:txBody>
+            <a:bodyPr wrap="square" rtlCol="0">
+              <a:spAutoFit/>
+            </a:bodyPr>
+            <a:lstStyle/>
+            <a:p>
+              <a:pPr algn="ctr"/>
+              <a:r>
+                <a:rPr lang="en-US" altLang="zh-CN" dirty="0"/>
+                <a:t>Rate = 1</a:t>
+              </a:r>
+              <a:endParaRPr lang="zh-CN" altLang="en-US" dirty="0"/>
+            </a:p>
+          </p:txBody>
+        </p:sp>
+      </p:grpSp>
+      <p:grpSp>
+        <p:nvGrpSpPr>
+          <p:cNvPr id="25" name="Group 24">
+            <a:extLst>
+              <a:ext uri="{FF2B5EF4-FFF2-40B4-BE49-F238E27FC236}">
+                <a16:creationId xmlns:a16="http://schemas.microsoft.com/office/drawing/2014/main" id="{240E6559-AAF1-EAD0-A484-21A5B4165558}"/>
+              </a:ext>
+            </a:extLst>
+          </p:cNvPr>
+          <p:cNvGrpSpPr/>
+          <p:nvPr/>
+        </p:nvGrpSpPr>
+        <p:grpSpPr>
+          <a:xfrm>
+            <a:off x="7920000" y="1440000"/>
+            <a:ext cx="2988000" cy="2160000"/>
+            <a:chOff x="609600" y="0"/>
+            <a:chExt cx="10972800" cy="7890155"/>
+          </a:xfrm>
+        </p:grpSpPr>
+        <p:pic>
+          <p:nvPicPr>
+            <p:cNvPr id="13" name="Picture 12" descr="A graph of a wave&#10;&#10;Description automatically generated with medium confidence">
+              <a:extLst>
+                <a:ext uri="{FF2B5EF4-FFF2-40B4-BE49-F238E27FC236}">
+                  <a16:creationId xmlns:a16="http://schemas.microsoft.com/office/drawing/2014/main" id="{1282A300-2B57-C6FC-97BC-AAB54F15E3F3}"/>
+                </a:ext>
+              </a:extLst>
+            </p:cNvPr>
+            <p:cNvPicPr>
+              <a:picLocks noChangeAspect="1"/>
+            </p:cNvPicPr>
+            <p:nvPr/>
+          </p:nvPicPr>
+          <p:blipFill>
+            <a:blip r:embed="rId4">
+              <a:extLst>
+                <a:ext uri="{28A0092B-C50C-407E-A947-70E740481C1C}">
+                  <a14:useLocalDpi xmlns:a14="http://schemas.microsoft.com/office/drawing/2010/main" val="0"/>
+                </a:ext>
+              </a:extLst>
+            </a:blip>
+            <a:stretch>
+              <a:fillRect/>
+            </a:stretch>
+          </p:blipFill>
+          <p:spPr>
+            <a:xfrm>
+              <a:off x="609600" y="0"/>
+              <a:ext cx="10972800" cy="6858000"/>
+            </a:xfrm>
+            <a:prstGeom prst="rect">
+              <a:avLst/>
+            </a:prstGeom>
+          </p:spPr>
+        </p:pic>
+        <p:sp>
+          <p:nvSpPr>
+            <p:cNvPr id="24" name="TextBox 23">
+              <a:extLst>
+                <a:ext uri="{FF2B5EF4-FFF2-40B4-BE49-F238E27FC236}">
+                  <a16:creationId xmlns:a16="http://schemas.microsoft.com/office/drawing/2014/main" id="{AE2C2096-04B5-914A-6AE8-88EDE96D9915}"/>
+                </a:ext>
+              </a:extLst>
+            </p:cNvPr>
+            <p:cNvSpPr txBox="1"/>
+            <p:nvPr/>
+          </p:nvSpPr>
+          <p:spPr>
+            <a:xfrm>
+              <a:off x="1539223" y="6427037"/>
+              <a:ext cx="9228544" cy="1463118"/>
+            </a:xfrm>
+            <a:prstGeom prst="rect">
+              <a:avLst/>
+            </a:prstGeom>
+            <a:noFill/>
+          </p:spPr>
+          <p:txBody>
+            <a:bodyPr wrap="square" rtlCol="0">
+              <a:spAutoFit/>
+            </a:bodyPr>
+            <a:lstStyle/>
+            <a:p>
+              <a:pPr algn="ctr"/>
+              <a:r>
+                <a:rPr lang="en-US" altLang="zh-CN" dirty="0"/>
+                <a:t>Rate = 0.02</a:t>
+              </a:r>
+              <a:endParaRPr lang="zh-CN" altLang="en-US" dirty="0"/>
+            </a:p>
+          </p:txBody>
+        </p:sp>
+      </p:grpSp>
+      <p:grpSp>
+        <p:nvGrpSpPr>
+          <p:cNvPr id="27" name="Group 26">
+            <a:extLst>
+              <a:ext uri="{FF2B5EF4-FFF2-40B4-BE49-F238E27FC236}">
+                <a16:creationId xmlns:a16="http://schemas.microsoft.com/office/drawing/2014/main" id="{15E6B3DF-31F6-DE65-346B-C061DE104301}"/>
+              </a:ext>
+            </a:extLst>
+          </p:cNvPr>
+          <p:cNvGrpSpPr/>
+          <p:nvPr/>
+        </p:nvGrpSpPr>
+        <p:grpSpPr>
+          <a:xfrm>
+            <a:off x="4320000" y="1440000"/>
+            <a:ext cx="2988000" cy="2160000"/>
+            <a:chOff x="609600" y="0"/>
+            <a:chExt cx="10972800" cy="7890164"/>
+          </a:xfrm>
+        </p:grpSpPr>
+        <p:pic>
+          <p:nvPicPr>
+            <p:cNvPr id="11" name="Picture 10" descr="A graph of a graph&#10;&#10;Description automatically generated with medium confidence">
+              <a:extLst>
+                <a:ext uri="{FF2B5EF4-FFF2-40B4-BE49-F238E27FC236}">
+                  <a16:creationId xmlns:a16="http://schemas.microsoft.com/office/drawing/2014/main" id="{9D893874-E693-55F9-0E38-F695C121BC1E}"/>
+                </a:ext>
+              </a:extLst>
+            </p:cNvPr>
+            <p:cNvPicPr>
+              <a:picLocks noChangeAspect="1"/>
+            </p:cNvPicPr>
+            <p:nvPr/>
+          </p:nvPicPr>
+          <p:blipFill>
+            <a:blip r:embed="rId5">
+              <a:extLst>
+                <a:ext uri="{28A0092B-C50C-407E-A947-70E740481C1C}">
+                  <a14:useLocalDpi xmlns:a14="http://schemas.microsoft.com/office/drawing/2010/main" val="0"/>
+                </a:ext>
+              </a:extLst>
+            </a:blip>
+            <a:stretch>
+              <a:fillRect/>
+            </a:stretch>
+          </p:blipFill>
+          <p:spPr>
+            <a:xfrm>
+              <a:off x="609600" y="0"/>
+              <a:ext cx="10972800" cy="6858000"/>
+            </a:xfrm>
+            <a:prstGeom prst="rect">
+              <a:avLst/>
+            </a:prstGeom>
+          </p:spPr>
+        </p:pic>
+        <p:sp>
+          <p:nvSpPr>
+            <p:cNvPr id="26" name="TextBox 25">
+              <a:extLst>
+                <a:ext uri="{FF2B5EF4-FFF2-40B4-BE49-F238E27FC236}">
+                  <a16:creationId xmlns:a16="http://schemas.microsoft.com/office/drawing/2014/main" id="{5A23600A-0FFB-3765-0784-100DD81FAC22}"/>
+                </a:ext>
+              </a:extLst>
+            </p:cNvPr>
+            <p:cNvSpPr txBox="1"/>
+            <p:nvPr/>
+          </p:nvSpPr>
+          <p:spPr>
+            <a:xfrm>
+              <a:off x="2086294" y="6427046"/>
+              <a:ext cx="7901018" cy="1463118"/>
+            </a:xfrm>
+            <a:prstGeom prst="rect">
+              <a:avLst/>
+            </a:prstGeom>
+            <a:noFill/>
+          </p:spPr>
+          <p:txBody>
+            <a:bodyPr wrap="square" rtlCol="0">
+              <a:spAutoFit/>
+            </a:bodyPr>
+            <a:lstStyle/>
+            <a:p>
+              <a:pPr algn="ctr"/>
+              <a:r>
+                <a:rPr lang="en-US" altLang="zh-CN" dirty="0"/>
+                <a:t>Rate = 0.05</a:t>
+              </a:r>
+              <a:endParaRPr lang="zh-CN" altLang="en-US" dirty="0"/>
+            </a:p>
+          </p:txBody>
+        </p:sp>
+      </p:grpSp>
+      <p:grpSp>
+        <p:nvGrpSpPr>
+          <p:cNvPr id="29" name="Group 28">
+            <a:extLst>
+              <a:ext uri="{FF2B5EF4-FFF2-40B4-BE49-F238E27FC236}">
+                <a16:creationId xmlns:a16="http://schemas.microsoft.com/office/drawing/2014/main" id="{8ABB4E27-02EB-E38E-D61D-058C9B28EAC5}"/>
+              </a:ext>
+            </a:extLst>
+          </p:cNvPr>
+          <p:cNvGrpSpPr/>
+          <p:nvPr/>
+        </p:nvGrpSpPr>
+        <p:grpSpPr>
+          <a:xfrm>
+            <a:off x="720000" y="3960000"/>
+            <a:ext cx="2988000" cy="2160000"/>
+            <a:chOff x="609600" y="0"/>
+            <a:chExt cx="10972800" cy="7541948"/>
+          </a:xfrm>
+        </p:grpSpPr>
+        <p:pic>
+          <p:nvPicPr>
+            <p:cNvPr id="9" name="Picture 8" descr="A graph of a graph&#10;&#10;Description automatically generated with medium confidence">
+              <a:extLst>
+                <a:ext uri="{FF2B5EF4-FFF2-40B4-BE49-F238E27FC236}">
+                  <a16:creationId xmlns:a16="http://schemas.microsoft.com/office/drawing/2014/main" id="{F086AD3A-F5B2-99B0-DD77-727B570C7389}"/>
+                </a:ext>
+              </a:extLst>
+            </p:cNvPr>
+            <p:cNvPicPr>
+              <a:picLocks noChangeAspect="1"/>
+            </p:cNvPicPr>
+            <p:nvPr/>
+          </p:nvPicPr>
+          <p:blipFill>
+            <a:blip r:embed="rId6">
+              <a:extLst>
+                <a:ext uri="{28A0092B-C50C-407E-A947-70E740481C1C}">
+                  <a14:useLocalDpi xmlns:a14="http://schemas.microsoft.com/office/drawing/2010/main" val="0"/>
+                </a:ext>
+              </a:extLst>
+            </a:blip>
+            <a:stretch>
+              <a:fillRect/>
+            </a:stretch>
+          </p:blipFill>
+          <p:spPr>
+            <a:xfrm>
+              <a:off x="609600" y="0"/>
+              <a:ext cx="10972800" cy="6858000"/>
+            </a:xfrm>
+            <a:prstGeom prst="rect">
+              <a:avLst/>
+            </a:prstGeom>
+          </p:spPr>
+        </p:pic>
+        <p:sp>
+          <p:nvSpPr>
+            <p:cNvPr id="28" name="TextBox 27">
+              <a:extLst>
+                <a:ext uri="{FF2B5EF4-FFF2-40B4-BE49-F238E27FC236}">
+                  <a16:creationId xmlns:a16="http://schemas.microsoft.com/office/drawing/2014/main" id="{6CA7B8D9-B2D5-F39D-888B-FB29F60EEBB3}"/>
+                </a:ext>
+              </a:extLst>
+            </p:cNvPr>
+            <p:cNvSpPr txBox="1"/>
+            <p:nvPr/>
+          </p:nvSpPr>
+          <p:spPr>
+            <a:xfrm>
+              <a:off x="2530841" y="6427038"/>
+              <a:ext cx="7615442" cy="1114910"/>
+            </a:xfrm>
+            <a:prstGeom prst="rect">
+              <a:avLst/>
+            </a:prstGeom>
+            <a:noFill/>
+          </p:spPr>
+          <p:txBody>
+            <a:bodyPr wrap="square" rtlCol="0">
+              <a:spAutoFit/>
+            </a:bodyPr>
+            <a:lstStyle/>
+            <a:p>
+              <a:pPr algn="ctr"/>
+              <a:r>
+                <a:rPr lang="en-US" altLang="zh-CN" dirty="0"/>
+                <a:t>Rate = 0.2</a:t>
+              </a:r>
+              <a:endParaRPr lang="zh-CN" altLang="en-US" dirty="0"/>
+            </a:p>
+          </p:txBody>
+        </p:sp>
+      </p:grpSp>
+      <p:grpSp>
+        <p:nvGrpSpPr>
+          <p:cNvPr id="30" name="Group 29">
+            <a:extLst>
+              <a:ext uri="{FF2B5EF4-FFF2-40B4-BE49-F238E27FC236}">
+                <a16:creationId xmlns:a16="http://schemas.microsoft.com/office/drawing/2014/main" id="{A70D3EE0-4A50-38A7-8B5C-489E8D58A95F}"/>
+              </a:ext>
+            </a:extLst>
+          </p:cNvPr>
+          <p:cNvGrpSpPr/>
+          <p:nvPr/>
+        </p:nvGrpSpPr>
+        <p:grpSpPr>
+          <a:xfrm>
+            <a:off x="720000" y="1440000"/>
+            <a:ext cx="2988000" cy="2160000"/>
+            <a:chOff x="609600" y="0"/>
+            <a:chExt cx="10972800" cy="7620749"/>
+          </a:xfrm>
+        </p:grpSpPr>
+        <p:pic>
+          <p:nvPicPr>
+            <p:cNvPr id="31" name="Picture 30" descr="A graph of a graph&#10;&#10;Description automatically generated with medium confidence">
+              <a:extLst>
+                <a:ext uri="{FF2B5EF4-FFF2-40B4-BE49-F238E27FC236}">
+                  <a16:creationId xmlns:a16="http://schemas.microsoft.com/office/drawing/2014/main" id="{8AD01B61-7252-E55B-91F7-FF53BFEC822E}"/>
+                </a:ext>
+              </a:extLst>
+            </p:cNvPr>
+            <p:cNvPicPr>
+              <a:picLocks noChangeAspect="1"/>
+            </p:cNvPicPr>
+            <p:nvPr/>
+          </p:nvPicPr>
+          <p:blipFill>
+            <a:blip r:embed="rId7">
+              <a:extLst>
+                <a:ext uri="{28A0092B-C50C-407E-A947-70E740481C1C}">
+                  <a14:useLocalDpi xmlns:a14="http://schemas.microsoft.com/office/drawing/2010/main" val="0"/>
+                </a:ext>
+              </a:extLst>
+            </a:blip>
+            <a:stretch>
+              <a:fillRect/>
+            </a:stretch>
+          </p:blipFill>
+          <p:spPr>
+            <a:xfrm>
+              <a:off x="609600" y="0"/>
+              <a:ext cx="10972800" cy="6858000"/>
+            </a:xfrm>
+            <a:prstGeom prst="rect">
+              <a:avLst/>
+            </a:prstGeom>
+          </p:spPr>
+        </p:pic>
+        <p:sp>
+          <p:nvSpPr>
+            <p:cNvPr id="32" name="TextBox 31">
+              <a:extLst>
+                <a:ext uri="{FF2B5EF4-FFF2-40B4-BE49-F238E27FC236}">
+                  <a16:creationId xmlns:a16="http://schemas.microsoft.com/office/drawing/2014/main" id="{0272A10A-384C-FDBE-B48C-F0351E729679}"/>
+                </a:ext>
+              </a:extLst>
+            </p:cNvPr>
+            <p:cNvSpPr txBox="1"/>
+            <p:nvPr/>
+          </p:nvSpPr>
+          <p:spPr>
+            <a:xfrm>
+              <a:off x="1854205" y="6448120"/>
+              <a:ext cx="8620536" cy="1172629"/>
+            </a:xfrm>
+            <a:prstGeom prst="rect">
+              <a:avLst/>
+            </a:prstGeom>
+            <a:noFill/>
+          </p:spPr>
+          <p:txBody>
+            <a:bodyPr wrap="square" rtlCol="0">
+              <a:spAutoFit/>
+            </a:bodyPr>
+            <a:lstStyle/>
+            <a:p>
+              <a:pPr algn="ctr"/>
+              <a:r>
+                <a:rPr lang="en-US" altLang="zh-CN" dirty="0"/>
+                <a:t>Rate = 0.1</a:t>
+              </a:r>
+              <a:endParaRPr lang="zh-CN" altLang="en-US" dirty="0"/>
+            </a:p>
+          </p:txBody>
+        </p:sp>
+      </p:grpSp>
+    </p:spTree>
+    <p:extLst>
+      <p:ext uri="{BB962C8B-B14F-4D97-AF65-F5344CB8AC3E}">
+        <p14:creationId xmlns:p14="http://schemas.microsoft.com/office/powerpoint/2010/main" val="3140398665"/>
+      </p:ext>
+    </p:extLst>
+  </p:cSld>
+  <p:clrMapOvr>
+    <a:masterClrMapping/>
+  </p:clrMapOvr>
+</p:sld>
+</file>
+
+<file path=ppt/slides/slide14.xml><?xml version="1.0" encoding="utf-8"?>
+<p:sld xmlns:a="http://schemas.openxmlformats.org/drawingml/2006/main" xmlns:r="http://schemas.openxmlformats.org/officeDocument/2006/relationships" xmlns:p="http://schemas.openxmlformats.org/presentationml/2006/main">
+  <p:cSld>
+    <p:spTree>
+      <p:nvGrpSpPr>
+        <p:cNvPr id="1" name=""/>
+        <p:cNvGrpSpPr/>
+        <p:nvPr/>
+      </p:nvGrpSpPr>
+      <p:grpSpPr>
+        <a:xfrm>
+          <a:off x="0" y="0"/>
+          <a:ext cx="0" cy="0"/>
+          <a:chOff x="0" y="0"/>
+          <a:chExt cx="0" cy="0"/>
+        </a:xfrm>
+      </p:grpSpPr>
+      <p:sp>
+        <p:nvSpPr>
+          <p:cNvPr id="2" name="Title 1">
+            <a:extLst>
+              <a:ext uri="{FF2B5EF4-FFF2-40B4-BE49-F238E27FC236}">
+                <a16:creationId xmlns:a16="http://schemas.microsoft.com/office/drawing/2014/main" id="{F2BEF6AF-1DB2-445C-3404-3CC81CDF2EB1}"/>
+              </a:ext>
+            </a:extLst>
+          </p:cNvPr>
+          <p:cNvSpPr>
+            <a:spLocks noGrp="1"/>
+          </p:cNvSpPr>
+          <p:nvPr>
+            <p:ph type="title"/>
+          </p:nvPr>
+        </p:nvSpPr>
+        <p:spPr/>
+        <p:txBody>
+          <a:bodyPr/>
+          <a:lstStyle/>
+          <a:p>
+            <a:r>
+              <a:rPr lang="en-US" altLang="zh-CN" dirty="0"/>
+              <a:t>6. Further analysis</a:t>
+            </a:r>
+            <a:endParaRPr lang="zh-CN" altLang="en-US" dirty="0"/>
+          </a:p>
+        </p:txBody>
+      </p:sp>
+      <mc:AlternateContent xmlns:mc="http://schemas.openxmlformats.org/markup-compatibility/2006">
+        <mc:Choice xmlns:a14="http://schemas.microsoft.com/office/drawing/2010/main" Requires="a14">
+          <p:sp>
+            <p:nvSpPr>
+              <p:cNvPr id="3" name="Content Placeholder 2">
+                <a:extLst>
+                  <a:ext uri="{FF2B5EF4-FFF2-40B4-BE49-F238E27FC236}">
+                    <a16:creationId xmlns:a16="http://schemas.microsoft.com/office/drawing/2014/main" id="{A439DF90-331F-4B6B-70FB-B5BF4D951156}"/>
+                  </a:ext>
+                </a:extLst>
+              </p:cNvPr>
+              <p:cNvSpPr>
+                <a:spLocks noGrp="1"/>
+              </p:cNvSpPr>
+              <p:nvPr>
+                <p:ph idx="1"/>
+              </p:nvPr>
+            </p:nvSpPr>
+            <p:spPr/>
+            <p:txBody>
+              <a:bodyPr/>
+              <a:lstStyle/>
+              <a:p>
+                <a:r>
+                  <a:rPr lang="en-US" altLang="zh-CN" dirty="0"/>
+                  <a:t>2 Time correlation function:</a:t>
+                </a:r>
+              </a:p>
+              <a:p>
+                <a:pPr marL="0" indent="0">
+                  <a:buNone/>
+                </a:pPr>
+                <a14:m>
+                  <m:oMathPara xmlns:m="http://schemas.openxmlformats.org/officeDocument/2006/math">
+                    <m:oMathParaPr>
+                      <m:jc m:val="center"/>
+                    </m:oMathParaPr>
+                    <m:oMath xmlns:m="http://schemas.openxmlformats.org/officeDocument/2006/math">
+                      <m:r>
+                        <a:rPr lang="en-US" altLang="zh-CN" i="1" dirty="0" smtClean="0">
+                          <a:latin typeface="Cambria Math" panose="02040503050406030204" pitchFamily="18" charset="0"/>
+                        </a:rPr>
+                        <m:t>𝐶</m:t>
+                      </m:r>
+                      <m:d>
+                        <m:dPr>
+                          <m:ctrlPr>
+                            <a:rPr lang="en-US" altLang="zh-CN" i="1" dirty="0" smtClean="0">
+                              <a:latin typeface="Cambria Math" panose="02040503050406030204" pitchFamily="18" charset="0"/>
+                            </a:rPr>
+                          </m:ctrlPr>
+                        </m:dPr>
+                        <m:e>
+                          <m:r>
+                            <a:rPr lang="en-US" altLang="zh-CN" i="1" dirty="0" smtClean="0">
+                              <a:latin typeface="Cambria Math" panose="02040503050406030204" pitchFamily="18" charset="0"/>
+                            </a:rPr>
+                            <m:t>𝑡</m:t>
+                          </m:r>
+                          <m:r>
+                            <a:rPr lang="en-US" altLang="zh-CN" i="1" dirty="0" smtClean="0">
+                              <a:latin typeface="Cambria Math" panose="02040503050406030204" pitchFamily="18" charset="0"/>
+                            </a:rPr>
+                            <m:t>, </m:t>
+                          </m:r>
+                          <m:r>
+                            <a:rPr lang="en-US" altLang="zh-CN" i="1" dirty="0" smtClean="0">
+                              <a:latin typeface="Cambria Math" panose="02040503050406030204" pitchFamily="18" charset="0"/>
+                            </a:rPr>
+                            <m:t>𝜏</m:t>
+                          </m:r>
+                        </m:e>
+                      </m:d>
+                      <m:r>
+                        <a:rPr lang="en-US" altLang="zh-CN" i="1" dirty="0" smtClean="0">
+                          <a:latin typeface="Cambria Math" panose="02040503050406030204" pitchFamily="18" charset="0"/>
+                        </a:rPr>
+                        <m:t>=&lt;</m:t>
+                      </m:r>
+                      <m:r>
+                        <a:rPr lang="en-US" altLang="zh-CN" i="1" dirty="0" smtClean="0">
+                          <a:latin typeface="Cambria Math" panose="02040503050406030204" pitchFamily="18" charset="0"/>
+                        </a:rPr>
+                        <m:t>𝐴</m:t>
+                      </m:r>
+                      <m:d>
+                        <m:dPr>
+                          <m:ctrlPr>
+                            <a:rPr lang="en-US" altLang="zh-CN" i="1" dirty="0" smtClean="0">
+                              <a:latin typeface="Cambria Math" panose="02040503050406030204" pitchFamily="18" charset="0"/>
+                            </a:rPr>
+                          </m:ctrlPr>
+                        </m:dPr>
+                        <m:e>
+                          <m:r>
+                            <a:rPr lang="en-US" altLang="zh-CN" i="1" dirty="0" smtClean="0">
+                              <a:latin typeface="Cambria Math" panose="02040503050406030204" pitchFamily="18" charset="0"/>
+                            </a:rPr>
+                            <m:t>𝑡</m:t>
+                          </m:r>
+                          <m:r>
+                            <a:rPr lang="en-US" altLang="zh-CN" i="1" dirty="0" smtClean="0">
+                              <a:latin typeface="Cambria Math" panose="02040503050406030204" pitchFamily="18" charset="0"/>
+                            </a:rPr>
+                            <m:t>+</m:t>
+                          </m:r>
+                          <m:r>
+                            <a:rPr lang="en-US" altLang="zh-CN" i="1" dirty="0" smtClean="0">
+                              <a:latin typeface="Cambria Math" panose="02040503050406030204" pitchFamily="18" charset="0"/>
+                            </a:rPr>
+                            <m:t>𝜏</m:t>
+                          </m:r>
+                        </m:e>
+                      </m:d>
+                      <m:r>
+                        <a:rPr lang="en-US" altLang="zh-CN" i="1" dirty="0" smtClean="0">
+                          <a:latin typeface="Cambria Math" panose="02040503050406030204" pitchFamily="18" charset="0"/>
+                        </a:rPr>
+                        <m:t>𝐵</m:t>
+                      </m:r>
+                      <m:d>
+                        <m:dPr>
+                          <m:ctrlPr>
+                            <a:rPr lang="en-US" altLang="zh-CN" i="1" dirty="0" smtClean="0">
+                              <a:latin typeface="Cambria Math" panose="02040503050406030204" pitchFamily="18" charset="0"/>
+                            </a:rPr>
+                          </m:ctrlPr>
+                        </m:dPr>
+                        <m:e>
+                          <m:r>
+                            <a:rPr lang="en-US" altLang="zh-CN" i="1" dirty="0" smtClean="0">
+                              <a:latin typeface="Cambria Math" panose="02040503050406030204" pitchFamily="18" charset="0"/>
+                            </a:rPr>
+                            <m:t>𝑡</m:t>
+                          </m:r>
+                        </m:e>
+                      </m:d>
+                      <m:r>
+                        <a:rPr lang="en-US" altLang="zh-CN" i="1" dirty="0" smtClean="0">
+                          <a:latin typeface="Cambria Math" panose="02040503050406030204" pitchFamily="18" charset="0"/>
+                        </a:rPr>
+                        <m:t>&gt;</m:t>
+                      </m:r>
+                    </m:oMath>
+                  </m:oMathPara>
+                </a14:m>
+                <a:endParaRPr lang="en-US" altLang="zh-CN" dirty="0"/>
+              </a:p>
+              <a:p>
+                <a:pPr/>
+                <a:r>
+                  <a:rPr lang="en-US" altLang="zh-CN" dirty="0"/>
+                  <a:t>Apply Monte Carlo simulation and make comparison with the analytical solution</a:t>
+                </a:r>
+              </a:p>
+              <a:p>
+                <a:pPr/>
+                <a:r>
+                  <a:rPr lang="en-US" altLang="zh-CN" dirty="0"/>
+                  <a:t>Apply previous analysis methods to discuss the reliability of this method and the suitable parameter selections</a:t>
+                </a:r>
+                <a:endParaRPr lang="zh-CN" altLang="en-US" dirty="0"/>
+              </a:p>
+            </p:txBody>
+          </p:sp>
+        </mc:Choice>
+        <mc:Fallback>
+          <p:sp>
+            <p:nvSpPr>
+              <p:cNvPr id="3" name="Content Placeholder 2">
+                <a:extLst>
+                  <a:ext uri="{FF2B5EF4-FFF2-40B4-BE49-F238E27FC236}">
+                    <a16:creationId xmlns:a16="http://schemas.microsoft.com/office/drawing/2014/main" id="{A439DF90-331F-4B6B-70FB-B5BF4D951156}"/>
+                  </a:ext>
+                </a:extLst>
+              </p:cNvPr>
+              <p:cNvSpPr>
+                <a:spLocks noGrp="1" noRot="1" noChangeAspect="1" noMove="1" noResize="1" noEditPoints="1" noAdjustHandles="1" noChangeArrowheads="1" noChangeShapeType="1" noTextEdit="1"/>
+              </p:cNvSpPr>
+              <p:nvPr>
+                <p:ph idx="1"/>
+              </p:nvPr>
+            </p:nvSpPr>
+            <p:spPr>
+              <a:blipFill>
+                <a:blip r:embed="rId2"/>
+                <a:stretch>
+                  <a:fillRect l="-1043" t="-2521"/>
+                </a:stretch>
+              </a:blipFill>
+            </p:spPr>
+            <p:txBody>
+              <a:bodyPr/>
+              <a:lstStyle/>
+              <a:p>
+                <a:r>
+                  <a:rPr lang="zh-CN" altLang="en-US">
+                    <a:noFill/>
+                  </a:rPr>
+                  <a:t> </a:t>
+                </a:r>
+              </a:p>
+            </p:txBody>
+          </p:sp>
+        </mc:Fallback>
+      </mc:AlternateContent>
+    </p:spTree>
+    <p:extLst>
+      <p:ext uri="{BB962C8B-B14F-4D97-AF65-F5344CB8AC3E}">
+        <p14:creationId xmlns:p14="http://schemas.microsoft.com/office/powerpoint/2010/main" val="2545514069"/>
+      </p:ext>
+    </p:extLst>
+  </p:cSld>
+  <p:clrMapOvr>
+    <a:masterClrMapping/>
+  </p:clrMapOvr>
+</p:sld>
+</file>
+
+<file path=ppt/slides/slide15.xml><?xml version="1.0" encoding="utf-8"?>
+<p:sld xmlns:a="http://schemas.openxmlformats.org/drawingml/2006/main" xmlns:r="http://schemas.openxmlformats.org/officeDocument/2006/relationships" xmlns:p="http://schemas.openxmlformats.org/presentationml/2006/main">
+  <p:cSld>
+    <p:spTree>
+      <p:nvGrpSpPr>
+        <p:cNvPr id="1" name=""/>
+        <p:cNvGrpSpPr/>
+        <p:nvPr/>
+      </p:nvGrpSpPr>
+      <p:grpSpPr>
+        <a:xfrm>
+          <a:off x="0" y="0"/>
+          <a:ext cx="0" cy="0"/>
+          <a:chOff x="0" y="0"/>
+          <a:chExt cx="0" cy="0"/>
+        </a:xfrm>
+      </p:grpSpPr>
+      <p:sp>
+        <p:nvSpPr>
+          <p:cNvPr id="2" name="Title 1">
+            <a:extLst>
+              <a:ext uri="{FF2B5EF4-FFF2-40B4-BE49-F238E27FC236}">
+                <a16:creationId xmlns:a16="http://schemas.microsoft.com/office/drawing/2014/main" id="{22EC5274-19E8-5015-A857-129121CE9BB2}"/>
+              </a:ext>
+            </a:extLst>
+          </p:cNvPr>
+          <p:cNvSpPr>
+            <a:spLocks noGrp="1"/>
+          </p:cNvSpPr>
+          <p:nvPr>
+            <p:ph type="title"/>
+          </p:nvPr>
+        </p:nvSpPr>
+        <p:spPr/>
+        <p:txBody>
+          <a:bodyPr/>
+          <a:lstStyle/>
+          <a:p>
+            <a:r>
+              <a:rPr lang="en-US" altLang="zh-CN" dirty="0"/>
+              <a:t>Reference:</a:t>
+            </a:r>
+            <a:endParaRPr lang="zh-CN" altLang="en-US" dirty="0"/>
+          </a:p>
+        </p:txBody>
+      </p:sp>
+      <p:sp>
+        <p:nvSpPr>
+          <p:cNvPr id="3" name="Content Placeholder 2">
+            <a:extLst>
+              <a:ext uri="{FF2B5EF4-FFF2-40B4-BE49-F238E27FC236}">
+                <a16:creationId xmlns:a16="http://schemas.microsoft.com/office/drawing/2014/main" id="{14194F23-160C-A3E6-E233-CE98098E313C}"/>
+              </a:ext>
+            </a:extLst>
+          </p:cNvPr>
+          <p:cNvSpPr>
+            <a:spLocks noGrp="1"/>
+          </p:cNvSpPr>
+          <p:nvPr>
+            <p:ph idx="1"/>
+          </p:nvPr>
+        </p:nvSpPr>
+        <p:spPr/>
+        <p:txBody>
+          <a:bodyPr>
+            <a:normAutofit/>
+          </a:bodyPr>
+          <a:lstStyle/>
+          <a:p>
+            <a:r>
+              <a:rPr lang="en-US" altLang="zh-CN" i="0" strike="noStrike" dirty="0">
+                <a:effectLst/>
+                <a:latin typeface="Times New Roman" panose="02020603050405020304" pitchFamily="18" charset="0"/>
+                <a:cs typeface="Times New Roman" panose="02020603050405020304" pitchFamily="18" charset="0"/>
+              </a:rPr>
+              <a:t>Klaus </a:t>
+            </a:r>
+            <a:r>
+              <a:rPr lang="en-US" altLang="zh-CN" i="0" strike="noStrike" dirty="0" err="1">
+                <a:effectLst/>
+                <a:latin typeface="Times New Roman" panose="02020603050405020304" pitchFamily="18" charset="0"/>
+                <a:cs typeface="Times New Roman" panose="02020603050405020304" pitchFamily="18" charset="0"/>
+              </a:rPr>
+              <a:t>Mølmer</a:t>
+            </a:r>
+            <a:r>
+              <a:rPr lang="en-US" altLang="zh-CN" i="0" strike="noStrike" dirty="0">
+                <a:effectLst/>
+                <a:latin typeface="Times New Roman" panose="02020603050405020304" pitchFamily="18" charset="0"/>
+                <a:cs typeface="Times New Roman" panose="02020603050405020304" pitchFamily="18" charset="0"/>
+              </a:rPr>
+              <a:t>, Yvan Castin, Jean </a:t>
+            </a:r>
+            <a:r>
+              <a:rPr lang="en-US" altLang="zh-CN" i="0" strike="noStrike" dirty="0" err="1">
+                <a:effectLst/>
+                <a:latin typeface="Times New Roman" panose="02020603050405020304" pitchFamily="18" charset="0"/>
+                <a:cs typeface="Times New Roman" panose="02020603050405020304" pitchFamily="18" charset="0"/>
+              </a:rPr>
+              <a:t>Dalibard</a:t>
+            </a:r>
+            <a:r>
+              <a:rPr lang="en-US" altLang="zh-CN" i="0" strike="noStrike" dirty="0">
+                <a:effectLst/>
+                <a:latin typeface="Times New Roman" panose="02020603050405020304" pitchFamily="18" charset="0"/>
+                <a:cs typeface="Times New Roman" panose="02020603050405020304" pitchFamily="18" charset="0"/>
+              </a:rPr>
+              <a:t>, </a:t>
+            </a:r>
+            <a:r>
+              <a:rPr lang="en-US" altLang="zh-CN" i="1" strike="noStrike" dirty="0">
+                <a:effectLst/>
+                <a:latin typeface="Times New Roman" panose="02020603050405020304" pitchFamily="18" charset="0"/>
+                <a:cs typeface="Times New Roman" panose="02020603050405020304" pitchFamily="18" charset="0"/>
+              </a:rPr>
+              <a:t>Monte Carlo wave-function method in quantum optics</a:t>
+            </a:r>
+            <a:r>
+              <a:rPr lang="en-US" altLang="zh-CN" i="0" strike="noStrike" dirty="0">
+                <a:effectLst/>
+                <a:latin typeface="Times New Roman" panose="02020603050405020304" pitchFamily="18" charset="0"/>
+                <a:cs typeface="Times New Roman" panose="02020603050405020304" pitchFamily="18" charset="0"/>
+              </a:rPr>
+              <a:t>, Published in: </a:t>
+            </a:r>
+            <a:r>
+              <a:rPr lang="en-US" altLang="zh-CN" i="0" strike="noStrike" dirty="0" err="1">
+                <a:effectLst/>
+                <a:latin typeface="Times New Roman" panose="02020603050405020304" pitchFamily="18" charset="0"/>
+                <a:cs typeface="Times New Roman" panose="02020603050405020304" pitchFamily="18" charset="0"/>
+              </a:rPr>
+              <a:t>J.Opt.Soc.Am.B</a:t>
+            </a:r>
+            <a:r>
+              <a:rPr lang="en-US" altLang="zh-CN" i="0" strike="noStrike" dirty="0">
+                <a:effectLst/>
+                <a:latin typeface="Times New Roman" panose="02020603050405020304" pitchFamily="18" charset="0"/>
+                <a:cs typeface="Times New Roman" panose="02020603050405020304" pitchFamily="18" charset="0"/>
+              </a:rPr>
+              <a:t> 10 (1993) 3, 524-538, </a:t>
+            </a:r>
+            <a:r>
+              <a:rPr lang="en-US" altLang="zh-CN" i="0" strike="noStrike" dirty="0" err="1">
+                <a:effectLst/>
+                <a:latin typeface="Times New Roman" panose="02020603050405020304" pitchFamily="18" charset="0"/>
+                <a:cs typeface="Times New Roman" panose="02020603050405020304" pitchFamily="18" charset="0"/>
+              </a:rPr>
+              <a:t>doi</a:t>
+            </a:r>
+            <a:r>
+              <a:rPr lang="en-US" altLang="zh-CN" i="0" strike="noStrike" dirty="0">
+                <a:effectLst/>
+                <a:latin typeface="Times New Roman" panose="02020603050405020304" pitchFamily="18" charset="0"/>
+                <a:cs typeface="Times New Roman" panose="02020603050405020304" pitchFamily="18" charset="0"/>
+              </a:rPr>
+              <a:t>: 10.1364/JOSAB.10.000524</a:t>
+            </a:r>
+          </a:p>
+          <a:p>
+            <a:r>
+              <a:rPr lang="en-US" altLang="zh-CN" sz="2800" dirty="0">
+                <a:latin typeface="Times New Roman" panose="02020603050405020304" pitchFamily="18" charset="0"/>
+                <a:cs typeface="Times New Roman" panose="02020603050405020304" pitchFamily="18" charset="0"/>
+              </a:rPr>
+              <a:t>Liu, Y., Zhao, Q., Li, MH. et al. </a:t>
+            </a:r>
+            <a:r>
+              <a:rPr lang="en-US" altLang="zh-CN" sz="2800" i="1" dirty="0">
+                <a:latin typeface="Times New Roman" panose="02020603050405020304" pitchFamily="18" charset="0"/>
+                <a:cs typeface="Times New Roman" panose="02020603050405020304" pitchFamily="18" charset="0"/>
+              </a:rPr>
+              <a:t>Device-independent quantum random-number generation</a:t>
+            </a:r>
+            <a:r>
+              <a:rPr lang="en-US" altLang="zh-CN" sz="2800" dirty="0">
+                <a:latin typeface="Times New Roman" panose="02020603050405020304" pitchFamily="18" charset="0"/>
+                <a:cs typeface="Times New Roman" panose="02020603050405020304" pitchFamily="18" charset="0"/>
+              </a:rPr>
+              <a:t>. Nature 562, 548–551 (2018). https://doi.org/10.1038/s41586-018-0559-3 </a:t>
+            </a:r>
+          </a:p>
+          <a:p>
+            <a:pPr marL="0" indent="0">
+              <a:buNone/>
+            </a:pPr>
+            <a:br>
+              <a:rPr lang="en-US" altLang="zh-CN" dirty="0"/>
+            </a:br>
+            <a:endParaRPr lang="zh-CN" altLang="en-US" dirty="0"/>
+          </a:p>
+        </p:txBody>
+      </p:sp>
+    </p:spTree>
+    <p:extLst>
+      <p:ext uri="{BB962C8B-B14F-4D97-AF65-F5344CB8AC3E}">
+        <p14:creationId xmlns:p14="http://schemas.microsoft.com/office/powerpoint/2010/main" val="691924186"/>
+      </p:ext>
+    </p:extLst>
+  </p:cSld>
+  <p:clrMapOvr>
+    <a:masterClrMapping/>
+  </p:clrMapOvr>
+</p:sld>
+</file>
+
+<file path=ppt/slides/slide16.xml><?xml version="1.0" encoding="utf-8"?>
+<p:sld xmlns:a="http://schemas.openxmlformats.org/drawingml/2006/main" xmlns:r="http://schemas.openxmlformats.org/officeDocument/2006/relationships" xmlns:p="http://schemas.openxmlformats.org/presentationml/2006/main">
+  <p:cSld>
+    <p:spTree>
+      <p:nvGrpSpPr>
+        <p:cNvPr id="1" name=""/>
+        <p:cNvGrpSpPr/>
+        <p:nvPr/>
+      </p:nvGrpSpPr>
+      <p:grpSpPr>
+        <a:xfrm>
+          <a:off x="0" y="0"/>
+          <a:ext cx="0" cy="0"/>
+          <a:chOff x="0" y="0"/>
+          <a:chExt cx="0" cy="0"/>
+        </a:xfrm>
+      </p:grpSpPr>
+      <p:sp>
+        <p:nvSpPr>
+          <p:cNvPr id="2" name="Title 1">
+            <a:extLst>
+              <a:ext uri="{FF2B5EF4-FFF2-40B4-BE49-F238E27FC236}">
+                <a16:creationId xmlns:a16="http://schemas.microsoft.com/office/drawing/2014/main" id="{6D9E0F72-D688-32C7-8146-BFB16033E525}"/>
+              </a:ext>
+            </a:extLst>
+          </p:cNvPr>
+          <p:cNvSpPr>
+            <a:spLocks noGrp="1"/>
+          </p:cNvSpPr>
+          <p:nvPr>
+            <p:ph type="title"/>
+          </p:nvPr>
+        </p:nvSpPr>
+        <p:spPr>
+          <a:xfrm>
+            <a:off x="838200" y="2459171"/>
+            <a:ext cx="10515600" cy="1325563"/>
+          </a:xfrm>
+        </p:spPr>
+        <p:txBody>
+          <a:bodyPr>
+            <a:normAutofit/>
+          </a:bodyPr>
+          <a:lstStyle/>
+          <a:p>
+            <a:pPr algn="ctr"/>
+            <a:r>
+              <a:rPr lang="en-US" altLang="zh-CN" sz="6600" dirty="0"/>
+              <a:t>Thanks for listening</a:t>
+            </a:r>
+            <a:endParaRPr lang="zh-CN" altLang="en-US" sz="6600" dirty="0"/>
+          </a:p>
+        </p:txBody>
+      </p:sp>
+    </p:spTree>
+    <p:extLst>
+      <p:ext uri="{BB962C8B-B14F-4D97-AF65-F5344CB8AC3E}">
+        <p14:creationId xmlns:p14="http://schemas.microsoft.com/office/powerpoint/2010/main" val="2268149443"/>
       </p:ext>
     </p:extLst>
   </p:cSld>
@@ -3515,7 +6713,7 @@
           <a:p>
             <a:r>
               <a:rPr lang="en-US" altLang="zh-CN" dirty="0"/>
-              <a:t>3. Parameters that matters</a:t>
+              <a:t>3. Parameters</a:t>
             </a:r>
           </a:p>
           <a:p>
@@ -3598,8 +6796,8 @@
           </a:p>
         </p:txBody>
       </p:sp>
-      <mc:AlternateContent xmlns:mc="http://schemas.openxmlformats.org/markup-compatibility/2006">
-        <mc:Choice xmlns:a14="http://schemas.microsoft.com/office/drawing/2010/main" Requires="a14">
+      <mc:AlternateContent xmlns:mc="http://schemas.openxmlformats.org/markup-compatibility/2006" xmlns:a14="http://schemas.microsoft.com/office/drawing/2010/main">
+        <mc:Choice Requires="a14">
           <p:sp>
             <p:nvSpPr>
               <p:cNvPr id="3" name="Content Placeholder 2">
@@ -4244,7 +7442,7 @@
             </p:txBody>
           </p:sp>
         </mc:Choice>
-        <mc:Fallback>
+        <mc:Fallback xmlns="">
           <p:sp>
             <p:nvSpPr>
               <p:cNvPr id="3" name="Content Placeholder 2">
@@ -4347,8 +7545,8 @@
           </a:p>
         </p:txBody>
       </p:sp>
-      <mc:AlternateContent xmlns:mc="http://schemas.openxmlformats.org/markup-compatibility/2006" xmlns:a14="http://schemas.microsoft.com/office/drawing/2010/main">
-        <mc:Choice Requires="a14">
+      <mc:AlternateContent xmlns:mc="http://schemas.openxmlformats.org/markup-compatibility/2006">
+        <mc:Choice xmlns:a14="http://schemas.microsoft.com/office/drawing/2010/main" Requires="a14">
           <p:sp>
             <p:nvSpPr>
               <p:cNvPr id="3" name="Content Placeholder 2">
@@ -4497,6 +7695,12 @@
                                 <a:latin typeface="Cambria Math" panose="02040503050406030204" pitchFamily="18" charset="0"/>
                               </a:rPr>
                               <m:t>𝑡</m:t>
+                            </m:r>
+                            <m:r>
+                              <a:rPr lang="en-US" altLang="zh-CN" b="0" i="1" smtClean="0">
+                                <a:latin typeface="Cambria Math" panose="02040503050406030204" pitchFamily="18" charset="0"/>
+                              </a:rPr>
+                              <m:t>)</m:t>
                             </m:r>
                           </m:e>
                         </m:d>
@@ -4880,13 +8084,13 @@
                 </a14:m>
                 <a:r>
                   <a:rPr lang="en-US" altLang="zh-CN" dirty="0"/>
-                  <a:t> and the result is compared with the analytical solution(using Optical Bloch Equations)</a:t>
+                  <a:t> and the result is compared with the analytical solution(using Optical Bloch Equations).</a:t>
                 </a:r>
               </a:p>
             </p:txBody>
           </p:sp>
         </mc:Choice>
-        <mc:Fallback xmlns="">
+        <mc:Fallback>
           <p:sp>
             <p:nvSpPr>
               <p:cNvPr id="3" name="Content Placeholder 2">
@@ -4979,7 +8183,7 @@
           <a:p>
             <a:r>
               <a:rPr lang="en-US" altLang="zh-CN" dirty="0"/>
-              <a:t>3. Parameters that matters</a:t>
+              <a:t>3. Parameters</a:t>
             </a:r>
             <a:endParaRPr lang="zh-CN" altLang="en-US" dirty="0"/>
           </a:p>
@@ -5008,35 +8212,49 @@
           <a:p>
             <a:r>
               <a:rPr lang="en-US" altLang="zh-CN" dirty="0"/>
+              <a:t>Parameters with graphical meanings:</a:t>
+            </a:r>
+          </a:p>
+          <a:p>
+            <a:pPr lvl="1"/>
+            <a:r>
+              <a:rPr lang="en-US" altLang="zh-CN" dirty="0"/>
               <a:t>Detuning</a:t>
             </a:r>
           </a:p>
           <a:p>
+            <a:pPr lvl="1"/>
             <a:r>
               <a:rPr lang="en-US" altLang="zh-CN" dirty="0"/>
               <a:t>Rabi frequency</a:t>
             </a:r>
           </a:p>
           <a:p>
+            <a:pPr lvl="1"/>
             <a:r>
               <a:rPr lang="en-US" altLang="zh-CN" dirty="0"/>
-              <a:t>Number of iterations</a:t>
+              <a:t>Decay rate</a:t>
             </a:r>
           </a:p>
           <a:p>
             <a:r>
               <a:rPr lang="en-US" altLang="zh-CN" dirty="0"/>
-              <a:t>Time steps</a:t>
-            </a:r>
-          </a:p>
-          <a:p>
+              <a:t>Parameters without graphical meanings:</a:t>
+            </a:r>
+          </a:p>
+          <a:p>
+            <a:pPr lvl="1"/>
             <a:r>
               <a:rPr lang="en-US" altLang="zh-CN" dirty="0"/>
               <a:t>Number of particles</a:t>
             </a:r>
           </a:p>
           <a:p>
-            <a:endParaRPr lang="en-US" altLang="zh-CN" dirty="0"/>
+            <a:pPr lvl="1"/>
+            <a:r>
+              <a:rPr lang="en-US" altLang="zh-CN" dirty="0"/>
+              <a:t>Number of iterations, time steps and total time</a:t>
+            </a:r>
           </a:p>
           <a:p>
             <a:endParaRPr lang="zh-CN" altLang="en-US" dirty="0"/>
@@ -5096,7 +8314,7 @@
           <a:p>
             <a:r>
               <a:rPr lang="en-US" altLang="zh-CN" dirty="0"/>
-              <a:t>4. Analysis criterion </a:t>
+              <a:t>4. Analysis Criterion </a:t>
             </a:r>
             <a:endParaRPr lang="zh-CN" altLang="en-US" dirty="0"/>
           </a:p>
@@ -5123,10 +8341,92 @@
           <a:bodyPr/>
           <a:lstStyle/>
           <a:p>
-            <a:endParaRPr lang="zh-CN" altLang="en-US"/>
+            <a:r>
+              <a:rPr lang="en-US" altLang="zh-CN" dirty="0"/>
+              <a:t>For parameters with graphical meanings:</a:t>
+            </a:r>
+          </a:p>
+          <a:p>
+            <a:pPr lvl="1"/>
+            <a:r>
+              <a:rPr lang="en-US" altLang="zh-CN" dirty="0"/>
+              <a:t>Compare the change on the graph directly.</a:t>
+            </a:r>
+            <a:endParaRPr lang="zh-CN" altLang="en-US" dirty="0"/>
+          </a:p>
+          <a:p>
+            <a:pPr marL="0" indent="0">
+              <a:buNone/>
+            </a:pPr>
+            <a:endParaRPr lang="en-US" altLang="zh-CN" dirty="0"/>
+          </a:p>
+          <a:p>
+            <a:r>
+              <a:rPr lang="en-US" altLang="zh-CN" dirty="0"/>
+              <a:t>For parameters without graphical meanings:</a:t>
+            </a:r>
+          </a:p>
+          <a:p>
+            <a:pPr lvl="1"/>
+            <a:r>
+              <a:rPr lang="en-US" altLang="zh-CN" dirty="0"/>
+              <a:t>The difference compared to the analytical solution is recorded.</a:t>
+            </a:r>
+          </a:p>
+          <a:p>
+            <a:pPr lvl="1"/>
+            <a:r>
+              <a:rPr lang="en-US" altLang="zh-CN" dirty="0"/>
+              <a:t>Set accepted region of 1%, 5%, 10% to the analytical value.</a:t>
+            </a:r>
+          </a:p>
+          <a:p>
+            <a:pPr lvl="1"/>
+            <a:r>
+              <a:rPr lang="en-US" altLang="zh-CN" dirty="0"/>
+              <a:t>Compared the change on concentration due to parameters.</a:t>
+            </a:r>
+          </a:p>
+          <a:p>
+            <a:endParaRPr lang="en-US" altLang="zh-CN" dirty="0"/>
           </a:p>
         </p:txBody>
       </p:sp>
+      <p:pic>
+        <p:nvPicPr>
+          <p:cNvPr id="5" name="Picture 4" descr="A graph of a graph of a different difference&#10;&#10;Description automatically generated with medium confidence">
+            <a:extLst>
+              <a:ext uri="{FF2B5EF4-FFF2-40B4-BE49-F238E27FC236}">
+                <a16:creationId xmlns:a16="http://schemas.microsoft.com/office/drawing/2014/main" id="{5E7CE2A1-EBBA-F691-7950-555491C974D0}"/>
+              </a:ext>
+            </a:extLst>
+          </p:cNvPr>
+          <p:cNvPicPr>
+            <a:picLocks noChangeAspect="1"/>
+          </p:cNvPicPr>
+          <p:nvPr/>
+        </p:nvPicPr>
+        <p:blipFill rotWithShape="1">
+          <a:blip r:embed="rId2">
+            <a:extLst>
+              <a:ext uri="{28A0092B-C50C-407E-A947-70E740481C1C}">
+                <a14:useLocalDpi xmlns:a14="http://schemas.microsoft.com/office/drawing/2010/main" val="0"/>
+              </a:ext>
+            </a:extLst>
+          </a:blip>
+          <a:srcRect l="7077" t="70370" r="8664" b="5324"/>
+          <a:stretch/>
+        </p:blipFill>
+        <p:spPr>
+          <a:xfrm>
+            <a:off x="1582057" y="5010482"/>
+            <a:ext cx="8222342" cy="1482393"/>
+          </a:xfrm>
+          <a:prstGeom prst="rect">
+            <a:avLst/>
+          </a:prstGeom>
+        </p:spPr>
+      </p:pic>
     </p:spTree>
     <p:extLst>
       <p:ext uri="{BB962C8B-B14F-4D97-AF65-F5344CB8AC3E}">
@@ -5162,7 +8462,7 @@
           <p:cNvPr id="2" name="Title 1">
             <a:extLst>
               <a:ext uri="{FF2B5EF4-FFF2-40B4-BE49-F238E27FC236}">
-                <a16:creationId xmlns:a16="http://schemas.microsoft.com/office/drawing/2014/main" id="{E6FBA98F-4114-5232-58AD-B9D84017A324}"/>
+                <a16:creationId xmlns:a16="http://schemas.microsoft.com/office/drawing/2014/main" id="{898F0DC3-94DE-AD70-97AC-5712FD62B7BE}"/>
               </a:ext>
             </a:extLst>
           </p:cNvPr>
@@ -5180,47 +8480,1017 @@
           <a:p>
             <a:r>
               <a:rPr lang="en-US" altLang="zh-CN" dirty="0"/>
-              <a:t>5. Results and analysis </a:t>
-            </a:r>
+              <a:t>5. Results and Analysis-Number of Particles</a:t>
+            </a:r>
+            <a:br>
+              <a:rPr lang="en-US" altLang="zh-CN" dirty="0"/>
+            </a:br>
             <a:endParaRPr lang="zh-CN" altLang="en-US" dirty="0"/>
           </a:p>
         </p:txBody>
       </p:sp>
-      <p:sp>
-        <p:nvSpPr>
-          <p:cNvPr id="3" name="Content Placeholder 2">
-            <a:extLst>
-              <a:ext uri="{FF2B5EF4-FFF2-40B4-BE49-F238E27FC236}">
-                <a16:creationId xmlns:a16="http://schemas.microsoft.com/office/drawing/2014/main" id="{90551068-1507-2DA9-9FD2-8DBD9C628736}"/>
-              </a:ext>
-            </a:extLst>
-          </p:cNvPr>
-          <p:cNvSpPr>
-            <a:spLocks noGrp="1"/>
-          </p:cNvSpPr>
-          <p:nvPr>
-            <p:ph idx="1"/>
-          </p:nvPr>
-        </p:nvSpPr>
-        <p:spPr/>
-        <p:txBody>
-          <a:bodyPr/>
-          <a:lstStyle/>
-          <a:p>
-            <a:endParaRPr lang="zh-CN" altLang="en-US"/>
-          </a:p>
-        </p:txBody>
-      </p:sp>
+      <p:pic>
+        <p:nvPicPr>
+          <p:cNvPr id="7" name="Picture 6">
+            <a:extLst>
+              <a:ext uri="{FF2B5EF4-FFF2-40B4-BE49-F238E27FC236}">
+                <a16:creationId xmlns:a16="http://schemas.microsoft.com/office/drawing/2014/main" id="{A8F5589E-CB03-F574-E4B1-C435C726C56F}"/>
+              </a:ext>
+            </a:extLst>
+          </p:cNvPr>
+          <p:cNvPicPr>
+            <a:picLocks noChangeAspect="1"/>
+          </p:cNvPicPr>
+          <p:nvPr/>
+        </p:nvPicPr>
+        <p:blipFill>
+          <a:blip r:embed="rId2"/>
+          <a:stretch>
+            <a:fillRect/>
+          </a:stretch>
+        </p:blipFill>
+        <p:spPr>
+          <a:xfrm>
+            <a:off x="3048000" y="1491343"/>
+            <a:ext cx="6096000" cy="4572000"/>
+          </a:xfrm>
+          <a:prstGeom prst="rect">
+            <a:avLst/>
+          </a:prstGeom>
+        </p:spPr>
+      </p:pic>
+      <p:cxnSp>
+        <p:nvCxnSpPr>
+          <p:cNvPr id="9" name="Straight Connector 8">
+            <a:extLst>
+              <a:ext uri="{FF2B5EF4-FFF2-40B4-BE49-F238E27FC236}">
+                <a16:creationId xmlns:a16="http://schemas.microsoft.com/office/drawing/2014/main" id="{07F98274-8592-0814-8B78-369462E877BB}"/>
+              </a:ext>
+            </a:extLst>
+          </p:cNvPr>
+          <p:cNvCxnSpPr/>
+          <p:nvPr/>
+        </p:nvCxnSpPr>
+        <p:spPr>
+          <a:xfrm>
+            <a:off x="2868518" y="4284839"/>
+            <a:ext cx="6519463" cy="0"/>
+          </a:xfrm>
+          <a:prstGeom prst="line">
+            <a:avLst/>
+          </a:prstGeom>
+          <a:ln w="38100"/>
+        </p:spPr>
+        <p:style>
+          <a:lnRef idx="1">
+            <a:schemeClr val="accent1"/>
+          </a:lnRef>
+          <a:fillRef idx="0">
+            <a:schemeClr val="accent1"/>
+          </a:fillRef>
+          <a:effectRef idx="0">
+            <a:schemeClr val="accent1"/>
+          </a:effectRef>
+          <a:fontRef idx="minor">
+            <a:schemeClr val="tx1"/>
+          </a:fontRef>
+        </p:style>
+      </p:cxnSp>
+      <p:cxnSp>
+        <p:nvCxnSpPr>
+          <p:cNvPr id="10" name="Straight Connector 9">
+            <a:extLst>
+              <a:ext uri="{FF2B5EF4-FFF2-40B4-BE49-F238E27FC236}">
+                <a16:creationId xmlns:a16="http://schemas.microsoft.com/office/drawing/2014/main" id="{58372E9E-EF12-E85A-7D08-0AD985803A9D}"/>
+              </a:ext>
+            </a:extLst>
+          </p:cNvPr>
+          <p:cNvCxnSpPr/>
+          <p:nvPr/>
+        </p:nvCxnSpPr>
+        <p:spPr>
+          <a:xfrm>
+            <a:off x="2868518" y="2769957"/>
+            <a:ext cx="6588000" cy="0"/>
+          </a:xfrm>
+          <a:prstGeom prst="line">
+            <a:avLst/>
+          </a:prstGeom>
+          <a:ln w="38100">
+            <a:solidFill>
+              <a:schemeClr val="accent2"/>
+            </a:solidFill>
+          </a:ln>
+        </p:spPr>
+        <p:style>
+          <a:lnRef idx="1">
+            <a:schemeClr val="accent1"/>
+          </a:lnRef>
+          <a:fillRef idx="0">
+            <a:schemeClr val="accent1"/>
+          </a:fillRef>
+          <a:effectRef idx="0">
+            <a:schemeClr val="accent1"/>
+          </a:effectRef>
+          <a:fontRef idx="minor">
+            <a:schemeClr val="tx1"/>
+          </a:fontRef>
+        </p:style>
+      </p:cxnSp>
+      <p:cxnSp>
+        <p:nvCxnSpPr>
+          <p:cNvPr id="11" name="Straight Connector 10">
+            <a:extLst>
+              <a:ext uri="{FF2B5EF4-FFF2-40B4-BE49-F238E27FC236}">
+                <a16:creationId xmlns:a16="http://schemas.microsoft.com/office/drawing/2014/main" id="{119DF2C2-770B-F35C-5A1C-7353B23F1F6C}"/>
+              </a:ext>
+            </a:extLst>
+          </p:cNvPr>
+          <p:cNvCxnSpPr>
+            <a:cxnSpLocks/>
+          </p:cNvCxnSpPr>
+          <p:nvPr/>
+        </p:nvCxnSpPr>
+        <p:spPr>
+          <a:xfrm flipV="1">
+            <a:off x="3125972" y="3083442"/>
+            <a:ext cx="6018028" cy="2069805"/>
+          </a:xfrm>
+          <a:prstGeom prst="line">
+            <a:avLst/>
+          </a:prstGeom>
+          <a:ln w="38100"/>
+        </p:spPr>
+        <p:style>
+          <a:lnRef idx="1">
+            <a:schemeClr val="accent1"/>
+          </a:lnRef>
+          <a:fillRef idx="0">
+            <a:schemeClr val="accent1"/>
+          </a:fillRef>
+          <a:effectRef idx="0">
+            <a:schemeClr val="accent1"/>
+          </a:effectRef>
+          <a:fontRef idx="minor">
+            <a:schemeClr val="tx1"/>
+          </a:fontRef>
+        </p:style>
+      </p:cxnSp>
+      <p:cxnSp>
+        <p:nvCxnSpPr>
+          <p:cNvPr id="15" name="Straight Connector 14">
+            <a:extLst>
+              <a:ext uri="{FF2B5EF4-FFF2-40B4-BE49-F238E27FC236}">
+                <a16:creationId xmlns:a16="http://schemas.microsoft.com/office/drawing/2014/main" id="{9D83BCE0-8CEE-A27E-8AC4-97864BC8795D}"/>
+              </a:ext>
+            </a:extLst>
+          </p:cNvPr>
+          <p:cNvCxnSpPr>
+            <a:cxnSpLocks/>
+          </p:cNvCxnSpPr>
+          <p:nvPr/>
+        </p:nvCxnSpPr>
+        <p:spPr>
+          <a:xfrm flipV="1">
+            <a:off x="3378394" y="1193606"/>
+            <a:ext cx="3266711" cy="2854883"/>
+          </a:xfrm>
+          <a:prstGeom prst="line">
+            <a:avLst/>
+          </a:prstGeom>
+          <a:ln w="38100">
+            <a:solidFill>
+              <a:schemeClr val="accent2"/>
+            </a:solidFill>
+          </a:ln>
+        </p:spPr>
+        <p:style>
+          <a:lnRef idx="1">
+            <a:schemeClr val="accent1"/>
+          </a:lnRef>
+          <a:fillRef idx="0">
+            <a:schemeClr val="accent1"/>
+          </a:fillRef>
+          <a:effectRef idx="0">
+            <a:schemeClr val="accent1"/>
+          </a:effectRef>
+          <a:fontRef idx="minor">
+            <a:schemeClr val="tx1"/>
+          </a:fontRef>
+        </p:style>
+      </p:cxnSp>
+      <p:cxnSp>
+        <p:nvCxnSpPr>
+          <p:cNvPr id="19" name="Straight Connector 18">
+            <a:extLst>
+              <a:ext uri="{FF2B5EF4-FFF2-40B4-BE49-F238E27FC236}">
+                <a16:creationId xmlns:a16="http://schemas.microsoft.com/office/drawing/2014/main" id="{CA56AAC4-CB2D-3657-4B0F-A27ED851191B}"/>
+              </a:ext>
+            </a:extLst>
+          </p:cNvPr>
+          <p:cNvCxnSpPr>
+            <a:cxnSpLocks/>
+          </p:cNvCxnSpPr>
+          <p:nvPr/>
+        </p:nvCxnSpPr>
+        <p:spPr>
+          <a:xfrm flipV="1">
+            <a:off x="4884057" y="1193606"/>
+            <a:ext cx="0" cy="5228965"/>
+          </a:xfrm>
+          <a:prstGeom prst="line">
+            <a:avLst/>
+          </a:prstGeom>
+          <a:ln w="38100">
+            <a:solidFill>
+              <a:schemeClr val="tx1"/>
+            </a:solidFill>
+          </a:ln>
+        </p:spPr>
+        <p:style>
+          <a:lnRef idx="1">
+            <a:schemeClr val="accent1"/>
+          </a:lnRef>
+          <a:fillRef idx="0">
+            <a:schemeClr val="accent1"/>
+          </a:fillRef>
+          <a:effectRef idx="0">
+            <a:schemeClr val="accent1"/>
+          </a:effectRef>
+          <a:fontRef idx="minor">
+            <a:schemeClr val="tx1"/>
+          </a:fontRef>
+        </p:style>
+      </p:cxnSp>
     </p:spTree>
     <p:extLst>
       <p:ext uri="{BB962C8B-B14F-4D97-AF65-F5344CB8AC3E}">
-        <p14:creationId xmlns:p14="http://schemas.microsoft.com/office/powerpoint/2010/main" val="2250772580"/>
+        <p14:creationId xmlns:p14="http://schemas.microsoft.com/office/powerpoint/2010/main" val="3250504006"/>
       </p:ext>
     </p:extLst>
   </p:cSld>
   <p:clrMapOvr>
     <a:masterClrMapping/>
   </p:clrMapOvr>
+  <p:timing>
+    <p:tnLst>
+      <p:par>
+        <p:cTn id="1" dur="indefinite" restart="never" nodeType="tmRoot">
+          <p:childTnLst>
+            <p:seq concurrent="1" nextAc="seek">
+              <p:cTn id="2" dur="indefinite" nodeType="mainSeq">
+                <p:childTnLst>
+                  <p:par>
+                    <p:cTn id="3" fill="hold">
+                      <p:stCondLst>
+                        <p:cond delay="indefinite"/>
+                      </p:stCondLst>
+                      <p:childTnLst>
+                        <p:par>
+                          <p:cTn id="4" fill="hold">
+                            <p:stCondLst>
+                              <p:cond delay="0"/>
+                            </p:stCondLst>
+                            <p:childTnLst>
+                              <p:par>
+                                <p:cTn id="5" presetID="2" presetClass="entr" presetSubtype="4" fill="hold" nodeType="clickEffect">
+                                  <p:stCondLst>
+                                    <p:cond delay="0"/>
+                                  </p:stCondLst>
+                                  <p:childTnLst>
+                                    <p:set>
+                                      <p:cBhvr>
+                                        <p:cTn id="6" dur="1" fill="hold">
+                                          <p:stCondLst>
+                                            <p:cond delay="0"/>
+                                          </p:stCondLst>
+                                        </p:cTn>
+                                        <p:tgtEl>
+                                          <p:spTgt spid="10"/>
+                                        </p:tgtEl>
+                                        <p:attrNameLst>
+                                          <p:attrName>style.visibility</p:attrName>
+                                        </p:attrNameLst>
+                                      </p:cBhvr>
+                                      <p:to>
+                                        <p:strVal val="visible"/>
+                                      </p:to>
+                                    </p:set>
+                                    <p:anim calcmode="lin" valueType="num">
+                                      <p:cBhvr additive="base">
+                                        <p:cTn id="7" dur="500" fill="hold"/>
+                                        <p:tgtEl>
+                                          <p:spTgt spid="10"/>
+                                        </p:tgtEl>
+                                        <p:attrNameLst>
+                                          <p:attrName>ppt_x</p:attrName>
+                                        </p:attrNameLst>
+                                      </p:cBhvr>
+                                      <p:tavLst>
+                                        <p:tav tm="0">
+                                          <p:val>
+                                            <p:strVal val="#ppt_x"/>
+                                          </p:val>
+                                        </p:tav>
+                                        <p:tav tm="100000">
+                                          <p:val>
+                                            <p:strVal val="#ppt_x"/>
+                                          </p:val>
+                                        </p:tav>
+                                      </p:tavLst>
+                                    </p:anim>
+                                    <p:anim calcmode="lin" valueType="num">
+                                      <p:cBhvr additive="base">
+                                        <p:cTn id="8" dur="500" fill="hold"/>
+                                        <p:tgtEl>
+                                          <p:spTgt spid="10"/>
+                                        </p:tgtEl>
+                                        <p:attrNameLst>
+                                          <p:attrName>ppt_y</p:attrName>
+                                        </p:attrNameLst>
+                                      </p:cBhvr>
+                                      <p:tavLst>
+                                        <p:tav tm="0">
+                                          <p:val>
+                                            <p:strVal val="1+#ppt_h/2"/>
+                                          </p:val>
+                                        </p:tav>
+                                        <p:tav tm="100000">
+                                          <p:val>
+                                            <p:strVal val="#ppt_y"/>
+                                          </p:val>
+                                        </p:tav>
+                                      </p:tavLst>
+                                    </p:anim>
+                                  </p:childTnLst>
+                                </p:cTn>
+                              </p:par>
+                              <p:par>
+                                <p:cTn id="9" presetID="2" presetClass="entr" presetSubtype="4" fill="hold" nodeType="withEffect">
+                                  <p:stCondLst>
+                                    <p:cond delay="0"/>
+                                  </p:stCondLst>
+                                  <p:childTnLst>
+                                    <p:set>
+                                      <p:cBhvr>
+                                        <p:cTn id="10" dur="1" fill="hold">
+                                          <p:stCondLst>
+                                            <p:cond delay="0"/>
+                                          </p:stCondLst>
+                                        </p:cTn>
+                                        <p:tgtEl>
+                                          <p:spTgt spid="9"/>
+                                        </p:tgtEl>
+                                        <p:attrNameLst>
+                                          <p:attrName>style.visibility</p:attrName>
+                                        </p:attrNameLst>
+                                      </p:cBhvr>
+                                      <p:to>
+                                        <p:strVal val="visible"/>
+                                      </p:to>
+                                    </p:set>
+                                    <p:anim calcmode="lin" valueType="num">
+                                      <p:cBhvr additive="base">
+                                        <p:cTn id="11" dur="500" fill="hold"/>
+                                        <p:tgtEl>
+                                          <p:spTgt spid="9"/>
+                                        </p:tgtEl>
+                                        <p:attrNameLst>
+                                          <p:attrName>ppt_x</p:attrName>
+                                        </p:attrNameLst>
+                                      </p:cBhvr>
+                                      <p:tavLst>
+                                        <p:tav tm="0">
+                                          <p:val>
+                                            <p:strVal val="#ppt_x"/>
+                                          </p:val>
+                                        </p:tav>
+                                        <p:tav tm="100000">
+                                          <p:val>
+                                            <p:strVal val="#ppt_x"/>
+                                          </p:val>
+                                        </p:tav>
+                                      </p:tavLst>
+                                    </p:anim>
+                                    <p:anim calcmode="lin" valueType="num">
+                                      <p:cBhvr additive="base">
+                                        <p:cTn id="12" dur="500" fill="hold"/>
+                                        <p:tgtEl>
+                                          <p:spTgt spid="9"/>
+                                        </p:tgtEl>
+                                        <p:attrNameLst>
+                                          <p:attrName>ppt_y</p:attrName>
+                                        </p:attrNameLst>
+                                      </p:cBhvr>
+                                      <p:tavLst>
+                                        <p:tav tm="0">
+                                          <p:val>
+                                            <p:strVal val="1+#ppt_h/2"/>
+                                          </p:val>
+                                        </p:tav>
+                                        <p:tav tm="100000">
+                                          <p:val>
+                                            <p:strVal val="#ppt_y"/>
+                                          </p:val>
+                                        </p:tav>
+                                      </p:tavLst>
+                                    </p:anim>
+                                  </p:childTnLst>
+                                </p:cTn>
+                              </p:par>
+                            </p:childTnLst>
+                          </p:cTn>
+                        </p:par>
+                      </p:childTnLst>
+                    </p:cTn>
+                  </p:par>
+                  <p:par>
+                    <p:cTn id="13" fill="hold">
+                      <p:stCondLst>
+                        <p:cond delay="indefinite"/>
+                      </p:stCondLst>
+                      <p:childTnLst>
+                        <p:par>
+                          <p:cTn id="14" fill="hold">
+                            <p:stCondLst>
+                              <p:cond delay="0"/>
+                            </p:stCondLst>
+                            <p:childTnLst>
+                              <p:par>
+                                <p:cTn id="15" presetID="2" presetClass="entr" presetSubtype="4" fill="hold" nodeType="clickEffect">
+                                  <p:stCondLst>
+                                    <p:cond delay="0"/>
+                                  </p:stCondLst>
+                                  <p:childTnLst>
+                                    <p:set>
+                                      <p:cBhvr>
+                                        <p:cTn id="16" dur="1" fill="hold">
+                                          <p:stCondLst>
+                                            <p:cond delay="0"/>
+                                          </p:stCondLst>
+                                        </p:cTn>
+                                        <p:tgtEl>
+                                          <p:spTgt spid="15"/>
+                                        </p:tgtEl>
+                                        <p:attrNameLst>
+                                          <p:attrName>style.visibility</p:attrName>
+                                        </p:attrNameLst>
+                                      </p:cBhvr>
+                                      <p:to>
+                                        <p:strVal val="visible"/>
+                                      </p:to>
+                                    </p:set>
+                                    <p:anim calcmode="lin" valueType="num">
+                                      <p:cBhvr additive="base">
+                                        <p:cTn id="17" dur="500" fill="hold"/>
+                                        <p:tgtEl>
+                                          <p:spTgt spid="15"/>
+                                        </p:tgtEl>
+                                        <p:attrNameLst>
+                                          <p:attrName>ppt_x</p:attrName>
+                                        </p:attrNameLst>
+                                      </p:cBhvr>
+                                      <p:tavLst>
+                                        <p:tav tm="0">
+                                          <p:val>
+                                            <p:strVal val="#ppt_x"/>
+                                          </p:val>
+                                        </p:tav>
+                                        <p:tav tm="100000">
+                                          <p:val>
+                                            <p:strVal val="#ppt_x"/>
+                                          </p:val>
+                                        </p:tav>
+                                      </p:tavLst>
+                                    </p:anim>
+                                    <p:anim calcmode="lin" valueType="num">
+                                      <p:cBhvr additive="base">
+                                        <p:cTn id="18" dur="500" fill="hold"/>
+                                        <p:tgtEl>
+                                          <p:spTgt spid="15"/>
+                                        </p:tgtEl>
+                                        <p:attrNameLst>
+                                          <p:attrName>ppt_y</p:attrName>
+                                        </p:attrNameLst>
+                                      </p:cBhvr>
+                                      <p:tavLst>
+                                        <p:tav tm="0">
+                                          <p:val>
+                                            <p:strVal val="1+#ppt_h/2"/>
+                                          </p:val>
+                                        </p:tav>
+                                        <p:tav tm="100000">
+                                          <p:val>
+                                            <p:strVal val="#ppt_y"/>
+                                          </p:val>
+                                        </p:tav>
+                                      </p:tavLst>
+                                    </p:anim>
+                                  </p:childTnLst>
+                                </p:cTn>
+                              </p:par>
+                              <p:par>
+                                <p:cTn id="19" presetID="2" presetClass="entr" presetSubtype="4" fill="hold" nodeType="withEffect">
+                                  <p:stCondLst>
+                                    <p:cond delay="0"/>
+                                  </p:stCondLst>
+                                  <p:childTnLst>
+                                    <p:set>
+                                      <p:cBhvr>
+                                        <p:cTn id="20" dur="1" fill="hold">
+                                          <p:stCondLst>
+                                            <p:cond delay="0"/>
+                                          </p:stCondLst>
+                                        </p:cTn>
+                                        <p:tgtEl>
+                                          <p:spTgt spid="11"/>
+                                        </p:tgtEl>
+                                        <p:attrNameLst>
+                                          <p:attrName>style.visibility</p:attrName>
+                                        </p:attrNameLst>
+                                      </p:cBhvr>
+                                      <p:to>
+                                        <p:strVal val="visible"/>
+                                      </p:to>
+                                    </p:set>
+                                    <p:anim calcmode="lin" valueType="num">
+                                      <p:cBhvr additive="base">
+                                        <p:cTn id="21" dur="500" fill="hold"/>
+                                        <p:tgtEl>
+                                          <p:spTgt spid="11"/>
+                                        </p:tgtEl>
+                                        <p:attrNameLst>
+                                          <p:attrName>ppt_x</p:attrName>
+                                        </p:attrNameLst>
+                                      </p:cBhvr>
+                                      <p:tavLst>
+                                        <p:tav tm="0">
+                                          <p:val>
+                                            <p:strVal val="#ppt_x"/>
+                                          </p:val>
+                                        </p:tav>
+                                        <p:tav tm="100000">
+                                          <p:val>
+                                            <p:strVal val="#ppt_x"/>
+                                          </p:val>
+                                        </p:tav>
+                                      </p:tavLst>
+                                    </p:anim>
+                                    <p:anim calcmode="lin" valueType="num">
+                                      <p:cBhvr additive="base">
+                                        <p:cTn id="22" dur="500" fill="hold"/>
+                                        <p:tgtEl>
+                                          <p:spTgt spid="11"/>
+                                        </p:tgtEl>
+                                        <p:attrNameLst>
+                                          <p:attrName>ppt_y</p:attrName>
+                                        </p:attrNameLst>
+                                      </p:cBhvr>
+                                      <p:tavLst>
+                                        <p:tav tm="0">
+                                          <p:val>
+                                            <p:strVal val="1+#ppt_h/2"/>
+                                          </p:val>
+                                        </p:tav>
+                                        <p:tav tm="100000">
+                                          <p:val>
+                                            <p:strVal val="#ppt_y"/>
+                                          </p:val>
+                                        </p:tav>
+                                      </p:tavLst>
+                                    </p:anim>
+                                  </p:childTnLst>
+                                </p:cTn>
+                              </p:par>
+                            </p:childTnLst>
+                          </p:cTn>
+                        </p:par>
+                      </p:childTnLst>
+                    </p:cTn>
+                  </p:par>
+                  <p:par>
+                    <p:cTn id="23" fill="hold">
+                      <p:stCondLst>
+                        <p:cond delay="indefinite"/>
+                      </p:stCondLst>
+                      <p:childTnLst>
+                        <p:par>
+                          <p:cTn id="24" fill="hold">
+                            <p:stCondLst>
+                              <p:cond delay="0"/>
+                            </p:stCondLst>
+                            <p:childTnLst>
+                              <p:par>
+                                <p:cTn id="25" presetID="2" presetClass="entr" presetSubtype="4" fill="hold" nodeType="clickEffect">
+                                  <p:stCondLst>
+                                    <p:cond delay="0"/>
+                                  </p:stCondLst>
+                                  <p:childTnLst>
+                                    <p:set>
+                                      <p:cBhvr>
+                                        <p:cTn id="26" dur="1" fill="hold">
+                                          <p:stCondLst>
+                                            <p:cond delay="0"/>
+                                          </p:stCondLst>
+                                        </p:cTn>
+                                        <p:tgtEl>
+                                          <p:spTgt spid="19"/>
+                                        </p:tgtEl>
+                                        <p:attrNameLst>
+                                          <p:attrName>style.visibility</p:attrName>
+                                        </p:attrNameLst>
+                                      </p:cBhvr>
+                                      <p:to>
+                                        <p:strVal val="visible"/>
+                                      </p:to>
+                                    </p:set>
+                                    <p:anim calcmode="lin" valueType="num">
+                                      <p:cBhvr additive="base">
+                                        <p:cTn id="27" dur="500" fill="hold"/>
+                                        <p:tgtEl>
+                                          <p:spTgt spid="19"/>
+                                        </p:tgtEl>
+                                        <p:attrNameLst>
+                                          <p:attrName>ppt_x</p:attrName>
+                                        </p:attrNameLst>
+                                      </p:cBhvr>
+                                      <p:tavLst>
+                                        <p:tav tm="0">
+                                          <p:val>
+                                            <p:strVal val="#ppt_x"/>
+                                          </p:val>
+                                        </p:tav>
+                                        <p:tav tm="100000">
+                                          <p:val>
+                                            <p:strVal val="#ppt_x"/>
+                                          </p:val>
+                                        </p:tav>
+                                      </p:tavLst>
+                                    </p:anim>
+                                    <p:anim calcmode="lin" valueType="num">
+                                      <p:cBhvr additive="base">
+                                        <p:cTn id="28" dur="500" fill="hold"/>
+                                        <p:tgtEl>
+                                          <p:spTgt spid="19"/>
+                                        </p:tgtEl>
+                                        <p:attrNameLst>
+                                          <p:attrName>ppt_y</p:attrName>
+                                        </p:attrNameLst>
+                                      </p:cBhvr>
+                                      <p:tavLst>
+                                        <p:tav tm="0">
+                                          <p:val>
+                                            <p:strVal val="1+#ppt_h/2"/>
+                                          </p:val>
+                                        </p:tav>
+                                        <p:tav tm="100000">
+                                          <p:val>
+                                            <p:strVal val="#ppt_y"/>
+                                          </p:val>
+                                        </p:tav>
+                                      </p:tavLst>
+                                    </p:anim>
+                                  </p:childTnLst>
+                                </p:cTn>
+                              </p:par>
+                            </p:childTnLst>
+                          </p:cTn>
+                        </p:par>
+                      </p:childTnLst>
+                    </p:cTn>
+                  </p:par>
+                  <p:par>
+                    <p:cTn id="29" fill="hold">
+                      <p:stCondLst>
+                        <p:cond delay="indefinite"/>
+                      </p:stCondLst>
+                      <p:childTnLst>
+                        <p:par>
+                          <p:cTn id="30" fill="hold">
+                            <p:stCondLst>
+                              <p:cond delay="0"/>
+                            </p:stCondLst>
+                            <p:childTnLst>
+                              <p:par>
+                                <p:cTn id="31" presetID="2" presetClass="exit" presetSubtype="4" fill="hold" nodeType="clickEffect">
+                                  <p:stCondLst>
+                                    <p:cond delay="0"/>
+                                  </p:stCondLst>
+                                  <p:childTnLst>
+                                    <p:anim calcmode="lin" valueType="num">
+                                      <p:cBhvr additive="base">
+                                        <p:cTn id="32" dur="500"/>
+                                        <p:tgtEl>
+                                          <p:spTgt spid="10"/>
+                                        </p:tgtEl>
+                                        <p:attrNameLst>
+                                          <p:attrName>ppt_x</p:attrName>
+                                        </p:attrNameLst>
+                                      </p:cBhvr>
+                                      <p:tavLst>
+                                        <p:tav tm="0">
+                                          <p:val>
+                                            <p:strVal val="ppt_x"/>
+                                          </p:val>
+                                        </p:tav>
+                                        <p:tav tm="100000">
+                                          <p:val>
+                                            <p:strVal val="ppt_x"/>
+                                          </p:val>
+                                        </p:tav>
+                                      </p:tavLst>
+                                    </p:anim>
+                                    <p:anim calcmode="lin" valueType="num">
+                                      <p:cBhvr additive="base">
+                                        <p:cTn id="33" dur="500"/>
+                                        <p:tgtEl>
+                                          <p:spTgt spid="10"/>
+                                        </p:tgtEl>
+                                        <p:attrNameLst>
+                                          <p:attrName>ppt_y</p:attrName>
+                                        </p:attrNameLst>
+                                      </p:cBhvr>
+                                      <p:tavLst>
+                                        <p:tav tm="0">
+                                          <p:val>
+                                            <p:strVal val="ppt_y"/>
+                                          </p:val>
+                                        </p:tav>
+                                        <p:tav tm="100000">
+                                          <p:val>
+                                            <p:strVal val="1+ppt_h/2"/>
+                                          </p:val>
+                                        </p:tav>
+                                      </p:tavLst>
+                                    </p:anim>
+                                    <p:set>
+                                      <p:cBhvr>
+                                        <p:cTn id="34" dur="1" fill="hold">
+                                          <p:stCondLst>
+                                            <p:cond delay="499"/>
+                                          </p:stCondLst>
+                                        </p:cTn>
+                                        <p:tgtEl>
+                                          <p:spTgt spid="10"/>
+                                        </p:tgtEl>
+                                        <p:attrNameLst>
+                                          <p:attrName>style.visibility</p:attrName>
+                                        </p:attrNameLst>
+                                      </p:cBhvr>
+                                      <p:to>
+                                        <p:strVal val="hidden"/>
+                                      </p:to>
+                                    </p:set>
+                                  </p:childTnLst>
+                                </p:cTn>
+                              </p:par>
+                              <p:par>
+                                <p:cTn id="35" presetID="2" presetClass="exit" presetSubtype="4" fill="hold" nodeType="withEffect">
+                                  <p:stCondLst>
+                                    <p:cond delay="0"/>
+                                  </p:stCondLst>
+                                  <p:childTnLst>
+                                    <p:anim calcmode="lin" valueType="num">
+                                      <p:cBhvr additive="base">
+                                        <p:cTn id="36" dur="500"/>
+                                        <p:tgtEl>
+                                          <p:spTgt spid="9"/>
+                                        </p:tgtEl>
+                                        <p:attrNameLst>
+                                          <p:attrName>ppt_x</p:attrName>
+                                        </p:attrNameLst>
+                                      </p:cBhvr>
+                                      <p:tavLst>
+                                        <p:tav tm="0">
+                                          <p:val>
+                                            <p:strVal val="ppt_x"/>
+                                          </p:val>
+                                        </p:tav>
+                                        <p:tav tm="100000">
+                                          <p:val>
+                                            <p:strVal val="ppt_x"/>
+                                          </p:val>
+                                        </p:tav>
+                                      </p:tavLst>
+                                    </p:anim>
+                                    <p:anim calcmode="lin" valueType="num">
+                                      <p:cBhvr additive="base">
+                                        <p:cTn id="37" dur="500"/>
+                                        <p:tgtEl>
+                                          <p:spTgt spid="9"/>
+                                        </p:tgtEl>
+                                        <p:attrNameLst>
+                                          <p:attrName>ppt_y</p:attrName>
+                                        </p:attrNameLst>
+                                      </p:cBhvr>
+                                      <p:tavLst>
+                                        <p:tav tm="0">
+                                          <p:val>
+                                            <p:strVal val="ppt_y"/>
+                                          </p:val>
+                                        </p:tav>
+                                        <p:tav tm="100000">
+                                          <p:val>
+                                            <p:strVal val="1+ppt_h/2"/>
+                                          </p:val>
+                                        </p:tav>
+                                      </p:tavLst>
+                                    </p:anim>
+                                    <p:set>
+                                      <p:cBhvr>
+                                        <p:cTn id="38" dur="1" fill="hold">
+                                          <p:stCondLst>
+                                            <p:cond delay="499"/>
+                                          </p:stCondLst>
+                                        </p:cTn>
+                                        <p:tgtEl>
+                                          <p:spTgt spid="9"/>
+                                        </p:tgtEl>
+                                        <p:attrNameLst>
+                                          <p:attrName>style.visibility</p:attrName>
+                                        </p:attrNameLst>
+                                      </p:cBhvr>
+                                      <p:to>
+                                        <p:strVal val="hidden"/>
+                                      </p:to>
+                                    </p:set>
+                                  </p:childTnLst>
+                                </p:cTn>
+                              </p:par>
+                              <p:par>
+                                <p:cTn id="39" presetID="2" presetClass="exit" presetSubtype="4" fill="hold" nodeType="withEffect">
+                                  <p:stCondLst>
+                                    <p:cond delay="0"/>
+                                  </p:stCondLst>
+                                  <p:childTnLst>
+                                    <p:anim calcmode="lin" valueType="num">
+                                      <p:cBhvr additive="base">
+                                        <p:cTn id="40" dur="500"/>
+                                        <p:tgtEl>
+                                          <p:spTgt spid="15"/>
+                                        </p:tgtEl>
+                                        <p:attrNameLst>
+                                          <p:attrName>ppt_x</p:attrName>
+                                        </p:attrNameLst>
+                                      </p:cBhvr>
+                                      <p:tavLst>
+                                        <p:tav tm="0">
+                                          <p:val>
+                                            <p:strVal val="ppt_x"/>
+                                          </p:val>
+                                        </p:tav>
+                                        <p:tav tm="100000">
+                                          <p:val>
+                                            <p:strVal val="ppt_x"/>
+                                          </p:val>
+                                        </p:tav>
+                                      </p:tavLst>
+                                    </p:anim>
+                                    <p:anim calcmode="lin" valueType="num">
+                                      <p:cBhvr additive="base">
+                                        <p:cTn id="41" dur="500"/>
+                                        <p:tgtEl>
+                                          <p:spTgt spid="15"/>
+                                        </p:tgtEl>
+                                        <p:attrNameLst>
+                                          <p:attrName>ppt_y</p:attrName>
+                                        </p:attrNameLst>
+                                      </p:cBhvr>
+                                      <p:tavLst>
+                                        <p:tav tm="0">
+                                          <p:val>
+                                            <p:strVal val="ppt_y"/>
+                                          </p:val>
+                                        </p:tav>
+                                        <p:tav tm="100000">
+                                          <p:val>
+                                            <p:strVal val="1+ppt_h/2"/>
+                                          </p:val>
+                                        </p:tav>
+                                      </p:tavLst>
+                                    </p:anim>
+                                    <p:set>
+                                      <p:cBhvr>
+                                        <p:cTn id="42" dur="1" fill="hold">
+                                          <p:stCondLst>
+                                            <p:cond delay="499"/>
+                                          </p:stCondLst>
+                                        </p:cTn>
+                                        <p:tgtEl>
+                                          <p:spTgt spid="15"/>
+                                        </p:tgtEl>
+                                        <p:attrNameLst>
+                                          <p:attrName>style.visibility</p:attrName>
+                                        </p:attrNameLst>
+                                      </p:cBhvr>
+                                      <p:to>
+                                        <p:strVal val="hidden"/>
+                                      </p:to>
+                                    </p:set>
+                                  </p:childTnLst>
+                                </p:cTn>
+                              </p:par>
+                              <p:par>
+                                <p:cTn id="43" presetID="2" presetClass="exit" presetSubtype="4" fill="hold" nodeType="withEffect">
+                                  <p:stCondLst>
+                                    <p:cond delay="0"/>
+                                  </p:stCondLst>
+                                  <p:childTnLst>
+                                    <p:anim calcmode="lin" valueType="num">
+                                      <p:cBhvr additive="base">
+                                        <p:cTn id="44" dur="500"/>
+                                        <p:tgtEl>
+                                          <p:spTgt spid="11"/>
+                                        </p:tgtEl>
+                                        <p:attrNameLst>
+                                          <p:attrName>ppt_x</p:attrName>
+                                        </p:attrNameLst>
+                                      </p:cBhvr>
+                                      <p:tavLst>
+                                        <p:tav tm="0">
+                                          <p:val>
+                                            <p:strVal val="ppt_x"/>
+                                          </p:val>
+                                        </p:tav>
+                                        <p:tav tm="100000">
+                                          <p:val>
+                                            <p:strVal val="ppt_x"/>
+                                          </p:val>
+                                        </p:tav>
+                                      </p:tavLst>
+                                    </p:anim>
+                                    <p:anim calcmode="lin" valueType="num">
+                                      <p:cBhvr additive="base">
+                                        <p:cTn id="45" dur="500"/>
+                                        <p:tgtEl>
+                                          <p:spTgt spid="11"/>
+                                        </p:tgtEl>
+                                        <p:attrNameLst>
+                                          <p:attrName>ppt_y</p:attrName>
+                                        </p:attrNameLst>
+                                      </p:cBhvr>
+                                      <p:tavLst>
+                                        <p:tav tm="0">
+                                          <p:val>
+                                            <p:strVal val="ppt_y"/>
+                                          </p:val>
+                                        </p:tav>
+                                        <p:tav tm="100000">
+                                          <p:val>
+                                            <p:strVal val="1+ppt_h/2"/>
+                                          </p:val>
+                                        </p:tav>
+                                      </p:tavLst>
+                                    </p:anim>
+                                    <p:set>
+                                      <p:cBhvr>
+                                        <p:cTn id="46" dur="1" fill="hold">
+                                          <p:stCondLst>
+                                            <p:cond delay="499"/>
+                                          </p:stCondLst>
+                                        </p:cTn>
+                                        <p:tgtEl>
+                                          <p:spTgt spid="11"/>
+                                        </p:tgtEl>
+                                        <p:attrNameLst>
+                                          <p:attrName>style.visibility</p:attrName>
+                                        </p:attrNameLst>
+                                      </p:cBhvr>
+                                      <p:to>
+                                        <p:strVal val="hidden"/>
+                                      </p:to>
+                                    </p:set>
+                                  </p:childTnLst>
+                                </p:cTn>
+                              </p:par>
+                            </p:childTnLst>
+                          </p:cTn>
+                        </p:par>
+                      </p:childTnLst>
+                    </p:cTn>
+                  </p:par>
+                </p:childTnLst>
+              </p:cTn>
+              <p:prevCondLst>
+                <p:cond evt="onPrev" delay="0">
+                  <p:tgtEl>
+                    <p:sldTgt/>
+                  </p:tgtEl>
+                </p:cond>
+              </p:prevCondLst>
+              <p:nextCondLst>
+                <p:cond evt="onNext" delay="0">
+                  <p:tgtEl>
+                    <p:sldTgt/>
+                  </p:tgtEl>
+                </p:cond>
+              </p:nextCondLst>
+            </p:seq>
+          </p:childTnLst>
+        </p:cTn>
+      </p:par>
+    </p:tnLst>
+  </p:timing>
 </p:sld>
 </file>
 
@@ -5246,7 +9516,7 @@
           <p:cNvPr id="2" name="Title 1">
             <a:extLst>
               <a:ext uri="{FF2B5EF4-FFF2-40B4-BE49-F238E27FC236}">
-                <a16:creationId xmlns:a16="http://schemas.microsoft.com/office/drawing/2014/main" id="{F2BEF6AF-1DB2-445C-3404-3CC81CDF2EB1}"/>
+                <a16:creationId xmlns:a16="http://schemas.microsoft.com/office/drawing/2014/main" id="{022A3548-FCC0-D405-0BB3-04758A5DD805}"/>
               </a:ext>
             </a:extLst>
           </p:cNvPr>
@@ -5264,47 +9534,1389 @@
           <a:p>
             <a:r>
               <a:rPr lang="en-US" altLang="zh-CN" dirty="0"/>
-              <a:t>6. Further analysis</a:t>
-            </a:r>
+              <a:t>5. Results and Analysis-Time Steps</a:t>
+            </a:r>
+            <a:br>
+              <a:rPr lang="en-US" altLang="zh-CN" dirty="0"/>
+            </a:br>
             <a:endParaRPr lang="zh-CN" altLang="en-US" dirty="0"/>
           </a:p>
         </p:txBody>
       </p:sp>
-      <p:sp>
-        <p:nvSpPr>
-          <p:cNvPr id="3" name="Content Placeholder 2">
-            <a:extLst>
-              <a:ext uri="{FF2B5EF4-FFF2-40B4-BE49-F238E27FC236}">
-                <a16:creationId xmlns:a16="http://schemas.microsoft.com/office/drawing/2014/main" id="{A439DF90-331F-4B6B-70FB-B5BF4D951156}"/>
-              </a:ext>
-            </a:extLst>
-          </p:cNvPr>
-          <p:cNvSpPr>
-            <a:spLocks noGrp="1"/>
-          </p:cNvSpPr>
-          <p:nvPr>
-            <p:ph idx="1"/>
-          </p:nvPr>
-        </p:nvSpPr>
-        <p:spPr/>
-        <p:txBody>
-          <a:bodyPr/>
-          <a:lstStyle/>
-          <a:p>
-            <a:endParaRPr lang="zh-CN" altLang="en-US" dirty="0"/>
-          </a:p>
-        </p:txBody>
-      </p:sp>
+      <p:pic>
+        <p:nvPicPr>
+          <p:cNvPr id="6" name="Picture 5">
+            <a:extLst>
+              <a:ext uri="{FF2B5EF4-FFF2-40B4-BE49-F238E27FC236}">
+                <a16:creationId xmlns:a16="http://schemas.microsoft.com/office/drawing/2014/main" id="{0FD99433-1B3B-8704-7C64-239E79B86BDA}"/>
+              </a:ext>
+            </a:extLst>
+          </p:cNvPr>
+          <p:cNvPicPr>
+            <a:picLocks noChangeAspect="1"/>
+          </p:cNvPicPr>
+          <p:nvPr/>
+        </p:nvPicPr>
+        <p:blipFill>
+          <a:blip r:embed="rId2"/>
+          <a:stretch>
+            <a:fillRect/>
+          </a:stretch>
+        </p:blipFill>
+        <p:spPr>
+          <a:xfrm>
+            <a:off x="3096861" y="1380326"/>
+            <a:ext cx="6096000" cy="4572000"/>
+          </a:xfrm>
+          <a:prstGeom prst="rect">
+            <a:avLst/>
+          </a:prstGeom>
+        </p:spPr>
+      </p:pic>
+      <p:cxnSp>
+        <p:nvCxnSpPr>
+          <p:cNvPr id="7" name="Straight Connector 6">
+            <a:extLst>
+              <a:ext uri="{FF2B5EF4-FFF2-40B4-BE49-F238E27FC236}">
+                <a16:creationId xmlns:a16="http://schemas.microsoft.com/office/drawing/2014/main" id="{6D1586F2-DE19-0C8B-D1A1-B7F19C9AE11B}"/>
+              </a:ext>
+            </a:extLst>
+          </p:cNvPr>
+          <p:cNvCxnSpPr/>
+          <p:nvPr/>
+        </p:nvCxnSpPr>
+        <p:spPr>
+          <a:xfrm>
+            <a:off x="2748016" y="4405342"/>
+            <a:ext cx="6519463" cy="0"/>
+          </a:xfrm>
+          <a:prstGeom prst="line">
+            <a:avLst/>
+          </a:prstGeom>
+          <a:ln w="38100"/>
+        </p:spPr>
+        <p:style>
+          <a:lnRef idx="1">
+            <a:schemeClr val="accent1"/>
+          </a:lnRef>
+          <a:fillRef idx="0">
+            <a:schemeClr val="accent1"/>
+          </a:fillRef>
+          <a:effectRef idx="0">
+            <a:schemeClr val="accent1"/>
+          </a:effectRef>
+          <a:fontRef idx="minor">
+            <a:schemeClr val="tx1"/>
+          </a:fontRef>
+        </p:style>
+      </p:cxnSp>
+      <p:cxnSp>
+        <p:nvCxnSpPr>
+          <p:cNvPr id="8" name="Straight Connector 7">
+            <a:extLst>
+              <a:ext uri="{FF2B5EF4-FFF2-40B4-BE49-F238E27FC236}">
+                <a16:creationId xmlns:a16="http://schemas.microsoft.com/office/drawing/2014/main" id="{CC5810AA-2E33-FD1E-C2B3-D776CCBFA517}"/>
+              </a:ext>
+            </a:extLst>
+          </p:cNvPr>
+          <p:cNvCxnSpPr/>
+          <p:nvPr/>
+        </p:nvCxnSpPr>
+        <p:spPr>
+          <a:xfrm>
+            <a:off x="2673398" y="2675779"/>
+            <a:ext cx="6519463" cy="0"/>
+          </a:xfrm>
+          <a:prstGeom prst="line">
+            <a:avLst/>
+          </a:prstGeom>
+          <a:ln w="38100">
+            <a:solidFill>
+              <a:schemeClr val="accent2"/>
+            </a:solidFill>
+          </a:ln>
+        </p:spPr>
+        <p:style>
+          <a:lnRef idx="1">
+            <a:schemeClr val="accent1"/>
+          </a:lnRef>
+          <a:fillRef idx="0">
+            <a:schemeClr val="accent1"/>
+          </a:fillRef>
+          <a:effectRef idx="0">
+            <a:schemeClr val="accent1"/>
+          </a:effectRef>
+          <a:fontRef idx="minor">
+            <a:schemeClr val="tx1"/>
+          </a:fontRef>
+        </p:style>
+      </p:cxnSp>
+      <p:cxnSp>
+        <p:nvCxnSpPr>
+          <p:cNvPr id="9" name="Straight Connector 8">
+            <a:extLst>
+              <a:ext uri="{FF2B5EF4-FFF2-40B4-BE49-F238E27FC236}">
+                <a16:creationId xmlns:a16="http://schemas.microsoft.com/office/drawing/2014/main" id="{8E4FB003-0161-54A2-5771-0804BD4FC0D0}"/>
+              </a:ext>
+            </a:extLst>
+          </p:cNvPr>
+          <p:cNvCxnSpPr>
+            <a:cxnSpLocks/>
+          </p:cNvCxnSpPr>
+          <p:nvPr/>
+        </p:nvCxnSpPr>
+        <p:spPr>
+          <a:xfrm>
+            <a:off x="3877340" y="3522921"/>
+            <a:ext cx="4203404" cy="2580167"/>
+          </a:xfrm>
+          <a:prstGeom prst="line">
+            <a:avLst/>
+          </a:prstGeom>
+          <a:ln w="38100"/>
+        </p:spPr>
+        <p:style>
+          <a:lnRef idx="1">
+            <a:schemeClr val="accent1"/>
+          </a:lnRef>
+          <a:fillRef idx="0">
+            <a:schemeClr val="accent1"/>
+          </a:fillRef>
+          <a:effectRef idx="0">
+            <a:schemeClr val="accent1"/>
+          </a:effectRef>
+          <a:fontRef idx="minor">
+            <a:schemeClr val="tx1"/>
+          </a:fontRef>
+        </p:style>
+      </p:cxnSp>
+      <p:cxnSp>
+        <p:nvCxnSpPr>
+          <p:cNvPr id="14" name="Straight Connector 13">
+            <a:extLst>
+              <a:ext uri="{FF2B5EF4-FFF2-40B4-BE49-F238E27FC236}">
+                <a16:creationId xmlns:a16="http://schemas.microsoft.com/office/drawing/2014/main" id="{9CA753FC-2F03-2292-7E1B-A0AAFD17C7C1}"/>
+              </a:ext>
+            </a:extLst>
+          </p:cNvPr>
+          <p:cNvCxnSpPr>
+            <a:cxnSpLocks/>
+          </p:cNvCxnSpPr>
+          <p:nvPr/>
+        </p:nvCxnSpPr>
+        <p:spPr>
+          <a:xfrm>
+            <a:off x="4557823" y="1488558"/>
+            <a:ext cx="3650512" cy="4742121"/>
+          </a:xfrm>
+          <a:prstGeom prst="line">
+            <a:avLst/>
+          </a:prstGeom>
+          <a:ln w="38100">
+            <a:solidFill>
+              <a:schemeClr val="accent2"/>
+            </a:solidFill>
+          </a:ln>
+        </p:spPr>
+        <p:style>
+          <a:lnRef idx="1">
+            <a:schemeClr val="accent1"/>
+          </a:lnRef>
+          <a:fillRef idx="0">
+            <a:schemeClr val="accent1"/>
+          </a:fillRef>
+          <a:effectRef idx="0">
+            <a:schemeClr val="accent1"/>
+          </a:effectRef>
+          <a:fontRef idx="minor">
+            <a:schemeClr val="tx1"/>
+          </a:fontRef>
+        </p:style>
+      </p:cxnSp>
+      <p:cxnSp>
+        <p:nvCxnSpPr>
+          <p:cNvPr id="20" name="Straight Connector 19">
+            <a:extLst>
+              <a:ext uri="{FF2B5EF4-FFF2-40B4-BE49-F238E27FC236}">
+                <a16:creationId xmlns:a16="http://schemas.microsoft.com/office/drawing/2014/main" id="{9601634B-6DB2-D8E0-D3F0-F23EFD2B7301}"/>
+              </a:ext>
+            </a:extLst>
+          </p:cNvPr>
+          <p:cNvCxnSpPr/>
+          <p:nvPr/>
+        </p:nvCxnSpPr>
+        <p:spPr>
+          <a:xfrm>
+            <a:off x="2673398" y="2523379"/>
+            <a:ext cx="6519463" cy="0"/>
+          </a:xfrm>
+          <a:prstGeom prst="line">
+            <a:avLst/>
+          </a:prstGeom>
+          <a:ln w="38100">
+            <a:solidFill>
+              <a:srgbClr val="00B050"/>
+            </a:solidFill>
+          </a:ln>
+        </p:spPr>
+        <p:style>
+          <a:lnRef idx="1">
+            <a:schemeClr val="accent1"/>
+          </a:lnRef>
+          <a:fillRef idx="0">
+            <a:schemeClr val="accent1"/>
+          </a:fillRef>
+          <a:effectRef idx="0">
+            <a:schemeClr val="accent1"/>
+          </a:effectRef>
+          <a:fontRef idx="minor">
+            <a:schemeClr val="tx1"/>
+          </a:fontRef>
+        </p:style>
+      </p:cxnSp>
+      <p:cxnSp>
+        <p:nvCxnSpPr>
+          <p:cNvPr id="21" name="Straight Connector 20">
+            <a:extLst>
+              <a:ext uri="{FF2B5EF4-FFF2-40B4-BE49-F238E27FC236}">
+                <a16:creationId xmlns:a16="http://schemas.microsoft.com/office/drawing/2014/main" id="{0BF27D42-786A-FC66-69E0-45CD0379E79C}"/>
+              </a:ext>
+            </a:extLst>
+          </p:cNvPr>
+          <p:cNvCxnSpPr>
+            <a:cxnSpLocks/>
+          </p:cNvCxnSpPr>
+          <p:nvPr/>
+        </p:nvCxnSpPr>
+        <p:spPr>
+          <a:xfrm>
+            <a:off x="5578549" y="1380326"/>
+            <a:ext cx="2254102" cy="4176958"/>
+          </a:xfrm>
+          <a:prstGeom prst="line">
+            <a:avLst/>
+          </a:prstGeom>
+          <a:ln w="38100">
+            <a:solidFill>
+              <a:srgbClr val="00B050"/>
+            </a:solidFill>
+          </a:ln>
+        </p:spPr>
+        <p:style>
+          <a:lnRef idx="1">
+            <a:schemeClr val="accent1"/>
+          </a:lnRef>
+          <a:fillRef idx="0">
+            <a:schemeClr val="accent1"/>
+          </a:fillRef>
+          <a:effectRef idx="0">
+            <a:schemeClr val="accent1"/>
+          </a:effectRef>
+          <a:fontRef idx="minor">
+            <a:schemeClr val="tx1"/>
+          </a:fontRef>
+        </p:style>
+      </p:cxnSp>
+      <p:cxnSp>
+        <p:nvCxnSpPr>
+          <p:cNvPr id="26" name="Straight Connector 25">
+            <a:extLst>
+              <a:ext uri="{FF2B5EF4-FFF2-40B4-BE49-F238E27FC236}">
+                <a16:creationId xmlns:a16="http://schemas.microsoft.com/office/drawing/2014/main" id="{D404093A-A744-610F-C80C-F90A7392D905}"/>
+              </a:ext>
+            </a:extLst>
+          </p:cNvPr>
+          <p:cNvCxnSpPr>
+            <a:cxnSpLocks/>
+          </p:cNvCxnSpPr>
+          <p:nvPr/>
+        </p:nvCxnSpPr>
+        <p:spPr>
+          <a:xfrm>
+            <a:off x="5259707" y="961219"/>
+            <a:ext cx="0" cy="4991107"/>
+          </a:xfrm>
+          <a:prstGeom prst="line">
+            <a:avLst/>
+          </a:prstGeom>
+          <a:ln w="31750"/>
+        </p:spPr>
+        <p:style>
+          <a:lnRef idx="1">
+            <a:schemeClr val="dk1"/>
+          </a:lnRef>
+          <a:fillRef idx="0">
+            <a:schemeClr val="dk1"/>
+          </a:fillRef>
+          <a:effectRef idx="0">
+            <a:schemeClr val="dk1"/>
+          </a:effectRef>
+          <a:fontRef idx="minor">
+            <a:schemeClr val="tx1"/>
+          </a:fontRef>
+        </p:style>
+      </p:cxnSp>
     </p:spTree>
     <p:extLst>
       <p:ext uri="{BB962C8B-B14F-4D97-AF65-F5344CB8AC3E}">
-        <p14:creationId xmlns:p14="http://schemas.microsoft.com/office/powerpoint/2010/main" val="2545514069"/>
+        <p14:creationId xmlns:p14="http://schemas.microsoft.com/office/powerpoint/2010/main" val="869650391"/>
       </p:ext>
     </p:extLst>
   </p:cSld>
   <p:clrMapOvr>
     <a:masterClrMapping/>
   </p:clrMapOvr>
+  <p:timing>
+    <p:tnLst>
+      <p:par>
+        <p:cTn id="1" dur="indefinite" restart="never" nodeType="tmRoot">
+          <p:childTnLst>
+            <p:seq concurrent="1" nextAc="seek">
+              <p:cTn id="2" dur="indefinite" nodeType="mainSeq">
+                <p:childTnLst>
+                  <p:par>
+                    <p:cTn id="3" fill="hold">
+                      <p:stCondLst>
+                        <p:cond delay="indefinite"/>
+                      </p:stCondLst>
+                      <p:childTnLst>
+                        <p:par>
+                          <p:cTn id="4" fill="hold">
+                            <p:stCondLst>
+                              <p:cond delay="0"/>
+                            </p:stCondLst>
+                            <p:childTnLst>
+                              <p:par>
+                                <p:cTn id="5" presetID="2" presetClass="entr" presetSubtype="4" fill="hold" nodeType="clickEffect">
+                                  <p:stCondLst>
+                                    <p:cond delay="0"/>
+                                  </p:stCondLst>
+                                  <p:childTnLst>
+                                    <p:set>
+                                      <p:cBhvr>
+                                        <p:cTn id="6" dur="1" fill="hold">
+                                          <p:stCondLst>
+                                            <p:cond delay="0"/>
+                                          </p:stCondLst>
+                                        </p:cTn>
+                                        <p:tgtEl>
+                                          <p:spTgt spid="7"/>
+                                        </p:tgtEl>
+                                        <p:attrNameLst>
+                                          <p:attrName>style.visibility</p:attrName>
+                                        </p:attrNameLst>
+                                      </p:cBhvr>
+                                      <p:to>
+                                        <p:strVal val="visible"/>
+                                      </p:to>
+                                    </p:set>
+                                    <p:anim calcmode="lin" valueType="num">
+                                      <p:cBhvr additive="base">
+                                        <p:cTn id="7" dur="500" fill="hold"/>
+                                        <p:tgtEl>
+                                          <p:spTgt spid="7"/>
+                                        </p:tgtEl>
+                                        <p:attrNameLst>
+                                          <p:attrName>ppt_x</p:attrName>
+                                        </p:attrNameLst>
+                                      </p:cBhvr>
+                                      <p:tavLst>
+                                        <p:tav tm="0">
+                                          <p:val>
+                                            <p:strVal val="#ppt_x"/>
+                                          </p:val>
+                                        </p:tav>
+                                        <p:tav tm="100000">
+                                          <p:val>
+                                            <p:strVal val="#ppt_x"/>
+                                          </p:val>
+                                        </p:tav>
+                                      </p:tavLst>
+                                    </p:anim>
+                                    <p:anim calcmode="lin" valueType="num">
+                                      <p:cBhvr additive="base">
+                                        <p:cTn id="8" dur="500" fill="hold"/>
+                                        <p:tgtEl>
+                                          <p:spTgt spid="7"/>
+                                        </p:tgtEl>
+                                        <p:attrNameLst>
+                                          <p:attrName>ppt_y</p:attrName>
+                                        </p:attrNameLst>
+                                      </p:cBhvr>
+                                      <p:tavLst>
+                                        <p:tav tm="0">
+                                          <p:val>
+                                            <p:strVal val="1+#ppt_h/2"/>
+                                          </p:val>
+                                        </p:tav>
+                                        <p:tav tm="100000">
+                                          <p:val>
+                                            <p:strVal val="#ppt_y"/>
+                                          </p:val>
+                                        </p:tav>
+                                      </p:tavLst>
+                                    </p:anim>
+                                  </p:childTnLst>
+                                </p:cTn>
+                              </p:par>
+                              <p:par>
+                                <p:cTn id="9" presetID="2" presetClass="entr" presetSubtype="4" fill="hold" nodeType="withEffect">
+                                  <p:stCondLst>
+                                    <p:cond delay="0"/>
+                                  </p:stCondLst>
+                                  <p:childTnLst>
+                                    <p:set>
+                                      <p:cBhvr>
+                                        <p:cTn id="10" dur="1" fill="hold">
+                                          <p:stCondLst>
+                                            <p:cond delay="0"/>
+                                          </p:stCondLst>
+                                        </p:cTn>
+                                        <p:tgtEl>
+                                          <p:spTgt spid="8"/>
+                                        </p:tgtEl>
+                                        <p:attrNameLst>
+                                          <p:attrName>style.visibility</p:attrName>
+                                        </p:attrNameLst>
+                                      </p:cBhvr>
+                                      <p:to>
+                                        <p:strVal val="visible"/>
+                                      </p:to>
+                                    </p:set>
+                                    <p:anim calcmode="lin" valueType="num">
+                                      <p:cBhvr additive="base">
+                                        <p:cTn id="11" dur="500" fill="hold"/>
+                                        <p:tgtEl>
+                                          <p:spTgt spid="8"/>
+                                        </p:tgtEl>
+                                        <p:attrNameLst>
+                                          <p:attrName>ppt_x</p:attrName>
+                                        </p:attrNameLst>
+                                      </p:cBhvr>
+                                      <p:tavLst>
+                                        <p:tav tm="0">
+                                          <p:val>
+                                            <p:strVal val="#ppt_x"/>
+                                          </p:val>
+                                        </p:tav>
+                                        <p:tav tm="100000">
+                                          <p:val>
+                                            <p:strVal val="#ppt_x"/>
+                                          </p:val>
+                                        </p:tav>
+                                      </p:tavLst>
+                                    </p:anim>
+                                    <p:anim calcmode="lin" valueType="num">
+                                      <p:cBhvr additive="base">
+                                        <p:cTn id="12" dur="500" fill="hold"/>
+                                        <p:tgtEl>
+                                          <p:spTgt spid="8"/>
+                                        </p:tgtEl>
+                                        <p:attrNameLst>
+                                          <p:attrName>ppt_y</p:attrName>
+                                        </p:attrNameLst>
+                                      </p:cBhvr>
+                                      <p:tavLst>
+                                        <p:tav tm="0">
+                                          <p:val>
+                                            <p:strVal val="1+#ppt_h/2"/>
+                                          </p:val>
+                                        </p:tav>
+                                        <p:tav tm="100000">
+                                          <p:val>
+                                            <p:strVal val="#ppt_y"/>
+                                          </p:val>
+                                        </p:tav>
+                                      </p:tavLst>
+                                    </p:anim>
+                                  </p:childTnLst>
+                                </p:cTn>
+                              </p:par>
+                              <p:par>
+                                <p:cTn id="13" presetID="2" presetClass="entr" presetSubtype="4" fill="hold" nodeType="withEffect">
+                                  <p:stCondLst>
+                                    <p:cond delay="0"/>
+                                  </p:stCondLst>
+                                  <p:childTnLst>
+                                    <p:set>
+                                      <p:cBhvr>
+                                        <p:cTn id="14" dur="1" fill="hold">
+                                          <p:stCondLst>
+                                            <p:cond delay="0"/>
+                                          </p:stCondLst>
+                                        </p:cTn>
+                                        <p:tgtEl>
+                                          <p:spTgt spid="20"/>
+                                        </p:tgtEl>
+                                        <p:attrNameLst>
+                                          <p:attrName>style.visibility</p:attrName>
+                                        </p:attrNameLst>
+                                      </p:cBhvr>
+                                      <p:to>
+                                        <p:strVal val="visible"/>
+                                      </p:to>
+                                    </p:set>
+                                    <p:anim calcmode="lin" valueType="num">
+                                      <p:cBhvr additive="base">
+                                        <p:cTn id="15" dur="500" fill="hold"/>
+                                        <p:tgtEl>
+                                          <p:spTgt spid="20"/>
+                                        </p:tgtEl>
+                                        <p:attrNameLst>
+                                          <p:attrName>ppt_x</p:attrName>
+                                        </p:attrNameLst>
+                                      </p:cBhvr>
+                                      <p:tavLst>
+                                        <p:tav tm="0">
+                                          <p:val>
+                                            <p:strVal val="#ppt_x"/>
+                                          </p:val>
+                                        </p:tav>
+                                        <p:tav tm="100000">
+                                          <p:val>
+                                            <p:strVal val="#ppt_x"/>
+                                          </p:val>
+                                        </p:tav>
+                                      </p:tavLst>
+                                    </p:anim>
+                                    <p:anim calcmode="lin" valueType="num">
+                                      <p:cBhvr additive="base">
+                                        <p:cTn id="16" dur="500" fill="hold"/>
+                                        <p:tgtEl>
+                                          <p:spTgt spid="20"/>
+                                        </p:tgtEl>
+                                        <p:attrNameLst>
+                                          <p:attrName>ppt_y</p:attrName>
+                                        </p:attrNameLst>
+                                      </p:cBhvr>
+                                      <p:tavLst>
+                                        <p:tav tm="0">
+                                          <p:val>
+                                            <p:strVal val="1+#ppt_h/2"/>
+                                          </p:val>
+                                        </p:tav>
+                                        <p:tav tm="100000">
+                                          <p:val>
+                                            <p:strVal val="#ppt_y"/>
+                                          </p:val>
+                                        </p:tav>
+                                      </p:tavLst>
+                                    </p:anim>
+                                  </p:childTnLst>
+                                </p:cTn>
+                              </p:par>
+                            </p:childTnLst>
+                          </p:cTn>
+                        </p:par>
+                      </p:childTnLst>
+                    </p:cTn>
+                  </p:par>
+                  <p:par>
+                    <p:cTn id="17" fill="hold">
+                      <p:stCondLst>
+                        <p:cond delay="indefinite"/>
+                      </p:stCondLst>
+                      <p:childTnLst>
+                        <p:par>
+                          <p:cTn id="18" fill="hold">
+                            <p:stCondLst>
+                              <p:cond delay="0"/>
+                            </p:stCondLst>
+                            <p:childTnLst>
+                              <p:par>
+                                <p:cTn id="19" presetID="2" presetClass="entr" presetSubtype="4" fill="hold" nodeType="clickEffect">
+                                  <p:stCondLst>
+                                    <p:cond delay="0"/>
+                                  </p:stCondLst>
+                                  <p:childTnLst>
+                                    <p:set>
+                                      <p:cBhvr>
+                                        <p:cTn id="20" dur="1" fill="hold">
+                                          <p:stCondLst>
+                                            <p:cond delay="0"/>
+                                          </p:stCondLst>
+                                        </p:cTn>
+                                        <p:tgtEl>
+                                          <p:spTgt spid="21"/>
+                                        </p:tgtEl>
+                                        <p:attrNameLst>
+                                          <p:attrName>style.visibility</p:attrName>
+                                        </p:attrNameLst>
+                                      </p:cBhvr>
+                                      <p:to>
+                                        <p:strVal val="visible"/>
+                                      </p:to>
+                                    </p:set>
+                                    <p:anim calcmode="lin" valueType="num">
+                                      <p:cBhvr additive="base">
+                                        <p:cTn id="21" dur="500" fill="hold"/>
+                                        <p:tgtEl>
+                                          <p:spTgt spid="21"/>
+                                        </p:tgtEl>
+                                        <p:attrNameLst>
+                                          <p:attrName>ppt_x</p:attrName>
+                                        </p:attrNameLst>
+                                      </p:cBhvr>
+                                      <p:tavLst>
+                                        <p:tav tm="0">
+                                          <p:val>
+                                            <p:strVal val="#ppt_x"/>
+                                          </p:val>
+                                        </p:tav>
+                                        <p:tav tm="100000">
+                                          <p:val>
+                                            <p:strVal val="#ppt_x"/>
+                                          </p:val>
+                                        </p:tav>
+                                      </p:tavLst>
+                                    </p:anim>
+                                    <p:anim calcmode="lin" valueType="num">
+                                      <p:cBhvr additive="base">
+                                        <p:cTn id="22" dur="500" fill="hold"/>
+                                        <p:tgtEl>
+                                          <p:spTgt spid="21"/>
+                                        </p:tgtEl>
+                                        <p:attrNameLst>
+                                          <p:attrName>ppt_y</p:attrName>
+                                        </p:attrNameLst>
+                                      </p:cBhvr>
+                                      <p:tavLst>
+                                        <p:tav tm="0">
+                                          <p:val>
+                                            <p:strVal val="1+#ppt_h/2"/>
+                                          </p:val>
+                                        </p:tav>
+                                        <p:tav tm="100000">
+                                          <p:val>
+                                            <p:strVal val="#ppt_y"/>
+                                          </p:val>
+                                        </p:tav>
+                                      </p:tavLst>
+                                    </p:anim>
+                                  </p:childTnLst>
+                                </p:cTn>
+                              </p:par>
+                              <p:par>
+                                <p:cTn id="23" presetID="2" presetClass="entr" presetSubtype="4" fill="hold" nodeType="withEffect">
+                                  <p:stCondLst>
+                                    <p:cond delay="0"/>
+                                  </p:stCondLst>
+                                  <p:childTnLst>
+                                    <p:set>
+                                      <p:cBhvr>
+                                        <p:cTn id="24" dur="1" fill="hold">
+                                          <p:stCondLst>
+                                            <p:cond delay="0"/>
+                                          </p:stCondLst>
+                                        </p:cTn>
+                                        <p:tgtEl>
+                                          <p:spTgt spid="14"/>
+                                        </p:tgtEl>
+                                        <p:attrNameLst>
+                                          <p:attrName>style.visibility</p:attrName>
+                                        </p:attrNameLst>
+                                      </p:cBhvr>
+                                      <p:to>
+                                        <p:strVal val="visible"/>
+                                      </p:to>
+                                    </p:set>
+                                    <p:anim calcmode="lin" valueType="num">
+                                      <p:cBhvr additive="base">
+                                        <p:cTn id="25" dur="500" fill="hold"/>
+                                        <p:tgtEl>
+                                          <p:spTgt spid="14"/>
+                                        </p:tgtEl>
+                                        <p:attrNameLst>
+                                          <p:attrName>ppt_x</p:attrName>
+                                        </p:attrNameLst>
+                                      </p:cBhvr>
+                                      <p:tavLst>
+                                        <p:tav tm="0">
+                                          <p:val>
+                                            <p:strVal val="#ppt_x"/>
+                                          </p:val>
+                                        </p:tav>
+                                        <p:tav tm="100000">
+                                          <p:val>
+                                            <p:strVal val="#ppt_x"/>
+                                          </p:val>
+                                        </p:tav>
+                                      </p:tavLst>
+                                    </p:anim>
+                                    <p:anim calcmode="lin" valueType="num">
+                                      <p:cBhvr additive="base">
+                                        <p:cTn id="26" dur="500" fill="hold"/>
+                                        <p:tgtEl>
+                                          <p:spTgt spid="14"/>
+                                        </p:tgtEl>
+                                        <p:attrNameLst>
+                                          <p:attrName>ppt_y</p:attrName>
+                                        </p:attrNameLst>
+                                      </p:cBhvr>
+                                      <p:tavLst>
+                                        <p:tav tm="0">
+                                          <p:val>
+                                            <p:strVal val="1+#ppt_h/2"/>
+                                          </p:val>
+                                        </p:tav>
+                                        <p:tav tm="100000">
+                                          <p:val>
+                                            <p:strVal val="#ppt_y"/>
+                                          </p:val>
+                                        </p:tav>
+                                      </p:tavLst>
+                                    </p:anim>
+                                  </p:childTnLst>
+                                </p:cTn>
+                              </p:par>
+                              <p:par>
+                                <p:cTn id="27" presetID="2" presetClass="entr" presetSubtype="4" fill="hold" nodeType="withEffect">
+                                  <p:stCondLst>
+                                    <p:cond delay="0"/>
+                                  </p:stCondLst>
+                                  <p:childTnLst>
+                                    <p:set>
+                                      <p:cBhvr>
+                                        <p:cTn id="28" dur="1" fill="hold">
+                                          <p:stCondLst>
+                                            <p:cond delay="0"/>
+                                          </p:stCondLst>
+                                        </p:cTn>
+                                        <p:tgtEl>
+                                          <p:spTgt spid="9"/>
+                                        </p:tgtEl>
+                                        <p:attrNameLst>
+                                          <p:attrName>style.visibility</p:attrName>
+                                        </p:attrNameLst>
+                                      </p:cBhvr>
+                                      <p:to>
+                                        <p:strVal val="visible"/>
+                                      </p:to>
+                                    </p:set>
+                                    <p:anim calcmode="lin" valueType="num">
+                                      <p:cBhvr additive="base">
+                                        <p:cTn id="29" dur="500" fill="hold"/>
+                                        <p:tgtEl>
+                                          <p:spTgt spid="9"/>
+                                        </p:tgtEl>
+                                        <p:attrNameLst>
+                                          <p:attrName>ppt_x</p:attrName>
+                                        </p:attrNameLst>
+                                      </p:cBhvr>
+                                      <p:tavLst>
+                                        <p:tav tm="0">
+                                          <p:val>
+                                            <p:strVal val="#ppt_x"/>
+                                          </p:val>
+                                        </p:tav>
+                                        <p:tav tm="100000">
+                                          <p:val>
+                                            <p:strVal val="#ppt_x"/>
+                                          </p:val>
+                                        </p:tav>
+                                      </p:tavLst>
+                                    </p:anim>
+                                    <p:anim calcmode="lin" valueType="num">
+                                      <p:cBhvr additive="base">
+                                        <p:cTn id="30" dur="500" fill="hold"/>
+                                        <p:tgtEl>
+                                          <p:spTgt spid="9"/>
+                                        </p:tgtEl>
+                                        <p:attrNameLst>
+                                          <p:attrName>ppt_y</p:attrName>
+                                        </p:attrNameLst>
+                                      </p:cBhvr>
+                                      <p:tavLst>
+                                        <p:tav tm="0">
+                                          <p:val>
+                                            <p:strVal val="1+#ppt_h/2"/>
+                                          </p:val>
+                                        </p:tav>
+                                        <p:tav tm="100000">
+                                          <p:val>
+                                            <p:strVal val="#ppt_y"/>
+                                          </p:val>
+                                        </p:tav>
+                                      </p:tavLst>
+                                    </p:anim>
+                                  </p:childTnLst>
+                                </p:cTn>
+                              </p:par>
+                            </p:childTnLst>
+                          </p:cTn>
+                        </p:par>
+                      </p:childTnLst>
+                    </p:cTn>
+                  </p:par>
+                  <p:par>
+                    <p:cTn id="31" fill="hold">
+                      <p:stCondLst>
+                        <p:cond delay="indefinite"/>
+                      </p:stCondLst>
+                      <p:childTnLst>
+                        <p:par>
+                          <p:cTn id="32" fill="hold">
+                            <p:stCondLst>
+                              <p:cond delay="0"/>
+                            </p:stCondLst>
+                            <p:childTnLst>
+                              <p:par>
+                                <p:cTn id="33" presetID="2" presetClass="entr" presetSubtype="4" fill="hold" nodeType="clickEffect">
+                                  <p:stCondLst>
+                                    <p:cond delay="0"/>
+                                  </p:stCondLst>
+                                  <p:childTnLst>
+                                    <p:set>
+                                      <p:cBhvr>
+                                        <p:cTn id="34" dur="1" fill="hold">
+                                          <p:stCondLst>
+                                            <p:cond delay="0"/>
+                                          </p:stCondLst>
+                                        </p:cTn>
+                                        <p:tgtEl>
+                                          <p:spTgt spid="26"/>
+                                        </p:tgtEl>
+                                        <p:attrNameLst>
+                                          <p:attrName>style.visibility</p:attrName>
+                                        </p:attrNameLst>
+                                      </p:cBhvr>
+                                      <p:to>
+                                        <p:strVal val="visible"/>
+                                      </p:to>
+                                    </p:set>
+                                    <p:anim calcmode="lin" valueType="num">
+                                      <p:cBhvr additive="base">
+                                        <p:cTn id="35" dur="500" fill="hold"/>
+                                        <p:tgtEl>
+                                          <p:spTgt spid="26"/>
+                                        </p:tgtEl>
+                                        <p:attrNameLst>
+                                          <p:attrName>ppt_x</p:attrName>
+                                        </p:attrNameLst>
+                                      </p:cBhvr>
+                                      <p:tavLst>
+                                        <p:tav tm="0">
+                                          <p:val>
+                                            <p:strVal val="#ppt_x"/>
+                                          </p:val>
+                                        </p:tav>
+                                        <p:tav tm="100000">
+                                          <p:val>
+                                            <p:strVal val="#ppt_x"/>
+                                          </p:val>
+                                        </p:tav>
+                                      </p:tavLst>
+                                    </p:anim>
+                                    <p:anim calcmode="lin" valueType="num">
+                                      <p:cBhvr additive="base">
+                                        <p:cTn id="36" dur="500" fill="hold"/>
+                                        <p:tgtEl>
+                                          <p:spTgt spid="26"/>
+                                        </p:tgtEl>
+                                        <p:attrNameLst>
+                                          <p:attrName>ppt_y</p:attrName>
+                                        </p:attrNameLst>
+                                      </p:cBhvr>
+                                      <p:tavLst>
+                                        <p:tav tm="0">
+                                          <p:val>
+                                            <p:strVal val="1+#ppt_h/2"/>
+                                          </p:val>
+                                        </p:tav>
+                                        <p:tav tm="100000">
+                                          <p:val>
+                                            <p:strVal val="#ppt_y"/>
+                                          </p:val>
+                                        </p:tav>
+                                      </p:tavLst>
+                                    </p:anim>
+                                  </p:childTnLst>
+                                </p:cTn>
+                              </p:par>
+                            </p:childTnLst>
+                          </p:cTn>
+                        </p:par>
+                      </p:childTnLst>
+                    </p:cTn>
+                  </p:par>
+                  <p:par>
+                    <p:cTn id="37" fill="hold">
+                      <p:stCondLst>
+                        <p:cond delay="indefinite"/>
+                      </p:stCondLst>
+                      <p:childTnLst>
+                        <p:par>
+                          <p:cTn id="38" fill="hold">
+                            <p:stCondLst>
+                              <p:cond delay="0"/>
+                            </p:stCondLst>
+                            <p:childTnLst>
+                              <p:par>
+                                <p:cTn id="39" presetID="2" presetClass="exit" presetSubtype="4" fill="hold" nodeType="clickEffect">
+                                  <p:stCondLst>
+                                    <p:cond delay="0"/>
+                                  </p:stCondLst>
+                                  <p:childTnLst>
+                                    <p:anim calcmode="lin" valueType="num">
+                                      <p:cBhvr additive="base">
+                                        <p:cTn id="40" dur="500"/>
+                                        <p:tgtEl>
+                                          <p:spTgt spid="7"/>
+                                        </p:tgtEl>
+                                        <p:attrNameLst>
+                                          <p:attrName>ppt_x</p:attrName>
+                                        </p:attrNameLst>
+                                      </p:cBhvr>
+                                      <p:tavLst>
+                                        <p:tav tm="0">
+                                          <p:val>
+                                            <p:strVal val="ppt_x"/>
+                                          </p:val>
+                                        </p:tav>
+                                        <p:tav tm="100000">
+                                          <p:val>
+                                            <p:strVal val="ppt_x"/>
+                                          </p:val>
+                                        </p:tav>
+                                      </p:tavLst>
+                                    </p:anim>
+                                    <p:anim calcmode="lin" valueType="num">
+                                      <p:cBhvr additive="base">
+                                        <p:cTn id="41" dur="500"/>
+                                        <p:tgtEl>
+                                          <p:spTgt spid="7"/>
+                                        </p:tgtEl>
+                                        <p:attrNameLst>
+                                          <p:attrName>ppt_y</p:attrName>
+                                        </p:attrNameLst>
+                                      </p:cBhvr>
+                                      <p:tavLst>
+                                        <p:tav tm="0">
+                                          <p:val>
+                                            <p:strVal val="ppt_y"/>
+                                          </p:val>
+                                        </p:tav>
+                                        <p:tav tm="100000">
+                                          <p:val>
+                                            <p:strVal val="1+ppt_h/2"/>
+                                          </p:val>
+                                        </p:tav>
+                                      </p:tavLst>
+                                    </p:anim>
+                                    <p:set>
+                                      <p:cBhvr>
+                                        <p:cTn id="42" dur="1" fill="hold">
+                                          <p:stCondLst>
+                                            <p:cond delay="499"/>
+                                          </p:stCondLst>
+                                        </p:cTn>
+                                        <p:tgtEl>
+                                          <p:spTgt spid="7"/>
+                                        </p:tgtEl>
+                                        <p:attrNameLst>
+                                          <p:attrName>style.visibility</p:attrName>
+                                        </p:attrNameLst>
+                                      </p:cBhvr>
+                                      <p:to>
+                                        <p:strVal val="hidden"/>
+                                      </p:to>
+                                    </p:set>
+                                  </p:childTnLst>
+                                </p:cTn>
+                              </p:par>
+                              <p:par>
+                                <p:cTn id="43" presetID="2" presetClass="exit" presetSubtype="4" fill="hold" nodeType="withEffect">
+                                  <p:stCondLst>
+                                    <p:cond delay="0"/>
+                                  </p:stCondLst>
+                                  <p:childTnLst>
+                                    <p:anim calcmode="lin" valueType="num">
+                                      <p:cBhvr additive="base">
+                                        <p:cTn id="44" dur="500"/>
+                                        <p:tgtEl>
+                                          <p:spTgt spid="8"/>
+                                        </p:tgtEl>
+                                        <p:attrNameLst>
+                                          <p:attrName>ppt_x</p:attrName>
+                                        </p:attrNameLst>
+                                      </p:cBhvr>
+                                      <p:tavLst>
+                                        <p:tav tm="0">
+                                          <p:val>
+                                            <p:strVal val="ppt_x"/>
+                                          </p:val>
+                                        </p:tav>
+                                        <p:tav tm="100000">
+                                          <p:val>
+                                            <p:strVal val="ppt_x"/>
+                                          </p:val>
+                                        </p:tav>
+                                      </p:tavLst>
+                                    </p:anim>
+                                    <p:anim calcmode="lin" valueType="num">
+                                      <p:cBhvr additive="base">
+                                        <p:cTn id="45" dur="500"/>
+                                        <p:tgtEl>
+                                          <p:spTgt spid="8"/>
+                                        </p:tgtEl>
+                                        <p:attrNameLst>
+                                          <p:attrName>ppt_y</p:attrName>
+                                        </p:attrNameLst>
+                                      </p:cBhvr>
+                                      <p:tavLst>
+                                        <p:tav tm="0">
+                                          <p:val>
+                                            <p:strVal val="ppt_y"/>
+                                          </p:val>
+                                        </p:tav>
+                                        <p:tav tm="100000">
+                                          <p:val>
+                                            <p:strVal val="1+ppt_h/2"/>
+                                          </p:val>
+                                        </p:tav>
+                                      </p:tavLst>
+                                    </p:anim>
+                                    <p:set>
+                                      <p:cBhvr>
+                                        <p:cTn id="46" dur="1" fill="hold">
+                                          <p:stCondLst>
+                                            <p:cond delay="499"/>
+                                          </p:stCondLst>
+                                        </p:cTn>
+                                        <p:tgtEl>
+                                          <p:spTgt spid="8"/>
+                                        </p:tgtEl>
+                                        <p:attrNameLst>
+                                          <p:attrName>style.visibility</p:attrName>
+                                        </p:attrNameLst>
+                                      </p:cBhvr>
+                                      <p:to>
+                                        <p:strVal val="hidden"/>
+                                      </p:to>
+                                    </p:set>
+                                  </p:childTnLst>
+                                </p:cTn>
+                              </p:par>
+                              <p:par>
+                                <p:cTn id="47" presetID="2" presetClass="exit" presetSubtype="4" fill="hold" nodeType="withEffect">
+                                  <p:stCondLst>
+                                    <p:cond delay="0"/>
+                                  </p:stCondLst>
+                                  <p:childTnLst>
+                                    <p:anim calcmode="lin" valueType="num">
+                                      <p:cBhvr additive="base">
+                                        <p:cTn id="48" dur="500"/>
+                                        <p:tgtEl>
+                                          <p:spTgt spid="20"/>
+                                        </p:tgtEl>
+                                        <p:attrNameLst>
+                                          <p:attrName>ppt_x</p:attrName>
+                                        </p:attrNameLst>
+                                      </p:cBhvr>
+                                      <p:tavLst>
+                                        <p:tav tm="0">
+                                          <p:val>
+                                            <p:strVal val="ppt_x"/>
+                                          </p:val>
+                                        </p:tav>
+                                        <p:tav tm="100000">
+                                          <p:val>
+                                            <p:strVal val="ppt_x"/>
+                                          </p:val>
+                                        </p:tav>
+                                      </p:tavLst>
+                                    </p:anim>
+                                    <p:anim calcmode="lin" valueType="num">
+                                      <p:cBhvr additive="base">
+                                        <p:cTn id="49" dur="500"/>
+                                        <p:tgtEl>
+                                          <p:spTgt spid="20"/>
+                                        </p:tgtEl>
+                                        <p:attrNameLst>
+                                          <p:attrName>ppt_y</p:attrName>
+                                        </p:attrNameLst>
+                                      </p:cBhvr>
+                                      <p:tavLst>
+                                        <p:tav tm="0">
+                                          <p:val>
+                                            <p:strVal val="ppt_y"/>
+                                          </p:val>
+                                        </p:tav>
+                                        <p:tav tm="100000">
+                                          <p:val>
+                                            <p:strVal val="1+ppt_h/2"/>
+                                          </p:val>
+                                        </p:tav>
+                                      </p:tavLst>
+                                    </p:anim>
+                                    <p:set>
+                                      <p:cBhvr>
+                                        <p:cTn id="50" dur="1" fill="hold">
+                                          <p:stCondLst>
+                                            <p:cond delay="499"/>
+                                          </p:stCondLst>
+                                        </p:cTn>
+                                        <p:tgtEl>
+                                          <p:spTgt spid="20"/>
+                                        </p:tgtEl>
+                                        <p:attrNameLst>
+                                          <p:attrName>style.visibility</p:attrName>
+                                        </p:attrNameLst>
+                                      </p:cBhvr>
+                                      <p:to>
+                                        <p:strVal val="hidden"/>
+                                      </p:to>
+                                    </p:set>
+                                  </p:childTnLst>
+                                </p:cTn>
+                              </p:par>
+                              <p:par>
+                                <p:cTn id="51" presetID="2" presetClass="exit" presetSubtype="4" fill="hold" nodeType="withEffect">
+                                  <p:stCondLst>
+                                    <p:cond delay="0"/>
+                                  </p:stCondLst>
+                                  <p:childTnLst>
+                                    <p:anim calcmode="lin" valueType="num">
+                                      <p:cBhvr additive="base">
+                                        <p:cTn id="52" dur="500"/>
+                                        <p:tgtEl>
+                                          <p:spTgt spid="21"/>
+                                        </p:tgtEl>
+                                        <p:attrNameLst>
+                                          <p:attrName>ppt_x</p:attrName>
+                                        </p:attrNameLst>
+                                      </p:cBhvr>
+                                      <p:tavLst>
+                                        <p:tav tm="0">
+                                          <p:val>
+                                            <p:strVal val="ppt_x"/>
+                                          </p:val>
+                                        </p:tav>
+                                        <p:tav tm="100000">
+                                          <p:val>
+                                            <p:strVal val="ppt_x"/>
+                                          </p:val>
+                                        </p:tav>
+                                      </p:tavLst>
+                                    </p:anim>
+                                    <p:anim calcmode="lin" valueType="num">
+                                      <p:cBhvr additive="base">
+                                        <p:cTn id="53" dur="500"/>
+                                        <p:tgtEl>
+                                          <p:spTgt spid="21"/>
+                                        </p:tgtEl>
+                                        <p:attrNameLst>
+                                          <p:attrName>ppt_y</p:attrName>
+                                        </p:attrNameLst>
+                                      </p:cBhvr>
+                                      <p:tavLst>
+                                        <p:tav tm="0">
+                                          <p:val>
+                                            <p:strVal val="ppt_y"/>
+                                          </p:val>
+                                        </p:tav>
+                                        <p:tav tm="100000">
+                                          <p:val>
+                                            <p:strVal val="1+ppt_h/2"/>
+                                          </p:val>
+                                        </p:tav>
+                                      </p:tavLst>
+                                    </p:anim>
+                                    <p:set>
+                                      <p:cBhvr>
+                                        <p:cTn id="54" dur="1" fill="hold">
+                                          <p:stCondLst>
+                                            <p:cond delay="499"/>
+                                          </p:stCondLst>
+                                        </p:cTn>
+                                        <p:tgtEl>
+                                          <p:spTgt spid="21"/>
+                                        </p:tgtEl>
+                                        <p:attrNameLst>
+                                          <p:attrName>style.visibility</p:attrName>
+                                        </p:attrNameLst>
+                                      </p:cBhvr>
+                                      <p:to>
+                                        <p:strVal val="hidden"/>
+                                      </p:to>
+                                    </p:set>
+                                  </p:childTnLst>
+                                </p:cTn>
+                              </p:par>
+                              <p:par>
+                                <p:cTn id="55" presetID="2" presetClass="exit" presetSubtype="4" fill="hold" nodeType="withEffect">
+                                  <p:stCondLst>
+                                    <p:cond delay="0"/>
+                                  </p:stCondLst>
+                                  <p:childTnLst>
+                                    <p:anim calcmode="lin" valueType="num">
+                                      <p:cBhvr additive="base">
+                                        <p:cTn id="56" dur="500"/>
+                                        <p:tgtEl>
+                                          <p:spTgt spid="14"/>
+                                        </p:tgtEl>
+                                        <p:attrNameLst>
+                                          <p:attrName>ppt_x</p:attrName>
+                                        </p:attrNameLst>
+                                      </p:cBhvr>
+                                      <p:tavLst>
+                                        <p:tav tm="0">
+                                          <p:val>
+                                            <p:strVal val="ppt_x"/>
+                                          </p:val>
+                                        </p:tav>
+                                        <p:tav tm="100000">
+                                          <p:val>
+                                            <p:strVal val="ppt_x"/>
+                                          </p:val>
+                                        </p:tav>
+                                      </p:tavLst>
+                                    </p:anim>
+                                    <p:anim calcmode="lin" valueType="num">
+                                      <p:cBhvr additive="base">
+                                        <p:cTn id="57" dur="500"/>
+                                        <p:tgtEl>
+                                          <p:spTgt spid="14"/>
+                                        </p:tgtEl>
+                                        <p:attrNameLst>
+                                          <p:attrName>ppt_y</p:attrName>
+                                        </p:attrNameLst>
+                                      </p:cBhvr>
+                                      <p:tavLst>
+                                        <p:tav tm="0">
+                                          <p:val>
+                                            <p:strVal val="ppt_y"/>
+                                          </p:val>
+                                        </p:tav>
+                                        <p:tav tm="100000">
+                                          <p:val>
+                                            <p:strVal val="1+ppt_h/2"/>
+                                          </p:val>
+                                        </p:tav>
+                                      </p:tavLst>
+                                    </p:anim>
+                                    <p:set>
+                                      <p:cBhvr>
+                                        <p:cTn id="58" dur="1" fill="hold">
+                                          <p:stCondLst>
+                                            <p:cond delay="499"/>
+                                          </p:stCondLst>
+                                        </p:cTn>
+                                        <p:tgtEl>
+                                          <p:spTgt spid="14"/>
+                                        </p:tgtEl>
+                                        <p:attrNameLst>
+                                          <p:attrName>style.visibility</p:attrName>
+                                        </p:attrNameLst>
+                                      </p:cBhvr>
+                                      <p:to>
+                                        <p:strVal val="hidden"/>
+                                      </p:to>
+                                    </p:set>
+                                  </p:childTnLst>
+                                </p:cTn>
+                              </p:par>
+                              <p:par>
+                                <p:cTn id="59" presetID="2" presetClass="exit" presetSubtype="4" fill="hold" nodeType="withEffect">
+                                  <p:stCondLst>
+                                    <p:cond delay="0"/>
+                                  </p:stCondLst>
+                                  <p:childTnLst>
+                                    <p:anim calcmode="lin" valueType="num">
+                                      <p:cBhvr additive="base">
+                                        <p:cTn id="60" dur="500"/>
+                                        <p:tgtEl>
+                                          <p:spTgt spid="9"/>
+                                        </p:tgtEl>
+                                        <p:attrNameLst>
+                                          <p:attrName>ppt_x</p:attrName>
+                                        </p:attrNameLst>
+                                      </p:cBhvr>
+                                      <p:tavLst>
+                                        <p:tav tm="0">
+                                          <p:val>
+                                            <p:strVal val="ppt_x"/>
+                                          </p:val>
+                                        </p:tav>
+                                        <p:tav tm="100000">
+                                          <p:val>
+                                            <p:strVal val="ppt_x"/>
+                                          </p:val>
+                                        </p:tav>
+                                      </p:tavLst>
+                                    </p:anim>
+                                    <p:anim calcmode="lin" valueType="num">
+                                      <p:cBhvr additive="base">
+                                        <p:cTn id="61" dur="500"/>
+                                        <p:tgtEl>
+                                          <p:spTgt spid="9"/>
+                                        </p:tgtEl>
+                                        <p:attrNameLst>
+                                          <p:attrName>ppt_y</p:attrName>
+                                        </p:attrNameLst>
+                                      </p:cBhvr>
+                                      <p:tavLst>
+                                        <p:tav tm="0">
+                                          <p:val>
+                                            <p:strVal val="ppt_y"/>
+                                          </p:val>
+                                        </p:tav>
+                                        <p:tav tm="100000">
+                                          <p:val>
+                                            <p:strVal val="1+ppt_h/2"/>
+                                          </p:val>
+                                        </p:tav>
+                                      </p:tavLst>
+                                    </p:anim>
+                                    <p:set>
+                                      <p:cBhvr>
+                                        <p:cTn id="62" dur="1" fill="hold">
+                                          <p:stCondLst>
+                                            <p:cond delay="499"/>
+                                          </p:stCondLst>
+                                        </p:cTn>
+                                        <p:tgtEl>
+                                          <p:spTgt spid="9"/>
+                                        </p:tgtEl>
+                                        <p:attrNameLst>
+                                          <p:attrName>style.visibility</p:attrName>
+                                        </p:attrNameLst>
+                                      </p:cBhvr>
+                                      <p:to>
+                                        <p:strVal val="hidden"/>
+                                      </p:to>
+                                    </p:set>
+                                  </p:childTnLst>
+                                </p:cTn>
+                              </p:par>
+                            </p:childTnLst>
+                          </p:cTn>
+                        </p:par>
+                      </p:childTnLst>
+                    </p:cTn>
+                  </p:par>
+                </p:childTnLst>
+              </p:cTn>
+              <p:prevCondLst>
+                <p:cond evt="onPrev" delay="0">
+                  <p:tgtEl>
+                    <p:sldTgt/>
+                  </p:tgtEl>
+                </p:cond>
+              </p:prevCondLst>
+              <p:nextCondLst>
+                <p:cond evt="onNext" delay="0">
+                  <p:tgtEl>
+                    <p:sldTgt/>
+                  </p:tgtEl>
+                </p:cond>
+              </p:nextCondLst>
+            </p:seq>
+          </p:childTnLst>
+        </p:cTn>
+      </p:par>
+    </p:tnLst>
+  </p:timing>
 </p:sld>
 </file>
 
@@ -5330,7 +10942,7 @@
           <p:cNvPr id="2" name="Title 1">
             <a:extLst>
               <a:ext uri="{FF2B5EF4-FFF2-40B4-BE49-F238E27FC236}">
-                <a16:creationId xmlns:a16="http://schemas.microsoft.com/office/drawing/2014/main" id="{22EC5274-19E8-5015-A857-129121CE9BB2}"/>
+                <a16:creationId xmlns:a16="http://schemas.microsoft.com/office/drawing/2014/main" id="{022A3548-FCC0-D405-0BB3-04758A5DD805}"/>
               </a:ext>
             </a:extLst>
           </p:cNvPr>
@@ -5343,46 +10955,179 @@
         </p:nvSpPr>
         <p:spPr/>
         <p:txBody>
-          <a:bodyPr/>
+          <a:bodyPr>
+            <a:normAutofit fontScale="90000"/>
+          </a:bodyPr>
           <a:lstStyle/>
           <a:p>
             <a:r>
               <a:rPr lang="en-US" altLang="zh-CN" dirty="0"/>
-              <a:t>Reference:</a:t>
-            </a:r>
+              <a:t>5. Results and Analysis-</a:t>
+            </a:r>
+            <a:br>
+              <a:rPr lang="en-US" altLang="zh-CN" dirty="0"/>
+            </a:br>
+            <a:r>
+              <a:rPr lang="en-US" altLang="zh-CN" dirty="0"/>
+              <a:t>	Time Steps, Iterations and Total Time</a:t>
+            </a:r>
+            <a:br>
+              <a:rPr lang="en-US" altLang="zh-CN" dirty="0"/>
+            </a:br>
             <a:endParaRPr lang="zh-CN" altLang="en-US" dirty="0"/>
           </a:p>
         </p:txBody>
       </p:sp>
-      <p:sp>
-        <p:nvSpPr>
-          <p:cNvPr id="3" name="Content Placeholder 2">
-            <a:extLst>
-              <a:ext uri="{FF2B5EF4-FFF2-40B4-BE49-F238E27FC236}">
-                <a16:creationId xmlns:a16="http://schemas.microsoft.com/office/drawing/2014/main" id="{14194F23-160C-A3E6-E233-CE98098E313C}"/>
-              </a:ext>
-            </a:extLst>
-          </p:cNvPr>
-          <p:cNvSpPr>
-            <a:spLocks noGrp="1"/>
-          </p:cNvSpPr>
-          <p:nvPr>
-            <p:ph idx="1"/>
-          </p:nvPr>
-        </p:nvSpPr>
-        <p:spPr/>
-        <p:txBody>
-          <a:bodyPr/>
-          <a:lstStyle/>
-          <a:p>
-            <a:endParaRPr lang="zh-CN" altLang="en-US"/>
-          </a:p>
-        </p:txBody>
-      </p:sp>
+      <mc:AlternateContent xmlns:mc="http://schemas.openxmlformats.org/markup-compatibility/2006">
+        <mc:Choice xmlns:a14="http://schemas.microsoft.com/office/drawing/2010/main" Requires="a14">
+          <p:sp>
+            <p:nvSpPr>
+              <p:cNvPr id="3" name="Content Placeholder 2">
+                <a:extLst>
+                  <a:ext uri="{FF2B5EF4-FFF2-40B4-BE49-F238E27FC236}">
+                    <a16:creationId xmlns:a16="http://schemas.microsoft.com/office/drawing/2014/main" id="{AEA9D48B-36B9-A1C2-85F2-8AE99B42A994}"/>
+                  </a:ext>
+                </a:extLst>
+              </p:cNvPr>
+              <p:cNvSpPr>
+                <a:spLocks noGrp="1"/>
+              </p:cNvSpPr>
+              <p:nvPr>
+                <p:ph idx="1"/>
+              </p:nvPr>
+            </p:nvSpPr>
+            <p:spPr>
+              <a:xfrm>
+                <a:off x="838200" y="1553399"/>
+                <a:ext cx="10515600" cy="4351338"/>
+              </a:xfrm>
+            </p:spPr>
+            <p:txBody>
+              <a:bodyPr>
+                <a:normAutofit/>
+              </a:bodyPr>
+              <a:lstStyle/>
+              <a:p>
+                <a:pPr marL="0" indent="0" algn="ctr">
+                  <a:buNone/>
+                </a:pPr>
+                <a:r>
+                  <a:rPr lang="en-US" altLang="zh-CN" sz="2800" b="1" dirty="0"/>
+                  <a:t>Total time period = time steps </a:t>
+                </a:r>
+                <a14:m>
+                  <m:oMath xmlns:m="http://schemas.openxmlformats.org/officeDocument/2006/math">
+                    <m:r>
+                      <a:rPr lang="en-US" altLang="zh-CN" sz="2800" b="1" i="1" smtClean="0">
+                        <a:latin typeface="Cambria Math" panose="02040503050406030204" pitchFamily="18" charset="0"/>
+                        <a:ea typeface="Cambria Math" panose="02040503050406030204" pitchFamily="18" charset="0"/>
+                      </a:rPr>
+                      <m:t>×</m:t>
+                    </m:r>
+                  </m:oMath>
+                </a14:m>
+                <a:r>
+                  <a:rPr lang="zh-CN" altLang="en-US" sz="2800" b="1" dirty="0"/>
+                  <a:t> </a:t>
+                </a:r>
+                <a:r>
+                  <a:rPr lang="en-US" altLang="zh-CN" sz="2800" b="1" dirty="0"/>
+                  <a:t>iterations</a:t>
+                </a:r>
+              </a:p>
+              <a:p>
+                <a:r>
+                  <a:rPr lang="en-US" altLang="zh-CN" dirty="0"/>
+                  <a:t>Time steps should be chosen with high priority:</a:t>
+                </a:r>
+              </a:p>
+              <a:p>
+                <a:pPr lvl="1"/>
+                <a:r>
+                  <a:rPr lang="en-US" altLang="zh-CN" dirty="0"/>
+                  <a:t>Decides the minimum requirement accuracy for the calculation to produce reliable result.</a:t>
+                </a:r>
+              </a:p>
+              <a:p>
+                <a:pPr lvl="1"/>
+                <a:r>
+                  <a:rPr lang="en-US" altLang="zh-CN" dirty="0"/>
+                  <a:t>Decides time and memory cost</a:t>
+                </a:r>
+                <a:endParaRPr lang="en-US" altLang="zh-CN" sz="3200" b="1" dirty="0"/>
+              </a:p>
+              <a:p>
+                <a:r>
+                  <a:rPr lang="en-US" altLang="zh-CN" dirty="0"/>
+                  <a:t>The value of iterations and total time should alter according to the circumstances:</a:t>
+                </a:r>
+              </a:p>
+              <a:p>
+                <a:pPr lvl="1"/>
+                <a:r>
+                  <a:rPr lang="en-US" altLang="zh-CN" dirty="0"/>
+                  <a:t>Long period interest</a:t>
+                </a:r>
+              </a:p>
+              <a:p>
+                <a:pPr lvl="1"/>
+                <a:r>
+                  <a:rPr lang="en-US" altLang="zh-CN" dirty="0"/>
+                  <a:t>Short time interest</a:t>
+                </a:r>
+                <a:endParaRPr lang="zh-CN" altLang="en-US" dirty="0"/>
+              </a:p>
+            </p:txBody>
+          </p:sp>
+        </mc:Choice>
+        <mc:Fallback>
+          <p:sp>
+            <p:nvSpPr>
+              <p:cNvPr id="3" name="Content Placeholder 2">
+                <a:extLst>
+                  <a:ext uri="{FF2B5EF4-FFF2-40B4-BE49-F238E27FC236}">
+                    <a16:creationId xmlns:a16="http://schemas.microsoft.com/office/drawing/2014/main" id="{AEA9D48B-36B9-A1C2-85F2-8AE99B42A994}"/>
+                  </a:ext>
+                </a:extLst>
+              </p:cNvPr>
+              <p:cNvSpPr>
+                <a:spLocks noGrp="1" noRot="1" noChangeAspect="1" noMove="1" noResize="1" noEditPoints="1" noAdjustHandles="1" noChangeArrowheads="1" noChangeShapeType="1" noTextEdit="1"/>
+              </p:cNvSpPr>
+              <p:nvPr>
+                <p:ph idx="1"/>
+              </p:nvPr>
+            </p:nvSpPr>
+            <p:spPr>
+              <a:xfrm>
+                <a:off x="838200" y="1553399"/>
+                <a:ext cx="10515600" cy="4351338"/>
+              </a:xfrm>
+              <a:blipFill>
+                <a:blip r:embed="rId2"/>
+                <a:stretch>
+                  <a:fillRect l="-1043" t="-2521" r="-986"/>
+                </a:stretch>
+              </a:blipFill>
+            </p:spPr>
+            <p:txBody>
+              <a:bodyPr/>
+              <a:lstStyle/>
+              <a:p>
+                <a:r>
+                  <a:rPr lang="zh-CN" altLang="en-US">
+                    <a:noFill/>
+                  </a:rPr>
+                  <a:t> </a:t>
+                </a:r>
+              </a:p>
+            </p:txBody>
+          </p:sp>
+        </mc:Fallback>
+      </mc:AlternateContent>
     </p:spTree>
     <p:extLst>
       <p:ext uri="{BB962C8B-B14F-4D97-AF65-F5344CB8AC3E}">
-        <p14:creationId xmlns:p14="http://schemas.microsoft.com/office/powerpoint/2010/main" val="691924186"/>
+        <p14:creationId xmlns:p14="http://schemas.microsoft.com/office/powerpoint/2010/main" val="1063582765"/>
       </p:ext>
     </p:extLst>
   </p:cSld>
